--- a/old/precal2_8_02.pptx
+++ b/old/precal2_8_02.pptx
@@ -16,6 +16,7 @@
     <p:sldId id="261" r:id="rId13"/>
     <p:sldId id="262" r:id="rId14"/>
     <p:sldId id="263" r:id="rId15"/>
+    <p:sldId id="264" r:id="rId16"/>
   </p:sldIdLst>
   <p:sldSz cx="9144000" cy="5143500"/>
   <p:notesSz cx="6858000" cy="9144000"/>
@@ -572,7 +573,7 @@
       </p:grpSpPr>
       <p:sp>
         <p:nvSpPr>
-          <p:cNvPr id="193" name="Shape 193"/>
+          <p:cNvPr id="194" name="Shape 194"/>
           <p:cNvSpPr/>
           <p:nvPr>
             <p:ph type="sldImg"/>
@@ -593,7 +594,7 @@
       </p:sp>
       <p:sp>
         <p:nvSpPr>
-          <p:cNvPr id="194" name="Shape 194"/>
+          <p:cNvPr id="195" name="Shape 195"/>
           <p:cNvSpPr/>
           <p:nvPr>
             <p:ph type="body" sz="quarter" idx="1"/>
@@ -608,31 +609,7 @@
           <a:bodyPr/>
           <a:lstStyle/>
           <a:p>
-            <a:pPr marL="187157" indent="-187157">
-              <a:buSzPct val="100000"/>
-              <a:buAutoNum type="arabicPeriod" startAt="1"/>
-            </a:pPr>
-            <a:r>
-              <a:t>det(A) = -2*4 - 0*3 = -8.    det(B) = -2 - -2 = 0</a:t>
-            </a:r>
-          </a:p>
-          <a:p>
-            <a:pPr marL="187157" indent="-187157">
-              <a:buSzPct val="100000"/>
-              <a:buAutoNum type="arabicPeriod" startAt="1"/>
-            </a:pPr>
-            <a:r>
-              <a:t>AB = [-4 4, 1 -1]. Det AB = 0.</a:t>
-            </a:r>
-          </a:p>
-          <a:p>
-            <a:pPr marL="187157" indent="-187157">
-              <a:buSzPct val="100000"/>
-              <a:buAutoNum type="arabicPeriod" startAt="1"/>
-            </a:pPr>
-            <a:r>
-              <a:t>Det AB = det A * det B</a:t>
-            </a:r>
+            <a:pPr/>
           </a:p>
         </p:txBody>
       </p:sp>
@@ -663,7 +640,7 @@
       </p:grpSpPr>
       <p:sp>
         <p:nvSpPr>
-          <p:cNvPr id="203" name="Shape 203"/>
+          <p:cNvPr id="205" name="Shape 205"/>
           <p:cNvSpPr/>
           <p:nvPr>
             <p:ph type="sldImg"/>
@@ -684,7 +661,7 @@
       </p:sp>
       <p:sp>
         <p:nvSpPr>
-          <p:cNvPr id="204" name="Shape 204"/>
+          <p:cNvPr id="206" name="Shape 206"/>
           <p:cNvSpPr/>
           <p:nvPr>
             <p:ph type="body" sz="quarter" idx="1"/>
@@ -701,19 +678,7 @@
           <a:p>
             <a:pPr/>
             <a:r>
-              <a:t>M11 = 2.  M12 = -43.  M13 = 2</a:t>
-            </a:r>
-          </a:p>
-          <a:p>
-            <a:pPr/>
-            <a:r>
-              <a:t>M21 = -30 M22 = 17 M23 = -6</a:t>
-            </a:r>
-          </a:p>
-          <a:p>
-            <a:pPr/>
-            <a:r>
-              <a:t>M31 = 54. M32 = -51. M33 = -34</a:t>
+              <a:t>A system of linear equations can be represented as the matrix eq. AX = B, meaning X = A^-1 * B.  Because we know that the inverse A^-1 = adj(A)/det(A), if we find the adjugate and determinant then we can find the matrix X, meaning we can solve the system.</a:t>
             </a:r>
           </a:p>
         </p:txBody>
@@ -745,7 +710,7 @@
       </p:grpSpPr>
       <p:sp>
         <p:nvSpPr>
-          <p:cNvPr id="213" name="Shape 213"/>
+          <p:cNvPr id="212" name="Shape 212"/>
           <p:cNvSpPr/>
           <p:nvPr>
             <p:ph type="sldImg"/>
@@ -766,7 +731,7 @@
       </p:sp>
       <p:sp>
         <p:nvSpPr>
-          <p:cNvPr id="214" name="Shape 214"/>
+          <p:cNvPr id="213" name="Shape 213"/>
           <p:cNvSpPr/>
           <p:nvPr>
             <p:ph type="body" sz="quarter" idx="1"/>
@@ -848,7 +813,7 @@
       </p:grpSpPr>
       <p:sp>
         <p:nvSpPr>
-          <p:cNvPr id="223" name="Shape 223"/>
+          <p:cNvPr id="221" name="Shape 221"/>
           <p:cNvSpPr/>
           <p:nvPr>
             <p:ph type="sldImg"/>
@@ -869,7 +834,7 @@
       </p:sp>
       <p:sp>
         <p:nvSpPr>
-          <p:cNvPr id="224" name="Shape 224"/>
+          <p:cNvPr id="222" name="Shape 222"/>
           <p:cNvSpPr/>
           <p:nvPr>
             <p:ph type="body" sz="quarter" idx="1"/>
@@ -886,7 +851,7 @@
           <a:p>
             <a:pPr/>
             <a:r>
-              <a:t>see answer key for solutions</a:t>
+              <a:t>C^T = </a:t>
             </a:r>
           </a:p>
           <a:p>
@@ -895,31 +860,37 @@
           <a:p>
             <a:pPr/>
             <a:r>
-              <a:t>pre-planned questions:</a:t>
+              <a:t>-8.  2. 9</a:t>
             </a:r>
           </a:p>
           <a:p>
             <a:pPr/>
             <a:r>
-              <a:t>+How do you find the adjugate/determinant? use the formulas on the board!!!</a:t>
+              <a:t>-2  -2  1</a:t>
             </a:r>
           </a:p>
           <a:p>
             <a:pPr/>
             <a:r>
-              <a:t>+How can I use the adjugate/determinant to find the inverese? adj(A)/det(A)</a:t>
+              <a:t>-2. -2. 6</a:t>
             </a:r>
           </a:p>
           <a:p>
             <a:pPr/>
-            <a:r>
-              <a:t>+How do I convert to AX=B? A is the coefficient matrix, X reprsents the variables and B the solutions</a:t>
-            </a:r>
           </a:p>
           <a:p>
             <a:pPr/>
             <a:r>
-              <a:t>+Why can’t I just use substitution? Because we’re practicing using adjugates and determinates.  It might seem silly here, but with bigger matrices it will be a LOT easier.  </a:t>
+              <a:t>det(A) = 1(-8) + 3(-2) + (-2)-2 = -8 - 6 + 4 = -10</a:t>
+            </a:r>
+          </a:p>
+          <a:p>
+            <a:pPr/>
+          </a:p>
+          <a:p>
+            <a:pPr/>
+            <a:r>
+              <a:t>A^-1 = </a:t>
             </a:r>
           </a:p>
         </p:txBody>
@@ -951,7 +922,7 @@
       </p:grpSpPr>
       <p:sp>
         <p:nvSpPr>
-          <p:cNvPr id="229" name="Shape 229"/>
+          <p:cNvPr id="234" name="Shape 234"/>
           <p:cNvSpPr/>
           <p:nvPr>
             <p:ph type="sldImg"/>
@@ -972,7 +943,110 @@
       </p:sp>
       <p:sp>
         <p:nvSpPr>
-          <p:cNvPr id="230" name="Shape 230"/>
+          <p:cNvPr id="235" name="Shape 235"/>
+          <p:cNvSpPr/>
+          <p:nvPr>
+            <p:ph type="body" sz="quarter" idx="1"/>
+          </p:nvPr>
+        </p:nvSpPr>
+        <p:spPr>
+          <a:prstGeom prst="rect">
+            <a:avLst/>
+          </a:prstGeom>
+        </p:spPr>
+        <p:txBody>
+          <a:bodyPr/>
+          <a:lstStyle/>
+          <a:p>
+            <a:pPr/>
+            <a:r>
+              <a:t>see answer key for solutions</a:t>
+            </a:r>
+          </a:p>
+          <a:p>
+            <a:pPr/>
+          </a:p>
+          <a:p>
+            <a:pPr/>
+            <a:r>
+              <a:t>pre-planned questions:</a:t>
+            </a:r>
+          </a:p>
+          <a:p>
+            <a:pPr/>
+            <a:r>
+              <a:t>+How do you find the adjugate/determinant? use the formulas on the board!!!</a:t>
+            </a:r>
+          </a:p>
+          <a:p>
+            <a:pPr/>
+            <a:r>
+              <a:t>+How can I use the adjugate/determinant to find the inverese? adj(A)/det(A)</a:t>
+            </a:r>
+          </a:p>
+          <a:p>
+            <a:pPr/>
+            <a:r>
+              <a:t>+How do I convert to AX=B? A is the coefficient matrix, X reprsents the variables and B the solutions</a:t>
+            </a:r>
+          </a:p>
+          <a:p>
+            <a:pPr/>
+            <a:r>
+              <a:t>+Why can’t I just use substitution? Because we’re practicing using adjugates and determinates.  It might seem silly here, but with bigger matrices it will be a LOT easier.  </a:t>
+            </a:r>
+          </a:p>
+        </p:txBody>
+      </p:sp>
+    </p:spTree>
+  </p:cSld>
+  <p:clrMapOvr>
+    <a:masterClrMapping/>
+  </p:clrMapOvr>
+</p:notes>
+</file>
+
+<file path=ppt/notesSlides/notesSlide7.xml><?xml version="1.0" encoding="utf-8"?>
+<p:notes xmlns:a="http://schemas.openxmlformats.org/drawingml/2006/main" xmlns:r="http://schemas.openxmlformats.org/officeDocument/2006/relationships" xmlns:p="http://schemas.openxmlformats.org/presentationml/2006/main" xmlns:m="http://schemas.openxmlformats.org/officeDocument/2006/math" xmlns:a14="http://schemas.microsoft.com/office/drawing/2010/main" showMasterSp="1" showMasterPhAnim="1">
+  <p:cSld>
+    <p:spTree>
+      <p:nvGrpSpPr>
+        <p:cNvPr id="1" name=""/>
+        <p:cNvGrpSpPr/>
+        <p:nvPr/>
+      </p:nvGrpSpPr>
+      <p:grpSpPr>
+        <a:xfrm>
+          <a:off x="0" y="0"/>
+          <a:ext cx="0" cy="0"/>
+          <a:chOff x="0" y="0"/>
+          <a:chExt cx="0" cy="0"/>
+        </a:xfrm>
+      </p:grpSpPr>
+      <p:sp>
+        <p:nvSpPr>
+          <p:cNvPr id="240" name="Shape 240"/>
+          <p:cNvSpPr/>
+          <p:nvPr>
+            <p:ph type="sldImg"/>
+          </p:nvPr>
+        </p:nvSpPr>
+        <p:spPr>
+          <a:prstGeom prst="rect">
+            <a:avLst/>
+          </a:prstGeom>
+        </p:spPr>
+        <p:txBody>
+          <a:bodyPr/>
+          <a:lstStyle/>
+          <a:p>
+            <a:pPr/>
+          </a:p>
+        </p:txBody>
+      </p:sp>
+      <p:sp>
+        <p:nvSpPr>
+          <p:cNvPr id="241" name="Shape 241"/>
           <p:cNvSpPr/>
           <p:nvPr>
             <p:ph type="body" sz="quarter" idx="1"/>
@@ -3043,7 +3117,7 @@
         <p:spPr>
           <a:xfrm>
             <a:off x="159380" y="4693106"/>
-            <a:ext cx="8552701" cy="624607"/>
+            <a:ext cx="8552701" cy="614649"/>
           </a:xfrm>
           <a:prstGeom prst="rect">
             <a:avLst/>
@@ -3089,42 +3163,7 @@
             </a:r>
             <a:r>
               <a:rPr b="0"/>
-              <a:t>HDW find the minors and cofactors of a </a:t>
-            </a:r>
-            <a14:m>
-              <m:oMath>
-                <m:r>
-                  <a:rPr xmlns:a="http://schemas.openxmlformats.org/drawingml/2006/main" sz="1800" i="1">
-                    <a:solidFill>
-                      <a:srgbClr val="000000"/>
-                    </a:solidFill>
-                    <a:latin typeface="Cambria Math" panose="02040503050406030204" pitchFamily="18" charset="0"/>
-                  </a:rPr>
-                  <m:t>3</m:t>
-                </m:r>
-                <m:r>
-                  <a:rPr xmlns:a="http://schemas.openxmlformats.org/drawingml/2006/main" sz="1800" i="1">
-                    <a:solidFill>
-                      <a:srgbClr val="000000"/>
-                    </a:solidFill>
-                    <a:latin typeface="Cambria Math" panose="02040503050406030204" pitchFamily="18" charset="0"/>
-                  </a:rPr>
-                  <m:t>×</m:t>
-                </m:r>
-                <m:r>
-                  <a:rPr xmlns:a="http://schemas.openxmlformats.org/drawingml/2006/main" sz="1800" i="1">
-                    <a:solidFill>
-                      <a:srgbClr val="000000"/>
-                    </a:solidFill>
-                    <a:latin typeface="Cambria Math" panose="02040503050406030204" pitchFamily="18" charset="0"/>
-                  </a:rPr>
-                  <m:t>3</m:t>
-                </m:r>
-              </m:oMath>
-            </a14:m>
-            <a:r>
-              <a:rPr b="0"/>
-              <a:t> matrix?</a:t>
+              <a:t>HDW find the adjugate of a  matrix?</a:t>
             </a:r>
             <a:endParaRPr b="0"/>
           </a:p>
@@ -3132,7 +3171,7 @@
       </p:sp>
       <p:sp>
         <p:nvSpPr>
-          <p:cNvPr id="45" name="Dr. O’Brien  3/28/22"/>
+          <p:cNvPr id="45" name="Dr. O’Brien  4/3/22"/>
           <p:cNvSpPr txBox="1"/>
           <p:nvPr/>
         </p:nvSpPr>
@@ -3161,7 +3200,7 @@
           <a:p>
             <a:pPr/>
             <a:r>
-              <a:t>Dr. O’Brien  3/28/22</a:t>
+              <a:t>Dr. O’Brien  4/3/22</a:t>
             </a:r>
           </a:p>
         </p:txBody>
@@ -5621,7 +5660,7 @@
               </a:defRPr>
             </a:pPr>
             <a:r>
-              <a:t>Lesson 8.2</a:t>
+              <a:t>Lesson 9.1</a:t>
             </a:r>
           </a:p>
         </p:txBody>
@@ -5796,21 +5835,21 @@
                   <a:schemeClr val="accent3"/>
                 </a:solidFill>
               </a:rPr>
-              <a:t>.</a:t>
+              <a:t>. Copy the vocab below:</a:t>
             </a:r>
           </a:p>
         </p:txBody>
       </p:sp>
       <p:sp>
         <p:nvSpPr>
-          <p:cNvPr id="191" name="Be sure to……"/>
+          <p:cNvPr id="191" name="Group"/>
           <p:cNvSpPr txBox="1"/>
           <p:nvPr/>
         </p:nvSpPr>
         <p:spPr>
           <a:xfrm>
-            <a:off x="1491239" y="976350"/>
-            <a:ext cx="3884841" cy="1495153"/>
+            <a:off x="1535135" y="3855305"/>
+            <a:ext cx="4914672" cy="655659"/>
           </a:xfrm>
           <a:prstGeom prst="rect">
             <a:avLst/>
@@ -5825,88 +5864,200 @@
           </a:extLst>
         </p:spPr>
         <p:txBody>
-          <a:bodyPr lIns="0" tIns="0" rIns="0" bIns="0">
-            <a:spAutoFit/>
-          </a:bodyPr>
+          <a:bodyPr lIns="0" tIns="0" rIns="0" bIns="0"/>
           <a:lstStyle/>
           <a:p>
-            <a:pPr defTabSz="457200">
-              <a:spcBef>
-                <a:spcPts val="1300"/>
-              </a:spcBef>
-              <a:defRPr sz="1533">
+            <a:pPr>
+              <a:defRPr>
                 <a:solidFill>
-                  <a:srgbClr val="000000"/>
+                  <a:srgbClr val="4D22B2"/>
                 </a:solidFill>
-                <a:latin typeface="Times Roman"/>
-                <a:ea typeface="Times Roman"/>
-                <a:cs typeface="Times Roman"/>
-                <a:sym typeface="Times Roman"/>
               </a:defRPr>
             </a:pPr>
-          </a:p>
+            <a:r>
+              <a:t>Adjugate </a:t>
+            </a:r>
+          </a:p>
+          <a:p>
+            <a:pPr/>
+            <a:r>
+              <a:t>The adjugate of a matrix A </a:t>
+            </a:r>
+            <a14:m>
+              <m:oMath>
+                <m:r>
+                  <m:rPr>
+                    <m:nor/>
+                  </m:rPr>
+                  <a:rPr xmlns:a="http://schemas.openxmlformats.org/drawingml/2006/main" sz="1550" i="1">
+                    <a:solidFill>
+                      <a:srgbClr val="012F7B"/>
+                    </a:solidFill>
+                    <a:latin typeface="Cambria Math" panose="02040503050406030204" pitchFamily="18" charset="0"/>
+                  </a:rPr>
+                  <m:t>adj</m:t>
+                </m:r>
+                <m:r>
+                  <a:rPr xmlns:a="http://schemas.openxmlformats.org/drawingml/2006/main" sz="1550" i="1">
+                    <a:solidFill>
+                      <a:srgbClr val="012F7B"/>
+                    </a:solidFill>
+                    <a:latin typeface="Cambria Math" panose="02040503050406030204" pitchFamily="18" charset="0"/>
+                  </a:rPr>
+                  <m:t>(</m:t>
+                </m:r>
+                <m:r>
+                  <a:rPr xmlns:a="http://schemas.openxmlformats.org/drawingml/2006/main" sz="1550" i="1">
+                    <a:solidFill>
+                      <a:srgbClr val="012F7B"/>
+                    </a:solidFill>
+                    <a:latin typeface="Cambria Math" panose="02040503050406030204" pitchFamily="18" charset="0"/>
+                  </a:rPr>
+                  <m:t>A</m:t>
+                </m:r>
+                <m:r>
+                  <a:rPr xmlns:a="http://schemas.openxmlformats.org/drawingml/2006/main" sz="1550" i="1">
+                    <a:solidFill>
+                      <a:srgbClr val="012F7B"/>
+                    </a:solidFill>
+                    <a:latin typeface="Cambria Math" panose="02040503050406030204" pitchFamily="18" charset="0"/>
+                  </a:rPr>
+                  <m:t>)</m:t>
+                </m:r>
+              </m:oMath>
+            </a14:m>
+            <a:r>
+              <a:t> is the transpose of the cofactor matrix </a:t>
+            </a:r>
+            <a14:m>
+              <m:oMath>
+                <m:sSup>
+                  <m:e>
+                    <m:r>
+                      <a:rPr xmlns:a="http://schemas.openxmlformats.org/drawingml/2006/main" sz="1700" i="1">
+                        <a:solidFill>
+                          <a:srgbClr val="012F7B"/>
+                        </a:solidFill>
+                        <a:latin typeface="Cambria Math" panose="02040503050406030204" pitchFamily="18" charset="0"/>
+                      </a:rPr>
+                      <m:t>C</m:t>
+                    </m:r>
+                  </m:e>
+                  <m:sup>
+                    <m:r>
+                      <a:rPr xmlns:a="http://schemas.openxmlformats.org/drawingml/2006/main" sz="1700" i="1">
+                        <a:solidFill>
+                          <a:srgbClr val="012F7B"/>
+                        </a:solidFill>
+                        <a:latin typeface="Cambria Math" panose="02040503050406030204" pitchFamily="18" charset="0"/>
+                      </a:rPr>
+                      <m:t>T</m:t>
+                    </m:r>
+                  </m:sup>
+                </m:sSup>
+              </m:oMath>
+            </a14:m>
+            <a:endParaRPr>
+              <a:solidFill>
+                <a:srgbClr val="012F7B"/>
+              </a:solidFill>
+            </a:endParaRPr>
+          </a:p>
+        </p:txBody>
+      </p:sp>
+      <p:sp>
+        <p:nvSpPr>
+          <p:cNvPr id="192" name="Group"/>
+          <p:cNvSpPr txBox="1"/>
+          <p:nvPr/>
+        </p:nvSpPr>
+        <p:spPr>
+          <a:xfrm>
+            <a:off x="1462101" y="2808762"/>
+            <a:ext cx="4640102" cy="619028"/>
+          </a:xfrm>
+          <a:prstGeom prst="rect">
+            <a:avLst/>
+          </a:prstGeom>
+          <a:ln w="12700">
+            <a:miter lim="400000"/>
+          </a:ln>
+          <a:extLst>
+            <a:ext uri="{C572A759-6A51-4108-AA02-DFA0A04FC94B}">
+              <ma14:wrappingTextBoxFlag xmlns:ma14="http://schemas.microsoft.com/office/mac/drawingml/2011/main" val="1"/>
+            </a:ext>
+          </a:extLst>
+        </p:spPr>
+        <p:txBody>
+          <a:bodyPr lIns="0" tIns="0" rIns="0" bIns="0"/>
+          <a:lstStyle/>
           <a:p>
             <a:pPr>
               <a:defRPr>
+                <a:solidFill>
+                  <a:srgbClr val="4D22B2"/>
+                </a:solidFill>
+              </a:defRPr>
+            </a:pPr>
+            <a:r>
+              <a:t>Cofactor matrix </a:t>
+            </a:r>
+          </a:p>
+          <a:p>
+            <a:pPr/>
+            <a:r>
+              <a:t>The </a:t>
+            </a:r>
+            <a:r>
+              <a:rPr>
+                <a:solidFill>
+                  <a:srgbClr val="FF6A00"/>
+                </a:solidFill>
+              </a:rPr>
+              <a:t>cofactor matrix</a:t>
+            </a:r>
+            <a:r>
+              <a:rPr>
                 <a:solidFill>
                   <a:schemeClr val="accent1">
                     <a:lumOff val="-6117"/>
                   </a:schemeClr>
                 </a:solidFill>
-              </a:defRPr>
-            </a:pPr>
+              </a:rPr>
+              <a:t> </a:t>
+            </a:r>
+            <a14:m>
+              <m:oMath>
+                <m:r>
+                  <a:rPr xmlns:a="http://schemas.openxmlformats.org/drawingml/2006/main" sz="1800" i="1">
+                    <a:solidFill>
+                      <a:srgbClr val="00457C"/>
+                    </a:solidFill>
+                    <a:latin typeface="Cambria Math" panose="02040503050406030204" pitchFamily="18" charset="0"/>
+                  </a:rPr>
+                  <m:t>C</m:t>
+                </m:r>
+              </m:oMath>
+            </a14:m>
             <a:r>
               <a:rPr>
-                <a:solidFill>
-                  <a:schemeClr val="accent5">
-                    <a:satOff val="-3088"/>
-                    <a:lumOff val="12696"/>
-                  </a:schemeClr>
-                </a:solidFill>
-              </a:rPr>
-              <a:t>Be sure to…</a:t>
-            </a:r>
-            <a:endParaRPr>
-              <a:solidFill>
-                <a:schemeClr val="accent5">
-                  <a:satOff val="-3088"/>
-                  <a:lumOff val="12696"/>
-                </a:schemeClr>
-              </a:solidFill>
-            </a:endParaRPr>
-          </a:p>
-          <a:p>
-            <a:pPr marL="187157" indent="-187157">
-              <a:buSzPct val="100000"/>
-              <a:buAutoNum type="arabicPeriod" startAt="1"/>
-              <a:defRPr>
                 <a:solidFill>
                   <a:schemeClr val="accent1">
                     <a:lumOff val="-6117"/>
                   </a:schemeClr>
                 </a:solidFill>
-              </a:defRPr>
-            </a:pPr>
-            <a:r>
-              <a:rPr>
-                <a:solidFill>
-                  <a:schemeClr val="accent5">
-                    <a:satOff val="-3088"/>
-                    <a:lumOff val="12696"/>
-                  </a:schemeClr>
-                </a:solidFill>
               </a:rPr>
               <a:t> </a:t>
             </a:r>
             <a:r>
-              <a:t>Find det(</a:t>
+              <a:t> for a matrix </a:t>
             </a:r>
             <a14:m>
               <m:oMath>
                 <m:r>
                   <a:rPr xmlns:a="http://schemas.openxmlformats.org/drawingml/2006/main" sz="1650" i="1">
                     <a:solidFill>
-                      <a:srgbClr val="00457C"/>
+                      <a:srgbClr val="012F7B"/>
                     </a:solidFill>
                     <a:latin typeface="Cambria Math" panose="02040503050406030204" pitchFamily="18" charset="0"/>
                   </a:rPr>
@@ -5915,73 +6066,221 @@
               </m:oMath>
             </a14:m>
             <a:r>
-              <a:t>) and  det(</a:t>
+              <a:t> replaces every element </a:t>
+            </a:r>
+            <a14:m>
+              <m:oMath>
+                <m:sSub>
+                  <m:e>
+                    <m:r>
+                      <a:rPr xmlns:a="http://schemas.openxmlformats.org/drawingml/2006/main" sz="1650" i="1">
+                        <a:solidFill>
+                          <a:srgbClr val="012F7B"/>
+                        </a:solidFill>
+                        <a:latin typeface="Cambria Math" panose="02040503050406030204" pitchFamily="18" charset="0"/>
+                      </a:rPr>
+                      <m:t>a</m:t>
+                    </m:r>
+                  </m:e>
+                  <m:sub>
+                    <m:r>
+                      <a:rPr xmlns:a="http://schemas.openxmlformats.org/drawingml/2006/main" sz="1650" i="1">
+                        <a:solidFill>
+                          <a:srgbClr val="012F7B"/>
+                        </a:solidFill>
+                        <a:latin typeface="Cambria Math" panose="02040503050406030204" pitchFamily="18" charset="0"/>
+                      </a:rPr>
+                      <m:t>i</m:t>
+                    </m:r>
+                    <m:r>
+                      <a:rPr xmlns:a="http://schemas.openxmlformats.org/drawingml/2006/main" sz="1650" i="1">
+                        <a:solidFill>
+                          <a:srgbClr val="012F7B"/>
+                        </a:solidFill>
+                        <a:latin typeface="Cambria Math" panose="02040503050406030204" pitchFamily="18" charset="0"/>
+                      </a:rPr>
+                      <m:t>,</m:t>
+                    </m:r>
+                    <m:r>
+                      <a:rPr xmlns:a="http://schemas.openxmlformats.org/drawingml/2006/main" sz="1650" i="1">
+                        <a:solidFill>
+                          <a:srgbClr val="012F7B"/>
+                        </a:solidFill>
+                        <a:latin typeface="Cambria Math" panose="02040503050406030204" pitchFamily="18" charset="0"/>
+                      </a:rPr>
+                      <m:t>j</m:t>
+                    </m:r>
+                  </m:sub>
+                </m:sSub>
+              </m:oMath>
+            </a14:m>
+            <a:r>
+              <a:t> in </a:t>
             </a:r>
             <a14:m>
               <m:oMath>
                 <m:r>
-                  <a:rPr xmlns:a="http://schemas.openxmlformats.org/drawingml/2006/main" sz="1750" i="1">
+                  <a:rPr xmlns:a="http://schemas.openxmlformats.org/drawingml/2006/main" sz="1650" i="1">
                     <a:solidFill>
-                      <a:srgbClr val="00457C"/>
+                      <a:srgbClr val="012F7B"/>
                     </a:solidFill>
                     <a:latin typeface="Cambria Math" panose="02040503050406030204" pitchFamily="18" charset="0"/>
                   </a:rPr>
-                  <m:t>B</m:t>
+                  <m:t>A</m:t>
                 </m:r>
               </m:oMath>
             </a14:m>
             <a:r>
-              <a:t>)</a:t>
-            </a:r>
+              <a:t> with its cofactor </a:t>
+            </a:r>
+            <a14:m>
+              <m:oMath>
+                <m:sSub>
+                  <m:e>
+                    <m:r>
+                      <a:rPr xmlns:a="http://schemas.openxmlformats.org/drawingml/2006/main" sz="1700" i="1">
+                        <a:solidFill>
+                          <a:srgbClr val="012F7B"/>
+                        </a:solidFill>
+                        <a:latin typeface="Cambria Math" panose="02040503050406030204" pitchFamily="18" charset="0"/>
+                      </a:rPr>
+                      <m:t>c</m:t>
+                    </m:r>
+                  </m:e>
+                  <m:sub>
+                    <m:r>
+                      <a:rPr xmlns:a="http://schemas.openxmlformats.org/drawingml/2006/main" sz="1700" i="1">
+                        <a:solidFill>
+                          <a:srgbClr val="012F7B"/>
+                        </a:solidFill>
+                        <a:latin typeface="Cambria Math" panose="02040503050406030204" pitchFamily="18" charset="0"/>
+                      </a:rPr>
+                      <m:t>i</m:t>
+                    </m:r>
+                    <m:r>
+                      <a:rPr xmlns:a="http://schemas.openxmlformats.org/drawingml/2006/main" sz="1700" i="1">
+                        <a:solidFill>
+                          <a:srgbClr val="012F7B"/>
+                        </a:solidFill>
+                        <a:latin typeface="Cambria Math" panose="02040503050406030204" pitchFamily="18" charset="0"/>
+                      </a:rPr>
+                      <m:t>,</m:t>
+                    </m:r>
+                    <m:r>
+                      <a:rPr xmlns:a="http://schemas.openxmlformats.org/drawingml/2006/main" sz="1700" i="1">
+                        <a:solidFill>
+                          <a:srgbClr val="012F7B"/>
+                        </a:solidFill>
+                        <a:latin typeface="Cambria Math" panose="02040503050406030204" pitchFamily="18" charset="0"/>
+                      </a:rPr>
+                      <m:t>j</m:t>
+                    </m:r>
+                  </m:sub>
+                </m:sSub>
+              </m:oMath>
+            </a14:m>
+            <a:r>
+              <a:t> in </a:t>
+            </a:r>
+            <a14:m>
+              <m:oMath>
+                <m:r>
+                  <a:rPr xmlns:a="http://schemas.openxmlformats.org/drawingml/2006/main" sz="1800" i="1">
+                    <a:solidFill>
+                      <a:srgbClr val="012F7B"/>
+                    </a:solidFill>
+                    <a:latin typeface="Cambria Math" panose="02040503050406030204" pitchFamily="18" charset="0"/>
+                  </a:rPr>
+                  <m:t>C</m:t>
+                </m:r>
+              </m:oMath>
+            </a14:m>
             <a:endParaRPr>
               <a:solidFill>
-                <a:schemeClr val="accent5">
-                  <a:satOff val="-3088"/>
-                  <a:lumOff val="12696"/>
-                </a:schemeClr>
+                <a:srgbClr val="012F7B"/>
               </a:solidFill>
             </a:endParaRPr>
           </a:p>
-          <a:p>
-            <a:pPr marL="187157" indent="-187157">
-              <a:buClr>
-                <a:schemeClr val="accent1">
-                  <a:lumOff val="-6117"/>
-                </a:schemeClr>
-              </a:buClr>
-              <a:buSzPct val="100000"/>
-              <a:buAutoNum type="arabicPeriod" startAt="1"/>
+        </p:txBody>
+      </p:sp>
+      <p:sp>
+        <p:nvSpPr>
+          <p:cNvPr id="193" name="Group"/>
+          <p:cNvSpPr txBox="1"/>
+          <p:nvPr/>
+        </p:nvSpPr>
+        <p:spPr>
+          <a:xfrm>
+            <a:off x="1462101" y="1758634"/>
+            <a:ext cx="5060739" cy="675145"/>
+          </a:xfrm>
+          <a:prstGeom prst="rect">
+            <a:avLst/>
+          </a:prstGeom>
+          <a:ln w="12700">
+            <a:miter lim="400000"/>
+          </a:ln>
+          <a:extLst>
+            <a:ext uri="{C572A759-6A51-4108-AA02-DFA0A04FC94B}">
+              <ma14:wrappingTextBoxFlag xmlns:ma14="http://schemas.microsoft.com/office/mac/drawingml/2011/main" val="1"/>
+            </a:ext>
+          </a:extLst>
+        </p:spPr>
+        <p:txBody>
+          <a:bodyPr lIns="0" tIns="0" rIns="0" bIns="0"/>
+          <a:lstStyle/>
+          <a:p>
+            <a:pPr>
               <a:defRPr>
                 <a:solidFill>
-                  <a:schemeClr val="accent1">
-                    <a:lumOff val="-6117"/>
-                  </a:schemeClr>
+                  <a:srgbClr val="4D22B2"/>
                 </a:solidFill>
               </a:defRPr>
             </a:pPr>
             <a:r>
-              <a:rPr>
-                <a:solidFill>
-                  <a:schemeClr val="accent5">
-                    <a:satOff val="-3088"/>
-                    <a:lumOff val="12696"/>
-                  </a:schemeClr>
-                </a:solidFill>
-              </a:rPr>
-              <a:t> </a:t>
-            </a:r>
-            <a:r>
-              <a:rPr>
-                <a:solidFill>
-                  <a:srgbClr val="011D57"/>
-                </a:solidFill>
-              </a:rPr>
-              <a:t>Find  det(</a:t>
+              <a:t>Transpose</a:t>
+            </a:r>
+          </a:p>
+          <a:p>
+            <a:pPr/>
+            <a:r>
+              <a:t>If </a:t>
+            </a:r>
+            <a14:m>
+              <m:oMath>
+                <m:sSup>
+                  <m:e>
+                    <m:r>
+                      <a:rPr xmlns:a="http://schemas.openxmlformats.org/drawingml/2006/main" sz="1550" i="1">
+                        <a:solidFill>
+                          <a:srgbClr val="F46524"/>
+                        </a:solidFill>
+                        <a:latin typeface="Cambria Math" panose="02040503050406030204" pitchFamily="18" charset="0"/>
+                      </a:rPr>
+                      <m:t>A</m:t>
+                    </m:r>
+                  </m:e>
+                  <m:sup>
+                    <m:r>
+                      <a:rPr xmlns:a="http://schemas.openxmlformats.org/drawingml/2006/main" sz="1550" i="1">
+                        <a:solidFill>
+                          <a:srgbClr val="F46524"/>
+                        </a:solidFill>
+                        <a:latin typeface="Cambria Math" panose="02040503050406030204" pitchFamily="18" charset="0"/>
+                      </a:rPr>
+                      <m:t>T</m:t>
+                    </m:r>
+                  </m:sup>
+                </m:sSup>
+              </m:oMath>
+            </a14:m>
+            <a:r>
+              <a:t> is the transpose of </a:t>
             </a:r>
             <a14:m>
               <m:oMath>
                 <m:r>
-                  <a:rPr xmlns:a="http://schemas.openxmlformats.org/drawingml/2006/main" sz="1600" i="1">
+                  <a:rPr xmlns:a="http://schemas.openxmlformats.org/drawingml/2006/main" sz="1650" i="1">
                     <a:solidFill>
                       <a:srgbClr val="011D57"/>
                     </a:solidFill>
@@ -5989,85 +6288,61 @@
                   </a:rPr>
                   <m:t>A</m:t>
                 </m:r>
+              </m:oMath>
+            </a14:m>
+            <a:r>
+              <a:t> than the first row of </a:t>
+            </a:r>
+            <a14:m>
+              <m:oMath>
                 <m:r>
-                  <a:rPr xmlns:a="http://schemas.openxmlformats.org/drawingml/2006/main" sz="1600" i="1">
+                  <a:rPr xmlns:a="http://schemas.openxmlformats.org/drawingml/2006/main" sz="1650" i="1">
                     <a:solidFill>
-                      <a:srgbClr val="011D57"/>
+                      <a:srgbClr val="F46524"/>
                     </a:solidFill>
                     <a:latin typeface="Cambria Math" panose="02040503050406030204" pitchFamily="18" charset="0"/>
                   </a:rPr>
-                  <m:t>B</m:t>
+                  <m:t>A</m:t>
                 </m:r>
               </m:oMath>
             </a14:m>
             <a:r>
-              <a:rPr>
-                <a:solidFill>
-                  <a:srgbClr val="011D57"/>
-                </a:solidFill>
-              </a:rPr>
-              <a:t>)</a:t>
-            </a:r>
-            <a:endParaRPr>
-              <a:solidFill>
-                <a:schemeClr val="accent5">
-                  <a:satOff val="-3088"/>
-                  <a:lumOff val="12696"/>
-                </a:schemeClr>
-              </a:solidFill>
-            </a:endParaRPr>
-          </a:p>
-          <a:p>
-            <a:pPr marL="187157" indent="-187157">
-              <a:buClr>
-                <a:schemeClr val="accent1">
-                  <a:lumOff val="-6117"/>
-                </a:schemeClr>
-              </a:buClr>
-              <a:buSzPct val="100000"/>
-              <a:buAutoNum type="arabicPeriod" startAt="1"/>
-              <a:defRPr>
-                <a:solidFill>
-                  <a:srgbClr val="011D57"/>
-                </a:solidFill>
-              </a:defRPr>
-            </a:pPr>
-            <a:r>
-              <a:t>What do you notice about the relationship between the three determinants?</a:t>
+              <a:t> becomes the first column of </a:t>
+            </a:r>
+            <a14:m>
+              <m:oMath>
+                <m:sSup>
+                  <m:e>
+                    <m:r>
+                      <a:rPr xmlns:a="http://schemas.openxmlformats.org/drawingml/2006/main" sz="1550" i="1">
+                        <a:solidFill>
+                          <a:srgbClr val="F46524"/>
+                        </a:solidFill>
+                        <a:latin typeface="Cambria Math" panose="02040503050406030204" pitchFamily="18" charset="0"/>
+                      </a:rPr>
+                      <m:t>A</m:t>
+                    </m:r>
+                  </m:e>
+                  <m:sup>
+                    <m:r>
+                      <a:rPr xmlns:a="http://schemas.openxmlformats.org/drawingml/2006/main" sz="1550" i="1">
+                        <a:solidFill>
+                          <a:srgbClr val="F46524"/>
+                        </a:solidFill>
+                        <a:latin typeface="Cambria Math" panose="02040503050406030204" pitchFamily="18" charset="0"/>
+                      </a:rPr>
+                      <m:t>T</m:t>
+                    </m:r>
+                  </m:sup>
+                </m:sSup>
+              </m:oMath>
+            </a14:m>
+            <a:r>
+              <a:t>, and so on.</a:t>
             </a:r>
           </a:p>
         </p:txBody>
       </p:sp>
-      <p:pic>
-        <p:nvPicPr>
-          <p:cNvPr id="192" name="IMG_0127.png" descr="IMG_0127.png"/>
-          <p:cNvPicPr>
-            <a:picLocks noChangeAspect="1"/>
-          </p:cNvPicPr>
-          <p:nvPr/>
-        </p:nvPicPr>
-        <p:blipFill>
-          <a:blip r:embed="rId3">
-            <a:extLst/>
-          </a:blip>
-          <a:srcRect l="12853" t="50401" r="42973" b="43003"/>
-          <a:stretch>
-            <a:fillRect/>
-          </a:stretch>
-        </p:blipFill>
-        <p:spPr>
-          <a:xfrm>
-            <a:off x="1764339" y="2848157"/>
-            <a:ext cx="3338748" cy="664592"/>
-          </a:xfrm>
-          <a:prstGeom prst="rect">
-            <a:avLst/>
-          </a:prstGeom>
-          <a:ln w="12700">
-            <a:miter lim="400000"/>
-          </a:ln>
-        </p:spPr>
-      </p:pic>
     </p:spTree>
   </p:cSld>
   <p:clrMapOvr>
@@ -6177,7 +6452,7 @@
       </p:grpSpPr>
       <p:sp>
         <p:nvSpPr>
-          <p:cNvPr id="196" name="Double-click to edit"/>
+          <p:cNvPr id="197" name="Double-click to edit"/>
           <p:cNvSpPr txBox="1"/>
           <p:nvPr>
             <p:ph type="title"/>
@@ -6200,7 +6475,7 @@
       </p:sp>
       <p:sp>
         <p:nvSpPr>
-          <p:cNvPr id="197" name="framing…"/>
+          <p:cNvPr id="198" name="framing…"/>
           <p:cNvSpPr txBox="1"/>
           <p:nvPr/>
         </p:nvSpPr>
@@ -6229,11 +6504,11 @@
           </a:bodyPr>
           <a:lstStyle/>
           <a:p>
-            <a:pPr defTabSz="822959">
+            <a:pPr>
               <a:lnSpc>
                 <a:spcPct val="115000"/>
               </a:lnSpc>
-              <a:defRPr b="1" sz="1619">
+              <a:defRPr b="1" sz="1800">
                 <a:solidFill>
                   <a:schemeClr val="accent5"/>
                 </a:solidFill>
@@ -6248,17 +6523,17 @@
             </a:r>
           </a:p>
           <a:p>
-            <a:pPr marL="411479" indent="-308609" defTabSz="822959">
+            <a:pPr marL="457200" indent="-342900">
               <a:lnSpc>
                 <a:spcPct val="115000"/>
               </a:lnSpc>
               <a:buClr>
                 <a:srgbClr val="000000"/>
               </a:buClr>
-              <a:buSzPts val="1600"/>
+              <a:buSzPts val="1800"/>
               <a:buFont typeface="Helvetica"/>
               <a:buChar char="●"/>
-              <a:defRPr b="1" sz="1619">
+              <a:defRPr b="1" sz="1800">
                 <a:solidFill>
                   <a:srgbClr val="000000"/>
                 </a:solidFill>
@@ -6273,57 +6548,22 @@
             </a:r>
             <a:r>
               <a:rPr b="0"/>
-              <a:t>find the minors and cofactors of a </a:t>
-            </a:r>
-            <a14:m>
-              <m:oMath>
-                <m:r>
-                  <a:rPr xmlns:a="http://schemas.openxmlformats.org/drawingml/2006/main" sz="2050" i="1">
-                    <a:solidFill>
-                      <a:srgbClr val="000000"/>
-                    </a:solidFill>
-                    <a:latin typeface="Cambria Math" panose="02040503050406030204" pitchFamily="18" charset="0"/>
-                  </a:rPr>
-                  <m:t>3</m:t>
-                </m:r>
-                <m:r>
-                  <a:rPr xmlns:a="http://schemas.openxmlformats.org/drawingml/2006/main" sz="2050" i="1">
-                    <a:solidFill>
-                      <a:srgbClr val="000000"/>
-                    </a:solidFill>
-                    <a:latin typeface="Cambria Math" panose="02040503050406030204" pitchFamily="18" charset="0"/>
-                  </a:rPr>
-                  <m:t>×</m:t>
-                </m:r>
-                <m:r>
-                  <a:rPr xmlns:a="http://schemas.openxmlformats.org/drawingml/2006/main" sz="2050" i="1">
-                    <a:solidFill>
-                      <a:srgbClr val="000000"/>
-                    </a:solidFill>
-                    <a:latin typeface="Cambria Math" panose="02040503050406030204" pitchFamily="18" charset="0"/>
-                  </a:rPr>
-                  <m:t>3</m:t>
-                </m:r>
-              </m:oMath>
-            </a14:m>
-            <a:r>
-              <a:rPr b="0"/>
-              <a:t> matrix</a:t>
+              <a:t>find the adjugate of a  matrix</a:t>
             </a:r>
             <a:endParaRPr b="0"/>
           </a:p>
           <a:p>
-            <a:pPr marL="411479" indent="-308609" defTabSz="822959">
+            <a:pPr marL="457200" indent="-342900">
               <a:lnSpc>
                 <a:spcPct val="115000"/>
               </a:lnSpc>
               <a:buClr>
                 <a:srgbClr val="000000"/>
               </a:buClr>
-              <a:buSzPts val="1600"/>
+              <a:buSzPts val="1800"/>
               <a:buFont typeface="Helvetica"/>
               <a:buChar char="●"/>
-              <a:defRPr b="1" sz="1619">
+              <a:defRPr b="1" sz="1800">
                 <a:solidFill>
                   <a:srgbClr val="000000"/>
                 </a:solidFill>
@@ -6338,22 +6578,22 @@
             </a:r>
             <a:r>
               <a:rPr b="0"/>
-              <a:t> This will be useful to finding the adjugate and determinant (remember those?) of a square matrix.</a:t>
+              <a:t> This let’s us find the inverse of any square matrix (if there is one)</a:t>
             </a:r>
             <a:endParaRPr b="0"/>
           </a:p>
           <a:p>
-            <a:pPr marL="411479" indent="-308609" defTabSz="822959">
+            <a:pPr marL="457200" indent="-342900">
               <a:lnSpc>
                 <a:spcPct val="115000"/>
               </a:lnSpc>
               <a:buClr>
                 <a:srgbClr val="000000"/>
               </a:buClr>
-              <a:buSzPts val="1600"/>
+              <a:buSzPts val="1800"/>
               <a:buFont typeface="Helvetica"/>
               <a:buChar char="●"/>
-              <a:defRPr b="1" sz="1619">
+              <a:defRPr b="1" sz="1800">
                 <a:solidFill>
                   <a:srgbClr val="000000"/>
                 </a:solidFill>
@@ -6368,14 +6608,14 @@
             </a:r>
             <a:r>
               <a:rPr b="0"/>
-              <a:t> Using adjugate and determinant to find the inverse of bigger square matrices.</a:t>
+              <a:t>Use inverse of matrix to solve problems</a:t>
             </a:r>
           </a:p>
         </p:txBody>
       </p:sp>
       <p:pic>
         <p:nvPicPr>
-          <p:cNvPr id="198" name="Image" descr="Image"/>
+          <p:cNvPr id="199" name="Image" descr="Image"/>
           <p:cNvPicPr>
             <a:picLocks noChangeAspect="1"/>
           </p:cNvPicPr>
@@ -6441,7 +6681,7 @@
                                       <p:cBhvr>
                                         <p:cTn id="6" fill="hold"/>
                                         <p:tgtEl>
-                                          <p:spTgt spid="197">
+                                          <p:spTgt spid="198">
                                             <p:bg/>
                                           </p:spTgt>
                                         </p:tgtEl>
@@ -6469,7 +6709,7 @@
                                       <p:cBhvr>
                                         <p:cTn id="8" fill="hold"/>
                                         <p:tgtEl>
-                                          <p:spTgt spid="197">
+                                          <p:spTgt spid="198">
                                             <p:txEl>
                                               <p:pRg st="0" end="0"/>
                                             </p:txEl>
@@ -6517,7 +6757,7 @@
                                       <p:cBhvr>
                                         <p:cTn id="12" fill="hold"/>
                                         <p:tgtEl>
-                                          <p:spTgt spid="197">
+                                          <p:spTgt spid="198">
                                             <p:txEl>
                                               <p:pRg st="1" end="1"/>
                                             </p:txEl>
@@ -6565,7 +6805,7 @@
                                       <p:cBhvr>
                                         <p:cTn id="16" fill="hold"/>
                                         <p:tgtEl>
-                                          <p:spTgt spid="197">
+                                          <p:spTgt spid="198">
                                             <p:txEl>
                                               <p:pRg st="2" end="2"/>
                                             </p:txEl>
@@ -6613,7 +6853,7 @@
                                       <p:cBhvr>
                                         <p:cTn id="20" fill="hold"/>
                                         <p:tgtEl>
-                                          <p:spTgt spid="197">
+                                          <p:spTgt spid="198">
                                             <p:txEl>
                                               <p:pRg st="3" end="3"/>
                                             </p:txEl>
@@ -6658,7 +6898,7 @@
       </p:par>
     </p:tnLst>
     <p:bldLst>
-      <p:bldP build="p" bldLvl="5" animBg="1" rev="0" advAuto="0" spid="197" grpId="1"/>
+      <p:bldP build="p" bldLvl="5" animBg="1" rev="0" advAuto="0" spid="198" grpId="1"/>
     </p:bldLst>
   </p:timing>
 </p:sld>
@@ -6683,7 +6923,7 @@
       </p:grpSpPr>
       <p:sp>
         <p:nvSpPr>
-          <p:cNvPr id="200" name="Warm up: Stop ’n’ Jot"/>
+          <p:cNvPr id="201" name="Warm up: Stop ’n’ Jot"/>
           <p:cNvSpPr txBox="1"/>
           <p:nvPr>
             <p:ph type="title"/>
@@ -6711,27 +6951,401 @@
       </p:sp>
       <p:sp>
         <p:nvSpPr>
-          <p:cNvPr id="201" name="Be sure to… Answer the question below in at least two complete sentences, in your notes. Be prepared to share out!…"/>
+          <p:cNvPr id="202" name="Equation"/>
           <p:cNvSpPr txBox="1"/>
-          <p:nvPr>
-            <p:ph type="body" idx="1"/>
-          </p:nvPr>
+          <p:nvPr/>
         </p:nvSpPr>
         <p:spPr>
+          <a:xfrm>
+            <a:off x="4424415" y="3038620"/>
+            <a:ext cx="1307729" cy="537606"/>
+          </a:xfrm>
           <a:prstGeom prst="rect">
             <a:avLst/>
           </a:prstGeom>
+          <a:ln w="12700">
+            <a:miter lim="400000"/>
+          </a:ln>
         </p:spPr>
         <p:txBody>
-          <a:bodyPr/>
+          <a:bodyPr wrap="none" lIns="0" tIns="0" rIns="0" bIns="0">
+            <a:spAutoFit/>
+          </a:bodyPr>
           <a:lstStyle/>
           <a:p>
-            <a:pPr marL="0" indent="0" defTabSz="886968">
-              <a:buClrTx/>
-              <a:buSzTx/>
-              <a:buFontTx/>
-              <a:buNone/>
-              <a:defRPr sz="1746"/>
+            <a:pPr latinLnBrk="1">
+              <a:defRPr sz="1800">
+                <a:solidFill>
+                  <a:srgbClr val="000000"/>
+                </a:solidFill>
+              </a:defRPr>
+            </a:pPr>
+            <a14:m>
+              <m:oMathPara>
+                <m:oMathParaPr>
+                  <m:jc m:val="centerGroup"/>
+                </m:oMathParaPr>
+                <m:oMath>
+                  <m:sSup>
+                    <m:e>
+                      <m:r>
+                        <a:rPr xmlns:a="http://schemas.openxmlformats.org/drawingml/2006/main" sz="1800" i="1">
+                          <a:solidFill>
+                            <a:srgbClr val="007AB9"/>
+                          </a:solidFill>
+                          <a:latin typeface="Cambria Math" panose="02040503050406030204" pitchFamily="18" charset="0"/>
+                        </a:rPr>
+                        <m:t>A</m:t>
+                      </m:r>
+                    </m:e>
+                    <m:sup>
+                      <m:r>
+                        <a:rPr xmlns:a="http://schemas.openxmlformats.org/drawingml/2006/main" sz="1800" i="1">
+                          <a:solidFill>
+                            <a:srgbClr val="007AB9"/>
+                          </a:solidFill>
+                          <a:latin typeface="Cambria Math" panose="02040503050406030204" pitchFamily="18" charset="0"/>
+                        </a:rPr>
+                        <m:t>-</m:t>
+                      </m:r>
+                      <m:r>
+                        <a:rPr xmlns:a="http://schemas.openxmlformats.org/drawingml/2006/main" sz="1800" i="1">
+                          <a:solidFill>
+                            <a:srgbClr val="007AB9"/>
+                          </a:solidFill>
+                          <a:latin typeface="Cambria Math" panose="02040503050406030204" pitchFamily="18" charset="0"/>
+                        </a:rPr>
+                        <m:t>1</m:t>
+                      </m:r>
+                    </m:sup>
+                  </m:sSup>
+                  <m:r>
+                    <a:rPr xmlns:a="http://schemas.openxmlformats.org/drawingml/2006/main" sz="1800" i="1">
+                      <a:solidFill>
+                        <a:srgbClr val="007AB9"/>
+                      </a:solidFill>
+                      <a:latin typeface="Cambria Math" panose="02040503050406030204" pitchFamily="18" charset="0"/>
+                    </a:rPr>
+                    <m:t>=</m:t>
+                  </m:r>
+                  <m:f>
+                    <m:fPr>
+                      <m:ctrlPr>
+                        <a:rPr xmlns:a="http://schemas.openxmlformats.org/drawingml/2006/main" sz="1800" i="1">
+                          <a:solidFill>
+                            <a:srgbClr val="007AB9"/>
+                          </a:solidFill>
+                          <a:latin typeface="Cambria Math" panose="02040503050406030204" pitchFamily="18" charset="0"/>
+                        </a:rPr>
+                      </m:ctrlPr>
+                      <m:type m:val="bar"/>
+                    </m:fPr>
+                    <m:num>
+                      <m:r>
+                        <m:rPr>
+                          <m:nor/>
+                        </m:rPr>
+                        <a:rPr xmlns:a="http://schemas.openxmlformats.org/drawingml/2006/main" sz="1800" i="1">
+                          <a:solidFill>
+                            <a:srgbClr val="007AB9"/>
+                          </a:solidFill>
+                          <a:latin typeface="Cambria Math" panose="02040503050406030204" pitchFamily="18" charset="0"/>
+                        </a:rPr>
+                        <m:t>adj</m:t>
+                      </m:r>
+                      <m:r>
+                        <a:rPr xmlns:a="http://schemas.openxmlformats.org/drawingml/2006/main" sz="1800" i="1">
+                          <a:solidFill>
+                            <a:srgbClr val="007AB9"/>
+                          </a:solidFill>
+                          <a:latin typeface="Cambria Math" panose="02040503050406030204" pitchFamily="18" charset="0"/>
+                        </a:rPr>
+                        <m:t>(</m:t>
+                      </m:r>
+                      <m:r>
+                        <a:rPr xmlns:a="http://schemas.openxmlformats.org/drawingml/2006/main" sz="1800" i="1">
+                          <a:solidFill>
+                            <a:srgbClr val="007AB9"/>
+                          </a:solidFill>
+                          <a:latin typeface="Cambria Math" panose="02040503050406030204" pitchFamily="18" charset="0"/>
+                        </a:rPr>
+                        <m:t>A</m:t>
+                      </m:r>
+                      <m:r>
+                        <a:rPr xmlns:a="http://schemas.openxmlformats.org/drawingml/2006/main" sz="1800" i="1">
+                          <a:solidFill>
+                            <a:srgbClr val="007AB9"/>
+                          </a:solidFill>
+                          <a:latin typeface="Cambria Math" panose="02040503050406030204" pitchFamily="18" charset="0"/>
+                        </a:rPr>
+                        <m:t>)</m:t>
+                      </m:r>
+                    </m:num>
+                    <m:den>
+                      <m:r>
+                        <m:rPr>
+                          <m:nor/>
+                        </m:rPr>
+                        <a:rPr xmlns:a="http://schemas.openxmlformats.org/drawingml/2006/main" sz="1800" i="1">
+                          <a:solidFill>
+                            <a:srgbClr val="007AB9"/>
+                          </a:solidFill>
+                          <a:latin typeface="Cambria Math" panose="02040503050406030204" pitchFamily="18" charset="0"/>
+                        </a:rPr>
+                        <m:t>det</m:t>
+                      </m:r>
+                      <m:r>
+                        <a:rPr xmlns:a="http://schemas.openxmlformats.org/drawingml/2006/main" sz="1800" i="1">
+                          <a:solidFill>
+                            <a:srgbClr val="007AB9"/>
+                          </a:solidFill>
+                          <a:latin typeface="Cambria Math" panose="02040503050406030204" pitchFamily="18" charset="0"/>
+                        </a:rPr>
+                        <m:t>(</m:t>
+                      </m:r>
+                      <m:r>
+                        <a:rPr xmlns:a="http://schemas.openxmlformats.org/drawingml/2006/main" sz="1800" i="1">
+                          <a:solidFill>
+                            <a:srgbClr val="007AB9"/>
+                          </a:solidFill>
+                          <a:latin typeface="Cambria Math" panose="02040503050406030204" pitchFamily="18" charset="0"/>
+                        </a:rPr>
+                        <m:t>A</m:t>
+                      </m:r>
+                      <m:r>
+                        <a:rPr xmlns:a="http://schemas.openxmlformats.org/drawingml/2006/main" sz="1800" i="1">
+                          <a:solidFill>
+                            <a:srgbClr val="007AB9"/>
+                          </a:solidFill>
+                          <a:latin typeface="Cambria Math" panose="02040503050406030204" pitchFamily="18" charset="0"/>
+                        </a:rPr>
+                        <m:t>)</m:t>
+                      </m:r>
+                    </m:den>
+                  </m:f>
+                </m:oMath>
+              </m:oMathPara>
+            </a14:m>
+            <a:endParaRPr>
+              <a:solidFill>
+                <a:srgbClr val="007ABA"/>
+              </a:solidFill>
+            </a:endParaRPr>
+          </a:p>
+        </p:txBody>
+      </p:sp>
+      <p:sp>
+        <p:nvSpPr>
+          <p:cNvPr id="203" name="Equation"/>
+          <p:cNvSpPr txBox="1"/>
+          <p:nvPr/>
+        </p:nvSpPr>
+        <p:spPr>
+          <a:xfrm>
+            <a:off x="4579424" y="3864824"/>
+            <a:ext cx="1247426" cy="537605"/>
+          </a:xfrm>
+          <a:prstGeom prst="rect">
+            <a:avLst/>
+          </a:prstGeom>
+          <a:ln w="12700">
+            <a:miter lim="400000"/>
+          </a:ln>
+        </p:spPr>
+        <p:txBody>
+          <a:bodyPr wrap="none" lIns="0" tIns="0" rIns="0" bIns="0">
+            <a:spAutoFit/>
+          </a:bodyPr>
+          <a:lstStyle/>
+          <a:p>
+            <a:pPr latinLnBrk="1">
+              <a:defRPr sz="1800">
+                <a:solidFill>
+                  <a:srgbClr val="000000"/>
+                </a:solidFill>
+              </a:defRPr>
+            </a:pPr>
+            <a14:m>
+              <m:oMathPara>
+                <m:oMathParaPr>
+                  <m:jc m:val="centerGroup"/>
+                </m:oMathParaPr>
+                <m:oMath>
+                  <m:r>
+                    <a:rPr xmlns:a="http://schemas.openxmlformats.org/drawingml/2006/main" sz="1800" i="1">
+                      <a:solidFill>
+                        <a:srgbClr val="007AB9"/>
+                      </a:solidFill>
+                      <a:latin typeface="Cambria Math" panose="02040503050406030204" pitchFamily="18" charset="0"/>
+                    </a:rPr>
+                    <m:t>X</m:t>
+                  </m:r>
+                  <m:r>
+                    <a:rPr xmlns:a="http://schemas.openxmlformats.org/drawingml/2006/main" sz="1800" i="1">
+                      <a:solidFill>
+                        <a:srgbClr val="007AB9"/>
+                      </a:solidFill>
+                      <a:latin typeface="Cambria Math" panose="02040503050406030204" pitchFamily="18" charset="0"/>
+                    </a:rPr>
+                    <m:t>=</m:t>
+                  </m:r>
+                  <m:f>
+                    <m:fPr>
+                      <m:ctrlPr>
+                        <a:rPr xmlns:a="http://schemas.openxmlformats.org/drawingml/2006/main" sz="1800" i="1">
+                          <a:solidFill>
+                            <a:srgbClr val="007AB9"/>
+                          </a:solidFill>
+                          <a:latin typeface="Cambria Math" panose="02040503050406030204" pitchFamily="18" charset="0"/>
+                        </a:rPr>
+                      </m:ctrlPr>
+                      <m:type m:val="bar"/>
+                    </m:fPr>
+                    <m:num>
+                      <m:r>
+                        <m:rPr>
+                          <m:nor/>
+                        </m:rPr>
+                        <a:rPr xmlns:a="http://schemas.openxmlformats.org/drawingml/2006/main" sz="1800" i="1">
+                          <a:solidFill>
+                            <a:srgbClr val="007AB9"/>
+                          </a:solidFill>
+                          <a:latin typeface="Cambria Math" panose="02040503050406030204" pitchFamily="18" charset="0"/>
+                        </a:rPr>
+                        <m:t>adj</m:t>
+                      </m:r>
+                      <m:r>
+                        <a:rPr xmlns:a="http://schemas.openxmlformats.org/drawingml/2006/main" sz="1800" i="1">
+                          <a:solidFill>
+                            <a:srgbClr val="007AB9"/>
+                          </a:solidFill>
+                          <a:latin typeface="Cambria Math" panose="02040503050406030204" pitchFamily="18" charset="0"/>
+                        </a:rPr>
+                        <m:t>(</m:t>
+                      </m:r>
+                      <m:r>
+                        <a:rPr xmlns:a="http://schemas.openxmlformats.org/drawingml/2006/main" sz="1800" i="1">
+                          <a:solidFill>
+                            <a:srgbClr val="007AB9"/>
+                          </a:solidFill>
+                          <a:latin typeface="Cambria Math" panose="02040503050406030204" pitchFamily="18" charset="0"/>
+                        </a:rPr>
+                        <m:t>A</m:t>
+                      </m:r>
+                      <m:r>
+                        <a:rPr xmlns:a="http://schemas.openxmlformats.org/drawingml/2006/main" sz="1800" i="1">
+                          <a:solidFill>
+                            <a:srgbClr val="007AB9"/>
+                          </a:solidFill>
+                          <a:latin typeface="Cambria Math" panose="02040503050406030204" pitchFamily="18" charset="0"/>
+                        </a:rPr>
+                        <m:t>)</m:t>
+                      </m:r>
+                    </m:num>
+                    <m:den>
+                      <m:r>
+                        <m:rPr>
+                          <m:nor/>
+                        </m:rPr>
+                        <a:rPr xmlns:a="http://schemas.openxmlformats.org/drawingml/2006/main" sz="1800" i="1">
+                          <a:solidFill>
+                            <a:srgbClr val="007AB9"/>
+                          </a:solidFill>
+                          <a:latin typeface="Cambria Math" panose="02040503050406030204" pitchFamily="18" charset="0"/>
+                        </a:rPr>
+                        <m:t>det</m:t>
+                      </m:r>
+                      <m:r>
+                        <a:rPr xmlns:a="http://schemas.openxmlformats.org/drawingml/2006/main" sz="1800" i="1">
+                          <a:solidFill>
+                            <a:srgbClr val="007AB9"/>
+                          </a:solidFill>
+                          <a:latin typeface="Cambria Math" panose="02040503050406030204" pitchFamily="18" charset="0"/>
+                        </a:rPr>
+                        <m:t>(</m:t>
+                      </m:r>
+                      <m:r>
+                        <a:rPr xmlns:a="http://schemas.openxmlformats.org/drawingml/2006/main" sz="1800" i="1">
+                          <a:solidFill>
+                            <a:srgbClr val="007AB9"/>
+                          </a:solidFill>
+                          <a:latin typeface="Cambria Math" panose="02040503050406030204" pitchFamily="18" charset="0"/>
+                        </a:rPr>
+                        <m:t>A</m:t>
+                      </m:r>
+                      <m:r>
+                        <a:rPr xmlns:a="http://schemas.openxmlformats.org/drawingml/2006/main" sz="1800" i="1">
+                          <a:solidFill>
+                            <a:srgbClr val="007AB9"/>
+                          </a:solidFill>
+                          <a:latin typeface="Cambria Math" panose="02040503050406030204" pitchFamily="18" charset="0"/>
+                        </a:rPr>
+                        <m:t>)</m:t>
+                      </m:r>
+                    </m:den>
+                  </m:f>
+                  <m:r>
+                    <a:rPr xmlns:a="http://schemas.openxmlformats.org/drawingml/2006/main" sz="1800" i="1">
+                      <a:solidFill>
+                        <a:srgbClr val="007AB9"/>
+                      </a:solidFill>
+                      <a:latin typeface="Cambria Math" panose="02040503050406030204" pitchFamily="18" charset="0"/>
+                    </a:rPr>
+                    <m:t>B</m:t>
+                  </m:r>
+                </m:oMath>
+              </m:oMathPara>
+            </a14:m>
+            <a:endParaRPr>
+              <a:solidFill>
+                <a:srgbClr val="007ABA"/>
+              </a:solidFill>
+            </a:endParaRPr>
+          </a:p>
+        </p:txBody>
+      </p:sp>
+      <p:sp>
+        <p:nvSpPr>
+          <p:cNvPr id="204" name="Be sure to… Answer the question below in at least two complete sentences, in your notes. Use the four formulas below in your answerBe prepared to share out!…"/>
+          <p:cNvSpPr txBox="1"/>
+          <p:nvPr/>
+        </p:nvSpPr>
+        <p:spPr>
+          <a:xfrm>
+            <a:off x="1717390" y="1531950"/>
+            <a:ext cx="6321603" cy="3002402"/>
+          </a:xfrm>
+          <a:prstGeom prst="rect">
+            <a:avLst/>
+          </a:prstGeom>
+          <a:ln w="12700">
+            <a:miter lim="400000"/>
+          </a:ln>
+          <a:extLst>
+            <a:ext uri="{C572A759-6A51-4108-AA02-DFA0A04FC94B}">
+              <ma14:wrappingTextBoxFlag xmlns:ma14="http://schemas.microsoft.com/office/mac/drawingml/2011/main" val="1"/>
+            </a:ext>
+          </a:extLst>
+        </p:spPr>
+        <p:txBody>
+          <a:bodyPr lIns="91423" tIns="91423" rIns="91423" bIns="91423">
+            <a:normAutofit fontScale="100000" lnSpcReduction="0"/>
+          </a:bodyPr>
+          <a:lstStyle/>
+          <a:p>
+            <a:pPr defTabSz="749808">
+              <a:lnSpc>
+                <a:spcPct val="115000"/>
+              </a:lnSpc>
+              <a:defRPr sz="1476">
+                <a:solidFill>
+                  <a:srgbClr val="000000"/>
+                </a:solidFill>
+                <a:latin typeface="Lato"/>
+                <a:ea typeface="Lato"/>
+                <a:cs typeface="Lato"/>
+                <a:sym typeface="Lato"/>
+              </a:defRPr>
             </a:pPr>
             <a:r>
               <a:rPr>
@@ -6742,122 +7356,262 @@
               <a:t>Be sure to… </a:t>
             </a:r>
             <a:r>
-              <a:t>Answer the question below in at least two complete sentences, in your notes. Be prepared to share out!</a:t>
-            </a:r>
-          </a:p>
-          <a:p>
-            <a:pPr marL="0" indent="0" defTabSz="886968">
-              <a:buClrTx/>
-              <a:buSzTx/>
-              <a:buFontTx/>
-              <a:buNone/>
-              <a:defRPr sz="1746"/>
+              <a:t>Answer the question below in at least two complete sentences, in your notes. Use the four formulas below in your answerBe prepared to share out!</a:t>
+            </a:r>
+          </a:p>
+          <a:p>
+            <a:pPr defTabSz="749808">
+              <a:lnSpc>
+                <a:spcPct val="115000"/>
+              </a:lnSpc>
+              <a:defRPr sz="1476">
+                <a:solidFill>
+                  <a:srgbClr val="000000"/>
+                </a:solidFill>
+                <a:latin typeface="Lato"/>
+                <a:ea typeface="Lato"/>
+                <a:cs typeface="Lato"/>
+                <a:sym typeface="Lato"/>
+              </a:defRPr>
             </a:pPr>
           </a:p>
           <a:p>
-            <a:pPr marL="0" indent="0" defTabSz="886968">
-              <a:buClrTx/>
-              <a:buSzTx/>
-              <a:buFontTx/>
-              <a:buNone/>
-              <a:defRPr sz="1746">
+            <a:pPr defTabSz="749808">
+              <a:lnSpc>
+                <a:spcPct val="115000"/>
+              </a:lnSpc>
+              <a:defRPr sz="1476">
                 <a:solidFill>
                   <a:schemeClr val="accent5"/>
                 </a:solidFill>
+                <a:latin typeface="Lato"/>
+                <a:ea typeface="Lato"/>
+                <a:cs typeface="Lato"/>
+                <a:sym typeface="Lato"/>
               </a:defRPr>
             </a:pPr>
             <a:r>
-              <a:t>Find all of the minors for row 2.</a:t>
-            </a:r>
-          </a:p>
-          <a:p>
-            <a:pPr marL="0" indent="0" defTabSz="886968">
-              <a:buClrTx/>
-              <a:buSzTx/>
-              <a:buFontTx/>
-              <a:buNone/>
-              <a:defRPr sz="1746">
+              <a:t>Explain why it’s useful to find the determinant of a matrix. Use the four formulas below in your answer: </a:t>
+            </a:r>
+          </a:p>
+          <a:p>
+            <a:pPr defTabSz="749808">
+              <a:lnSpc>
+                <a:spcPct val="115000"/>
+              </a:lnSpc>
+              <a:defRPr sz="1476">
                 <a:solidFill>
                   <a:schemeClr val="accent5"/>
                 </a:solidFill>
+                <a:latin typeface="Lato"/>
+                <a:ea typeface="Lato"/>
+                <a:cs typeface="Lato"/>
+                <a:sym typeface="Lato"/>
               </a:defRPr>
             </a:pPr>
           </a:p>
           <a:p>
-            <a:pPr marL="0" indent="0" defTabSz="886968">
-              <a:buClrTx/>
-              <a:buSzTx/>
-              <a:buFontTx/>
-              <a:buNone/>
-              <a:defRPr sz="1746">
+            <a:pPr defTabSz="749808">
+              <a:lnSpc>
+                <a:spcPct val="115000"/>
+              </a:lnSpc>
+              <a:defRPr sz="1476">
                 <a:solidFill>
                   <a:schemeClr val="accent3">
                     <a:lumOff val="-9098"/>
                   </a:schemeClr>
                 </a:solidFill>
+                <a:latin typeface="Lato"/>
+                <a:ea typeface="Lato"/>
+                <a:cs typeface="Lato"/>
+                <a:sym typeface="Lato"/>
               </a:defRPr>
             </a:pPr>
-          </a:p>
-          <a:p>
-            <a:pPr marL="0" indent="0" defTabSz="886968">
-              <a:buClrTx/>
-              <a:buSzTx/>
-              <a:buFontTx/>
-              <a:buNone/>
-              <a:defRPr sz="1746">
+            <a:r>
+              <a:rPr>
                 <a:solidFill>
                   <a:schemeClr val="accent5"/>
                 </a:solidFill>
+              </a:rPr>
+              <a:t>1.</a:t>
+            </a:r>
+            <a:r>
+              <a:t> </a:t>
+            </a:r>
+            <a14:m>
+              <m:oMath>
+                <m:r>
+                  <a:rPr xmlns:a="http://schemas.openxmlformats.org/drawingml/2006/main" sz="1750" i="1">
+                    <a:solidFill>
+                      <a:srgbClr val="007AB9"/>
+                    </a:solidFill>
+                    <a:latin typeface="Cambria Math" panose="02040503050406030204" pitchFamily="18" charset="0"/>
+                  </a:rPr>
+                  <m:t>A</m:t>
+                </m:r>
+                <m:r>
+                  <a:rPr xmlns:a="http://schemas.openxmlformats.org/drawingml/2006/main" sz="1750" i="1">
+                    <a:solidFill>
+                      <a:srgbClr val="007AB9"/>
+                    </a:solidFill>
+                    <a:latin typeface="Cambria Math" panose="02040503050406030204" pitchFamily="18" charset="0"/>
+                  </a:rPr>
+                  <m:t>X</m:t>
+                </m:r>
+                <m:r>
+                  <a:rPr xmlns:a="http://schemas.openxmlformats.org/drawingml/2006/main" sz="1750" i="1">
+                    <a:solidFill>
+                      <a:srgbClr val="007AB9"/>
+                    </a:solidFill>
+                    <a:latin typeface="Cambria Math" panose="02040503050406030204" pitchFamily="18" charset="0"/>
+                  </a:rPr>
+                  <m:t>=</m:t>
+                </m:r>
+                <m:r>
+                  <a:rPr xmlns:a="http://schemas.openxmlformats.org/drawingml/2006/main" sz="1750" i="1">
+                    <a:solidFill>
+                      <a:srgbClr val="007AB9"/>
+                    </a:solidFill>
+                    <a:latin typeface="Cambria Math" panose="02040503050406030204" pitchFamily="18" charset="0"/>
+                  </a:rPr>
+                  <m:t>B</m:t>
+                </m:r>
+              </m:oMath>
+            </a14:m>
+            <a:r>
+              <a:t>                         </a:t>
+            </a:r>
+            <a:r>
+              <a:rPr>
+                <a:solidFill>
+                  <a:schemeClr val="accent5"/>
+                </a:solidFill>
+              </a:rPr>
+              <a:t> 3.</a:t>
+            </a:r>
+          </a:p>
+          <a:p>
+            <a:pPr defTabSz="749808">
+              <a:lnSpc>
+                <a:spcPct val="115000"/>
+              </a:lnSpc>
+              <a:defRPr sz="1476">
+                <a:solidFill>
+                  <a:schemeClr val="accent5"/>
+                </a:solidFill>
+                <a:latin typeface="Lato"/>
+                <a:ea typeface="Lato"/>
+                <a:cs typeface="Lato"/>
+                <a:sym typeface="Lato"/>
               </a:defRPr>
             </a:pPr>
           </a:p>
           <a:p>
-            <a:pPr marL="0" indent="0" defTabSz="886968">
-              <a:buClrTx/>
-              <a:buSzTx/>
-              <a:buFontTx/>
-              <a:buNone/>
-              <a:defRPr sz="1746">
+            <a:pPr defTabSz="749808">
+              <a:lnSpc>
+                <a:spcPct val="115000"/>
+              </a:lnSpc>
+              <a:defRPr sz="1476">
                 <a:solidFill>
                   <a:schemeClr val="accent3">
                     <a:lumOff val="-9098"/>
                   </a:schemeClr>
                 </a:solidFill>
+                <a:latin typeface="Lato"/>
+                <a:ea typeface="Lato"/>
+                <a:cs typeface="Lato"/>
+                <a:sym typeface="Lato"/>
               </a:defRPr>
             </a:pPr>
+            <a:r>
+              <a:rPr>
+                <a:solidFill>
+                  <a:schemeClr val="accent5"/>
+                </a:solidFill>
+              </a:rPr>
+              <a:t>2.</a:t>
+            </a:r>
+            <a:r>
+              <a:t> </a:t>
+            </a:r>
+            <a14:m>
+              <m:oMath>
+                <m:r>
+                  <a:rPr xmlns:a="http://schemas.openxmlformats.org/drawingml/2006/main" sz="1800" i="1">
+                    <a:solidFill>
+                      <a:srgbClr val="007AB9"/>
+                    </a:solidFill>
+                    <a:latin typeface="Cambria Math" panose="02040503050406030204" pitchFamily="18" charset="0"/>
+                  </a:rPr>
+                  <m:t>X</m:t>
+                </m:r>
+                <m:r>
+                  <a:rPr xmlns:a="http://schemas.openxmlformats.org/drawingml/2006/main" sz="1800" i="1">
+                    <a:solidFill>
+                      <a:srgbClr val="007AB9"/>
+                    </a:solidFill>
+                    <a:latin typeface="Cambria Math" panose="02040503050406030204" pitchFamily="18" charset="0"/>
+                  </a:rPr>
+                  <m:t>=</m:t>
+                </m:r>
+                <m:sSup>
+                  <m:e>
+                    <m:r>
+                      <a:rPr xmlns:a="http://schemas.openxmlformats.org/drawingml/2006/main" sz="1800" i="1">
+                        <a:solidFill>
+                          <a:srgbClr val="007AB9"/>
+                        </a:solidFill>
+                        <a:latin typeface="Cambria Math" panose="02040503050406030204" pitchFamily="18" charset="0"/>
+                      </a:rPr>
+                      <m:t>A</m:t>
+                    </m:r>
+                  </m:e>
+                  <m:sup>
+                    <m:r>
+                      <a:rPr xmlns:a="http://schemas.openxmlformats.org/drawingml/2006/main" sz="1800" i="1">
+                        <a:solidFill>
+                          <a:srgbClr val="007AB9"/>
+                        </a:solidFill>
+                        <a:latin typeface="Cambria Math" panose="02040503050406030204" pitchFamily="18" charset="0"/>
+                      </a:rPr>
+                      <m:t>-</m:t>
+                    </m:r>
+                    <m:r>
+                      <a:rPr xmlns:a="http://schemas.openxmlformats.org/drawingml/2006/main" sz="1800" i="1">
+                        <a:solidFill>
+                          <a:srgbClr val="007AB9"/>
+                        </a:solidFill>
+                        <a:latin typeface="Cambria Math" panose="02040503050406030204" pitchFamily="18" charset="0"/>
+                      </a:rPr>
+                      <m:t>1</m:t>
+                    </m:r>
+                  </m:sup>
+                </m:sSup>
+                <m:r>
+                  <a:rPr xmlns:a="http://schemas.openxmlformats.org/drawingml/2006/main" sz="1800" i="1">
+                    <a:solidFill>
+                      <a:srgbClr val="007AB9"/>
+                    </a:solidFill>
+                    <a:latin typeface="Cambria Math" panose="02040503050406030204" pitchFamily="18" charset="0"/>
+                  </a:rPr>
+                  <m:t>B</m:t>
+                </m:r>
+              </m:oMath>
+            </a14:m>
+            <a:r>
+              <a:t>                       </a:t>
+            </a:r>
+            <a:r>
+              <a:rPr>
+                <a:solidFill>
+                  <a:schemeClr val="accent5"/>
+                </a:solidFill>
+              </a:rPr>
+              <a:t>4.</a:t>
+            </a:r>
           </a:p>
         </p:txBody>
       </p:sp>
-      <p:pic>
-        <p:nvPicPr>
-          <p:cNvPr id="202" name="Image" descr="Image"/>
-          <p:cNvPicPr>
-            <a:picLocks noChangeAspect="1"/>
-          </p:cNvPicPr>
-          <p:nvPr/>
-        </p:nvPicPr>
-        <p:blipFill>
-          <a:blip r:embed="rId3">
-            <a:extLst/>
-          </a:blip>
-          <a:srcRect l="5810" t="0" r="0" b="0"/>
-          <a:stretch>
-            <a:fillRect/>
-          </a:stretch>
-        </p:blipFill>
-        <p:spPr>
-          <a:xfrm>
-            <a:off x="1393637" y="3353468"/>
-            <a:ext cx="1818232" cy="1003301"/>
-          </a:xfrm>
-          <a:prstGeom prst="rect">
-            <a:avLst/>
-          </a:prstGeom>
-          <a:ln w="12700">
-            <a:miter lim="400000"/>
-          </a:ln>
-        </p:spPr>
-      </p:pic>
     </p:spTree>
   </p:cSld>
   <p:clrMapOvr>
@@ -6897,7 +7651,7 @@
                                       <p:cBhvr>
                                         <p:cTn id="6" fill="hold"/>
                                         <p:tgtEl>
-                                          <p:spTgt spid="201">
+                                          <p:spTgt spid="204">
                                             <p:bg/>
                                           </p:spTgt>
                                         </p:tgtEl>
@@ -6925,7 +7679,7 @@
                                       <p:cBhvr>
                                         <p:cTn id="8" fill="hold"/>
                                         <p:tgtEl>
-                                          <p:spTgt spid="201">
+                                          <p:spTgt spid="204">
                                             <p:txEl>
                                               <p:pRg st="0" end="0"/>
                                             </p:txEl>
@@ -6973,7 +7727,7 @@
                                       <p:cBhvr>
                                         <p:cTn id="12" fill="hold"/>
                                         <p:tgtEl>
-                                          <p:spTgt spid="201">
+                                          <p:spTgt spid="204">
                                             <p:txEl>
                                               <p:pRg st="1" end="1"/>
                                             </p:txEl>
@@ -7021,7 +7775,7 @@
                                       <p:cBhvr>
                                         <p:cTn id="16" fill="hold"/>
                                         <p:tgtEl>
-                                          <p:spTgt spid="201">
+                                          <p:spTgt spid="204">
                                             <p:txEl>
                                               <p:pRg st="2" end="2"/>
                                             </p:txEl>
@@ -7069,7 +7823,7 @@
                                       <p:cBhvr>
                                         <p:cTn id="20" fill="hold"/>
                                         <p:tgtEl>
-                                          <p:spTgt spid="201">
+                                          <p:spTgt spid="204">
                                             <p:txEl>
                                               <p:pRg st="3" end="3"/>
                                             </p:txEl>
@@ -7117,7 +7871,7 @@
                                       <p:cBhvr>
                                         <p:cTn id="24" fill="hold"/>
                                         <p:tgtEl>
-                                          <p:spTgt spid="201">
+                                          <p:spTgt spid="204">
                                             <p:txEl>
                                               <p:pRg st="4" end="4"/>
                                             </p:txEl>
@@ -7165,7 +7919,7 @@
                                       <p:cBhvr>
                                         <p:cTn id="28" fill="hold"/>
                                         <p:tgtEl>
-                                          <p:spTgt spid="201">
+                                          <p:spTgt spid="204">
                                             <p:txEl>
                                               <p:pRg st="5" end="5"/>
                                             </p:txEl>
@@ -7213,7 +7967,7 @@
                                       <p:cBhvr>
                                         <p:cTn id="32" fill="hold"/>
                                         <p:tgtEl>
-                                          <p:spTgt spid="201">
+                                          <p:spTgt spid="204">
                                             <p:txEl>
                                               <p:pRg st="6" end="6"/>
                                             </p:txEl>
@@ -7261,7 +8015,7 @@
                                       <p:cBhvr>
                                         <p:cTn id="36" fill="hold"/>
                                         <p:tgtEl>
-                                          <p:spTgt spid="201">
+                                          <p:spTgt spid="204">
                                             <p:txEl>
                                               <p:pRg st="7" end="7"/>
                                             </p:txEl>
@@ -7306,7 +8060,7 @@
       </p:par>
     </p:tnLst>
     <p:bldLst>
-      <p:bldP build="p" bldLvl="5" animBg="1" rev="0" advAuto="0" spid="201" grpId="1"/>
+      <p:bldP build="p" bldLvl="5" animBg="1" rev="0" advAuto="0" spid="204" grpId="1"/>
     </p:bldLst>
   </p:timing>
 </p:sld>
@@ -7331,338 +8085,6 @@
       </p:grpSpPr>
       <p:sp>
         <p:nvSpPr>
-          <p:cNvPr id="206" name="Vocabulary: if   is a square matrix:"/>
-          <p:cNvSpPr txBox="1"/>
-          <p:nvPr/>
-        </p:nvSpPr>
-        <p:spPr>
-          <a:xfrm>
-            <a:off x="308760" y="1773815"/>
-            <a:ext cx="4263155" cy="265016"/>
-          </a:xfrm>
-          <a:prstGeom prst="rect">
-            <a:avLst/>
-          </a:prstGeom>
-          <a:ln w="12700">
-            <a:miter lim="400000"/>
-          </a:ln>
-          <a:extLst>
-            <a:ext uri="{C572A759-6A51-4108-AA02-DFA0A04FC94B}">
-              <ma14:wrappingTextBoxFlag xmlns:ma14="http://schemas.microsoft.com/office/mac/drawingml/2011/main" val="1"/>
-            </a:ext>
-          </a:extLst>
-        </p:spPr>
-        <p:txBody>
-          <a:bodyPr lIns="0" tIns="0" rIns="0" bIns="0">
-            <a:spAutoFit/>
-          </a:bodyPr>
-          <a:lstStyle/>
-          <a:p>
-            <a:pPr>
-              <a:defRPr b="1" sz="1700">
-                <a:solidFill>
-                  <a:schemeClr val="accent5">
-                    <a:satOff val="-3088"/>
-                    <a:lumOff val="12696"/>
-                  </a:schemeClr>
-                </a:solidFill>
-              </a:defRPr>
-            </a:pPr>
-            <a:r>
-              <a:t>Vocabulary: </a:t>
-            </a:r>
-            <a:r>
-              <a:rPr>
-                <a:solidFill>
-                  <a:schemeClr val="accent1">
-                    <a:lumOff val="-6117"/>
-                  </a:schemeClr>
-                </a:solidFill>
-              </a:rPr>
-              <a:t>if </a:t>
-            </a:r>
-            <a14:m>
-              <m:oMath>
-                <m:r>
-                  <a:rPr xmlns:a="http://schemas.openxmlformats.org/drawingml/2006/main" sz="2050" i="1">
-                    <a:solidFill>
-                      <a:srgbClr val="FB8C00"/>
-                    </a:solidFill>
-                    <a:latin typeface="Cambria Math" panose="02040503050406030204" pitchFamily="18" charset="0"/>
-                  </a:rPr>
-                  <m:t>A</m:t>
-                </m:r>
-              </m:oMath>
-            </a14:m>
-            <a:r>
-              <a:rPr>
-                <a:solidFill>
-                  <a:schemeClr val="accent1">
-                    <a:lumOff val="-6117"/>
-                  </a:schemeClr>
-                </a:solidFill>
-              </a:rPr>
-              <a:t> is a square matrix:</a:t>
-            </a:r>
-            <a:endParaRPr>
-              <a:solidFill>
-                <a:srgbClr val="FB8C00"/>
-              </a:solidFill>
-            </a:endParaRPr>
-          </a:p>
-        </p:txBody>
-      </p:sp>
-      <p:sp>
-        <p:nvSpPr>
-          <p:cNvPr id="207" name="Group"/>
-          <p:cNvSpPr txBox="1"/>
-          <p:nvPr/>
-        </p:nvSpPr>
-        <p:spPr>
-          <a:xfrm>
-            <a:off x="396343" y="2271608"/>
-            <a:ext cx="4381972" cy="584592"/>
-          </a:xfrm>
-          <a:prstGeom prst="rect">
-            <a:avLst/>
-          </a:prstGeom>
-          <a:ln w="12700">
-            <a:miter lim="400000"/>
-          </a:ln>
-          <a:extLst>
-            <a:ext uri="{C572A759-6A51-4108-AA02-DFA0A04FC94B}">
-              <ma14:wrappingTextBoxFlag xmlns:ma14="http://schemas.microsoft.com/office/mac/drawingml/2011/main" val="1"/>
-            </a:ext>
-          </a:extLst>
-        </p:spPr>
-        <p:txBody>
-          <a:bodyPr lIns="0" tIns="0" rIns="0" bIns="0"/>
-          <a:lstStyle/>
-          <a:p>
-            <a:pPr>
-              <a:defRPr>
-                <a:solidFill>
-                  <a:srgbClr val="4D22B2"/>
-                </a:solidFill>
-              </a:defRPr>
-            </a:pPr>
-            <a:r>
-              <a:t>Minor</a:t>
-            </a:r>
-          </a:p>
-          <a:p>
-            <a:pPr/>
-            <a:r>
-              <a:t>The </a:t>
-            </a:r>
-            <a:r>
-              <a:rPr>
-                <a:solidFill>
-                  <a:srgbClr val="FF6A00"/>
-                </a:solidFill>
-              </a:rPr>
-              <a:t>minor</a:t>
-            </a:r>
-            <a:r>
-              <a:rPr>
-                <a:solidFill>
-                  <a:schemeClr val="accent1">
-                    <a:lumOff val="-6117"/>
-                  </a:schemeClr>
-                </a:solidFill>
-              </a:rPr>
-              <a:t> </a:t>
-            </a:r>
-            <a14:m>
-              <m:oMath>
-                <m:sSub>
-                  <m:e>
-                    <m:r>
-                      <a:rPr xmlns:a="http://schemas.openxmlformats.org/drawingml/2006/main" sz="1650" i="1">
-                        <a:solidFill>
-                          <a:srgbClr val="00457C"/>
-                        </a:solidFill>
-                        <a:latin typeface="Cambria Math" panose="02040503050406030204" pitchFamily="18" charset="0"/>
-                      </a:rPr>
-                      <m:t>M</m:t>
-                    </m:r>
-                  </m:e>
-                  <m:sub>
-                    <m:r>
-                      <a:rPr xmlns:a="http://schemas.openxmlformats.org/drawingml/2006/main" sz="1650" i="1">
-                        <a:solidFill>
-                          <a:srgbClr val="00457C"/>
-                        </a:solidFill>
-                        <a:latin typeface="Cambria Math" panose="02040503050406030204" pitchFamily="18" charset="0"/>
-                      </a:rPr>
-                      <m:t>i</m:t>
-                    </m:r>
-                    <m:r>
-                      <a:rPr xmlns:a="http://schemas.openxmlformats.org/drawingml/2006/main" sz="1650" i="1">
-                        <a:solidFill>
-                          <a:srgbClr val="00457C"/>
-                        </a:solidFill>
-                        <a:latin typeface="Cambria Math" panose="02040503050406030204" pitchFamily="18" charset="0"/>
-                      </a:rPr>
-                      <m:t>,</m:t>
-                    </m:r>
-                    <m:r>
-                      <a:rPr xmlns:a="http://schemas.openxmlformats.org/drawingml/2006/main" sz="1650" i="1">
-                        <a:solidFill>
-                          <a:srgbClr val="00457C"/>
-                        </a:solidFill>
-                        <a:latin typeface="Cambria Math" panose="02040503050406030204" pitchFamily="18" charset="0"/>
-                      </a:rPr>
-                      <m:t>j</m:t>
-                    </m:r>
-                  </m:sub>
-                </m:sSub>
-              </m:oMath>
-            </a14:m>
-            <a:r>
-              <a:rPr>
-                <a:solidFill>
-                  <a:schemeClr val="accent1">
-                    <a:lumOff val="-6117"/>
-                  </a:schemeClr>
-                </a:solidFill>
-              </a:rPr>
-              <a:t> </a:t>
-            </a:r>
-            <a:r>
-              <a:t> for entry </a:t>
-            </a:r>
-            <a14:m>
-              <m:oMath>
-                <m:sSub>
-                  <m:e>
-                    <m:r>
-                      <a:rPr xmlns:a="http://schemas.openxmlformats.org/drawingml/2006/main" sz="1650" i="1">
-                        <a:solidFill>
-                          <a:srgbClr val="011D57"/>
-                        </a:solidFill>
-                        <a:latin typeface="Cambria Math" panose="02040503050406030204" pitchFamily="18" charset="0"/>
-                      </a:rPr>
-                      <m:t>a</m:t>
-                    </m:r>
-                  </m:e>
-                  <m:sub>
-                    <m:r>
-                      <a:rPr xmlns:a="http://schemas.openxmlformats.org/drawingml/2006/main" sz="1650" i="1">
-                        <a:solidFill>
-                          <a:srgbClr val="011D57"/>
-                        </a:solidFill>
-                        <a:latin typeface="Cambria Math" panose="02040503050406030204" pitchFamily="18" charset="0"/>
-                      </a:rPr>
-                      <m:t>i</m:t>
-                    </m:r>
-                    <m:r>
-                      <a:rPr xmlns:a="http://schemas.openxmlformats.org/drawingml/2006/main" sz="1650" i="1">
-                        <a:solidFill>
-                          <a:srgbClr val="011D57"/>
-                        </a:solidFill>
-                        <a:latin typeface="Cambria Math" panose="02040503050406030204" pitchFamily="18" charset="0"/>
-                      </a:rPr>
-                      <m:t>,</m:t>
-                    </m:r>
-                    <m:r>
-                      <a:rPr xmlns:a="http://schemas.openxmlformats.org/drawingml/2006/main" sz="1650" i="1">
-                        <a:solidFill>
-                          <a:srgbClr val="011D57"/>
-                        </a:solidFill>
-                        <a:latin typeface="Cambria Math" panose="02040503050406030204" pitchFamily="18" charset="0"/>
-                      </a:rPr>
-                      <m:t>j</m:t>
-                    </m:r>
-                  </m:sub>
-                </m:sSub>
-              </m:oMath>
-            </a14:m>
-            <a:r>
-              <a:t> is the determinant of the</a:t>
-            </a:r>
-          </a:p>
-          <a:p>
-            <a:pPr/>
-            <a:r>
-              <a:t> matrix gotten by deleting  </a:t>
-            </a:r>
-            <a:r>
-              <a:rPr>
-                <a:solidFill>
-                  <a:srgbClr val="011D57"/>
-                </a:solidFill>
-              </a:rPr>
-              <a:t>row </a:t>
-            </a:r>
-            <a14:m>
-              <m:oMath>
-                <m:r>
-                  <a:rPr xmlns:a="http://schemas.openxmlformats.org/drawingml/2006/main" sz="1850" i="1">
-                    <a:solidFill>
-                      <a:srgbClr val="011D57"/>
-                    </a:solidFill>
-                    <a:latin typeface="Cambria Math" panose="02040503050406030204" pitchFamily="18" charset="0"/>
-                  </a:rPr>
-                  <m:t>i</m:t>
-                </m:r>
-              </m:oMath>
-            </a14:m>
-            <a:r>
-              <a:rPr>
-                <a:solidFill>
-                  <a:srgbClr val="011D57"/>
-                </a:solidFill>
-              </a:rPr>
-              <a:t> </a:t>
-            </a:r>
-            <a:r>
-              <a:rPr>
-                <a:solidFill>
-                  <a:srgbClr val="FF6A00"/>
-                </a:solidFill>
-              </a:rPr>
-              <a:t>and</a:t>
-            </a:r>
-            <a:r>
-              <a:rPr>
-                <a:solidFill>
-                  <a:srgbClr val="011D57"/>
-                </a:solidFill>
-              </a:rPr>
-              <a:t> column </a:t>
-            </a:r>
-            <a14:m>
-              <m:oMath>
-                <m:r>
-                  <a:rPr xmlns:a="http://schemas.openxmlformats.org/drawingml/2006/main" sz="1000" i="1">
-                    <a:solidFill>
-                      <a:srgbClr val="011D57"/>
-                    </a:solidFill>
-                    <a:latin typeface="Cambria Math" panose="02040503050406030204" pitchFamily="18" charset="0"/>
-                  </a:rPr>
-                  <m:t>j</m:t>
-                </m:r>
-              </m:oMath>
-            </a14:m>
-            <a:r>
-              <a:rPr>
-                <a:solidFill>
-                  <a:srgbClr val="011D57"/>
-                </a:solidFill>
-              </a:rPr>
-              <a:t>.</a:t>
-            </a:r>
-            <a:endParaRPr>
-              <a:solidFill>
-                <a:srgbClr val="011D57"/>
-              </a:solidFill>
-            </a:endParaRPr>
-          </a:p>
-        </p:txBody>
-      </p:sp>
-      <p:sp>
-        <p:nvSpPr>
           <p:cNvPr id="208" name="Be sure to: do the work below in your saved copy of thenAlice’s restaurant Pyret file:…"/>
           <p:cNvSpPr txBox="1"/>
           <p:nvPr/>
@@ -7744,8 +8166,8 @@
         </p:nvSpPr>
         <p:spPr>
           <a:xfrm>
-            <a:off x="268814" y="3377946"/>
-            <a:ext cx="5947258" cy="793414"/>
+            <a:off x="1043001" y="1491399"/>
+            <a:ext cx="5947259" cy="793414"/>
           </a:xfrm>
           <a:prstGeom prst="rect">
             <a:avLst/>
@@ -7771,339 +8193,121 @@
               </a:defRPr>
             </a:pPr>
             <a:r>
-              <a:t>Cofactor</a:t>
+              <a:t>Transpose</a:t>
             </a:r>
           </a:p>
           <a:p>
             <a:pPr/>
             <a:r>
-              <a:t>The </a:t>
-            </a:r>
-            <a:r>
-              <a:rPr>
-                <a:solidFill>
-                  <a:srgbClr val="FF6A00"/>
-                </a:solidFill>
-              </a:rPr>
-              <a:t>cofactor</a:t>
-            </a:r>
-            <a:r>
-              <a:rPr>
-                <a:solidFill>
-                  <a:schemeClr val="accent1">
-                    <a:lumOff val="-6117"/>
-                  </a:schemeClr>
-                </a:solidFill>
-              </a:rPr>
-              <a:t> </a:t>
+              <a:t>If </a:t>
             </a:r>
             <a14:m>
               <m:oMath>
-                <m:sSub>
+                <m:sSup>
                   <m:e>
                     <m:r>
-                      <a:rPr xmlns:a="http://schemas.openxmlformats.org/drawingml/2006/main" sz="1750" i="1">
+                      <a:rPr xmlns:a="http://schemas.openxmlformats.org/drawingml/2006/main" sz="1550" i="1">
                         <a:solidFill>
-                          <a:srgbClr val="00457C"/>
+                          <a:srgbClr val="F46524"/>
                         </a:solidFill>
                         <a:latin typeface="Cambria Math" panose="02040503050406030204" pitchFamily="18" charset="0"/>
                       </a:rPr>
-                      <m:t>C</m:t>
-                    </m:r>
-                  </m:e>
-                  <m:sub>
-                    <m:r>
-                      <a:rPr xmlns:a="http://schemas.openxmlformats.org/drawingml/2006/main" sz="1750" i="1">
-                        <a:solidFill>
-                          <a:srgbClr val="00457C"/>
-                        </a:solidFill>
-                        <a:latin typeface="Cambria Math" panose="02040503050406030204" pitchFamily="18" charset="0"/>
-                      </a:rPr>
-                      <m:t>i</m:t>
-                    </m:r>
-                    <m:r>
-                      <a:rPr xmlns:a="http://schemas.openxmlformats.org/drawingml/2006/main" sz="1750" i="1">
-                        <a:solidFill>
-                          <a:srgbClr val="00457C"/>
-                        </a:solidFill>
-                        <a:latin typeface="Cambria Math" panose="02040503050406030204" pitchFamily="18" charset="0"/>
-                      </a:rPr>
-                      <m:t>,</m:t>
-                    </m:r>
-                    <m:r>
-                      <a:rPr xmlns:a="http://schemas.openxmlformats.org/drawingml/2006/main" sz="1750" i="1">
-                        <a:solidFill>
-                          <a:srgbClr val="00457C"/>
-                        </a:solidFill>
-                        <a:latin typeface="Cambria Math" panose="02040503050406030204" pitchFamily="18" charset="0"/>
-                      </a:rPr>
-                      <m:t>j</m:t>
-                    </m:r>
-                  </m:sub>
-                </m:sSub>
-              </m:oMath>
-            </a14:m>
-            <a:r>
-              <a:rPr>
-                <a:solidFill>
-                  <a:schemeClr val="accent1">
-                    <a:lumOff val="-6117"/>
-                  </a:schemeClr>
-                </a:solidFill>
-              </a:rPr>
-              <a:t> </a:t>
-            </a:r>
-            <a:r>
-              <a:t> for entry </a:t>
-            </a:r>
-            <a14:m>
-              <m:oMath>
-                <m:sSub>
-                  <m:e>
-                    <m:r>
-                      <a:rPr xmlns:a="http://schemas.openxmlformats.org/drawingml/2006/main" sz="1650" i="1">
-                        <a:solidFill>
-                          <a:srgbClr val="011D57"/>
-                        </a:solidFill>
-                        <a:latin typeface="Cambria Math" panose="02040503050406030204" pitchFamily="18" charset="0"/>
-                      </a:rPr>
-                      <m:t>a</m:t>
-                    </m:r>
-                  </m:e>
-                  <m:sub>
-                    <m:r>
-                      <a:rPr xmlns:a="http://schemas.openxmlformats.org/drawingml/2006/main" sz="1650" i="1">
-                        <a:solidFill>
-                          <a:srgbClr val="011D57"/>
-                        </a:solidFill>
-                        <a:latin typeface="Cambria Math" panose="02040503050406030204" pitchFamily="18" charset="0"/>
-                      </a:rPr>
-                      <m:t>i</m:t>
-                    </m:r>
-                    <m:r>
-                      <a:rPr xmlns:a="http://schemas.openxmlformats.org/drawingml/2006/main" sz="1650" i="1">
-                        <a:solidFill>
-                          <a:srgbClr val="011D57"/>
-                        </a:solidFill>
-                        <a:latin typeface="Cambria Math" panose="02040503050406030204" pitchFamily="18" charset="0"/>
-                      </a:rPr>
-                      <m:t>,</m:t>
-                    </m:r>
-                    <m:r>
-                      <a:rPr xmlns:a="http://schemas.openxmlformats.org/drawingml/2006/main" sz="1650" i="1">
-                        <a:solidFill>
-                          <a:srgbClr val="011D57"/>
-                        </a:solidFill>
-                        <a:latin typeface="Cambria Math" panose="02040503050406030204" pitchFamily="18" charset="0"/>
-                      </a:rPr>
-                      <m:t>j</m:t>
-                    </m:r>
-                  </m:sub>
-                </m:sSub>
-              </m:oMath>
-            </a14:m>
-            <a:r>
-              <a:t>  is given by</a:t>
-            </a:r>
-          </a:p>
-          <a:p>
-            <a:pPr/>
-            <a:r>
-              <a:t> </a:t>
-            </a:r>
-            <a14:m>
-              <m:oMath>
-                <m:sSub>
-                  <m:e>
-                    <m:r>
-                      <a:rPr xmlns:a="http://schemas.openxmlformats.org/drawingml/2006/main" sz="1700" i="1">
-                        <a:solidFill>
-                          <a:srgbClr val="007AB9"/>
-                        </a:solidFill>
-                        <a:latin typeface="Cambria Math" panose="02040503050406030204" pitchFamily="18" charset="0"/>
-                      </a:rPr>
-                      <m:t>C</m:t>
-                    </m:r>
-                  </m:e>
-                  <m:sub>
-                    <m:r>
-                      <a:rPr xmlns:a="http://schemas.openxmlformats.org/drawingml/2006/main" sz="1700" i="1">
-                        <a:solidFill>
-                          <a:srgbClr val="007AB9"/>
-                        </a:solidFill>
-                        <a:latin typeface="Cambria Math" panose="02040503050406030204" pitchFamily="18" charset="0"/>
-                      </a:rPr>
-                      <m:t>i</m:t>
-                    </m:r>
-                    <m:r>
-                      <a:rPr xmlns:a="http://schemas.openxmlformats.org/drawingml/2006/main" sz="1700" i="1">
-                        <a:solidFill>
-                          <a:srgbClr val="007AB9"/>
-                        </a:solidFill>
-                        <a:latin typeface="Cambria Math" panose="02040503050406030204" pitchFamily="18" charset="0"/>
-                      </a:rPr>
-                      <m:t>,</m:t>
-                    </m:r>
-                    <m:r>
-                      <a:rPr xmlns:a="http://schemas.openxmlformats.org/drawingml/2006/main" sz="1700" i="1">
-                        <a:solidFill>
-                          <a:srgbClr val="007AB9"/>
-                        </a:solidFill>
-                        <a:latin typeface="Cambria Math" panose="02040503050406030204" pitchFamily="18" charset="0"/>
-                      </a:rPr>
-                      <m:t>j</m:t>
-                    </m:r>
-                  </m:sub>
-                </m:sSub>
-                <m:r>
-                  <a:rPr xmlns:a="http://schemas.openxmlformats.org/drawingml/2006/main" sz="1700" i="1">
-                    <a:solidFill>
-                      <a:srgbClr val="007AB9"/>
-                    </a:solidFill>
-                    <a:latin typeface="Cambria Math" panose="02040503050406030204" pitchFamily="18" charset="0"/>
-                  </a:rPr>
-                  <m:t>=</m:t>
-                </m:r>
-                <m:r>
-                  <a:rPr xmlns:a="http://schemas.openxmlformats.org/drawingml/2006/main" sz="1700" i="1">
-                    <a:solidFill>
-                      <a:srgbClr val="007AB9"/>
-                    </a:solidFill>
-                    <a:latin typeface="Cambria Math" panose="02040503050406030204" pitchFamily="18" charset="0"/>
-                  </a:rPr>
-                  <m:t>(</m:t>
-                </m:r>
-                <m:r>
-                  <a:rPr xmlns:a="http://schemas.openxmlformats.org/drawingml/2006/main" sz="1700" i="1">
-                    <a:solidFill>
-                      <a:srgbClr val="007AB9"/>
-                    </a:solidFill>
-                    <a:latin typeface="Cambria Math" panose="02040503050406030204" pitchFamily="18" charset="0"/>
-                  </a:rPr>
-                  <m:t>-</m:t>
-                </m:r>
-                <m:r>
-                  <a:rPr xmlns:a="http://schemas.openxmlformats.org/drawingml/2006/main" sz="1700" i="1">
-                    <a:solidFill>
-                      <a:srgbClr val="007AB9"/>
-                    </a:solidFill>
-                    <a:latin typeface="Cambria Math" panose="02040503050406030204" pitchFamily="18" charset="0"/>
-                  </a:rPr>
-                  <m:t>1</m:t>
-                </m:r>
-                <m:sSup>
-                  <m:e>
-                    <m:r>
-                      <a:rPr xmlns:a="http://schemas.openxmlformats.org/drawingml/2006/main" sz="1700" i="1">
-                        <a:solidFill>
-                          <a:srgbClr val="007AB9"/>
-                        </a:solidFill>
-                        <a:latin typeface="Cambria Math" panose="02040503050406030204" pitchFamily="18" charset="0"/>
-                      </a:rPr>
-                      <m:t>)</m:t>
+                      <m:t>A</m:t>
                     </m:r>
                   </m:e>
                   <m:sup>
                     <m:r>
-                      <a:rPr xmlns:a="http://schemas.openxmlformats.org/drawingml/2006/main" sz="1700" i="1">
+                      <a:rPr xmlns:a="http://schemas.openxmlformats.org/drawingml/2006/main" sz="1550" i="1">
                         <a:solidFill>
-                          <a:srgbClr val="007AB9"/>
+                          <a:srgbClr val="F46524"/>
                         </a:solidFill>
                         <a:latin typeface="Cambria Math" panose="02040503050406030204" pitchFamily="18" charset="0"/>
                       </a:rPr>
-                      <m:t>i</m:t>
+                      <m:t>T</m:t>
                     </m:r>
+                  </m:sup>
+                </m:sSup>
+              </m:oMath>
+            </a14:m>
+            <a:r>
+              <a:t> is the transpose of </a:t>
+            </a:r>
+            <a14:m>
+              <m:oMath>
+                <m:r>
+                  <a:rPr xmlns:a="http://schemas.openxmlformats.org/drawingml/2006/main" sz="1650" i="1">
+                    <a:solidFill>
+                      <a:srgbClr val="011D57"/>
+                    </a:solidFill>
+                    <a:latin typeface="Cambria Math" panose="02040503050406030204" pitchFamily="18" charset="0"/>
+                  </a:rPr>
+                  <m:t>A</m:t>
+                </m:r>
+              </m:oMath>
+            </a14:m>
+            <a:r>
+              <a:t> than the first row of </a:t>
+            </a:r>
+            <a14:m>
+              <m:oMath>
+                <m:r>
+                  <a:rPr xmlns:a="http://schemas.openxmlformats.org/drawingml/2006/main" sz="1650" i="1">
+                    <a:solidFill>
+                      <a:srgbClr val="F46524"/>
+                    </a:solidFill>
+                    <a:latin typeface="Cambria Math" panose="02040503050406030204" pitchFamily="18" charset="0"/>
+                  </a:rPr>
+                  <m:t>A</m:t>
+                </m:r>
+              </m:oMath>
+            </a14:m>
+            <a:r>
+              <a:t> becomes the first column of </a:t>
+            </a:r>
+            <a14:m>
+              <m:oMath>
+                <m:sSup>
+                  <m:e>
                     <m:r>
-                      <a:rPr xmlns:a="http://schemas.openxmlformats.org/drawingml/2006/main" sz="1700" i="1">
+                      <a:rPr xmlns:a="http://schemas.openxmlformats.org/drawingml/2006/main" sz="1550" i="1">
                         <a:solidFill>
-                          <a:srgbClr val="007AB9"/>
+                          <a:srgbClr val="F46524"/>
                         </a:solidFill>
                         <a:latin typeface="Cambria Math" panose="02040503050406030204" pitchFamily="18" charset="0"/>
                       </a:rPr>
-                      <m:t>+</m:t>
+                      <m:t>A</m:t>
                     </m:r>
+                  </m:e>
+                  <m:sup>
                     <m:r>
-                      <a:rPr xmlns:a="http://schemas.openxmlformats.org/drawingml/2006/main" sz="1700" i="1">
+                      <a:rPr xmlns:a="http://schemas.openxmlformats.org/drawingml/2006/main" sz="1550" i="1">
                         <a:solidFill>
-                          <a:srgbClr val="007AB9"/>
+                          <a:srgbClr val="F46524"/>
                         </a:solidFill>
                         <a:latin typeface="Cambria Math" panose="02040503050406030204" pitchFamily="18" charset="0"/>
                       </a:rPr>
-                      <m:t>j</m:t>
+                      <m:t>T</m:t>
                     </m:r>
                   </m:sup>
                 </m:sSup>
-                <m:r>
-                  <a:rPr xmlns:a="http://schemas.openxmlformats.org/drawingml/2006/main" sz="1700" i="1">
-                    <a:solidFill>
-                      <a:srgbClr val="007AB9"/>
-                    </a:solidFill>
-                    <a:latin typeface="Cambria Math" panose="02040503050406030204" pitchFamily="18" charset="0"/>
-                  </a:rPr>
-                  <m:t>×</m:t>
-                </m:r>
-                <m:sSub>
-                  <m:e>
-                    <m:r>
-                      <a:rPr xmlns:a="http://schemas.openxmlformats.org/drawingml/2006/main" sz="1700" i="1">
-                        <a:solidFill>
-                          <a:srgbClr val="007AB9"/>
-                        </a:solidFill>
-                        <a:latin typeface="Cambria Math" panose="02040503050406030204" pitchFamily="18" charset="0"/>
-                      </a:rPr>
-                      <m:t>M</m:t>
-                    </m:r>
-                  </m:e>
-                  <m:sub>
-                    <m:r>
-                      <a:rPr xmlns:a="http://schemas.openxmlformats.org/drawingml/2006/main" sz="1700" i="1">
-                        <a:solidFill>
-                          <a:srgbClr val="007AB9"/>
-                        </a:solidFill>
-                        <a:latin typeface="Cambria Math" panose="02040503050406030204" pitchFamily="18" charset="0"/>
-                      </a:rPr>
-                      <m:t>i</m:t>
-                    </m:r>
-                    <m:r>
-                      <a:rPr xmlns:a="http://schemas.openxmlformats.org/drawingml/2006/main" sz="1700" i="1">
-                        <a:solidFill>
-                          <a:srgbClr val="007AB9"/>
-                        </a:solidFill>
-                        <a:latin typeface="Cambria Math" panose="02040503050406030204" pitchFamily="18" charset="0"/>
-                      </a:rPr>
-                      <m:t>,</m:t>
-                    </m:r>
-                    <m:r>
-                      <a:rPr xmlns:a="http://schemas.openxmlformats.org/drawingml/2006/main" sz="1700" i="1">
-                        <a:solidFill>
-                          <a:srgbClr val="007AB9"/>
-                        </a:solidFill>
-                        <a:latin typeface="Cambria Math" panose="02040503050406030204" pitchFamily="18" charset="0"/>
-                      </a:rPr>
-                      <m:t>j</m:t>
-                    </m:r>
-                  </m:sub>
-                </m:sSub>
               </m:oMath>
             </a14:m>
-            <a:endParaRPr>
-              <a:solidFill>
-                <a:srgbClr val="007ABA"/>
-              </a:solidFill>
-            </a:endParaRPr>
+            <a:r>
+              <a:t>, and so on.</a:t>
+            </a:r>
           </a:p>
         </p:txBody>
       </p:sp>
       <p:sp>
         <p:nvSpPr>
-          <p:cNvPr id="210" name="Practice problem #1: Find…"/>
+          <p:cNvPr id="210" name="Find the transpose for this matrix:"/>
           <p:cNvSpPr txBox="1"/>
           <p:nvPr/>
         </p:nvSpPr>
         <p:spPr>
           <a:xfrm>
-            <a:off x="5826345" y="1355962"/>
-            <a:ext cx="2453952" cy="682870"/>
+            <a:off x="3246431" y="2705212"/>
+            <a:ext cx="2651138" cy="215901"/>
           </a:xfrm>
           <a:prstGeom prst="rect">
             <a:avLst/>
@@ -8121,136 +8325,33 @@
           <a:bodyPr wrap="none" lIns="0" tIns="0" rIns="0" bIns="0">
             <a:spAutoFit/>
           </a:bodyPr>
-          <a:lstStyle/>
-          <a:p>
-            <a:pPr>
-              <a:defRPr b="1">
+          <a:lstStyle>
+            <a:lvl1pPr>
+              <a:defRPr>
                 <a:solidFill>
-                  <a:schemeClr val="accent4">
-                    <a:satOff val="-3525"/>
-                    <a:lumOff val="-10431"/>
-                  </a:schemeClr>
+                  <a:schemeClr val="accent4"/>
                 </a:solidFill>
               </a:defRPr>
-            </a:pPr>
-            <a:r>
-              <a:t>Practice problem #1: Find </a:t>
-            </a:r>
-          </a:p>
-          <a:p>
-            <a:pPr>
-              <a:defRPr b="1">
-                <a:solidFill>
-                  <a:schemeClr val="accent4">
-                    <a:satOff val="-3525"/>
-                    <a:lumOff val="-10431"/>
-                  </a:schemeClr>
-                </a:solidFill>
-              </a:defRPr>
-            </a:pPr>
-            <a:r>
-              <a:t>the minors </a:t>
-            </a:r>
-            <a14:m>
-              <m:oMath>
-                <m:sSub>
-                  <m:e>
-                    <m:r>
-                      <a:rPr xmlns:a="http://schemas.openxmlformats.org/drawingml/2006/main" sz="1700" i="1">
-                        <a:solidFill>
-                          <a:srgbClr val="409482"/>
-                        </a:solidFill>
-                        <a:latin typeface="Cambria Math" panose="02040503050406030204" pitchFamily="18" charset="0"/>
-                      </a:rPr>
-                      <m:t>M</m:t>
-                    </m:r>
-                  </m:e>
-                  <m:sub>
-                    <m:r>
-                      <a:rPr xmlns:a="http://schemas.openxmlformats.org/drawingml/2006/main" sz="1700" i="1">
-                        <a:solidFill>
-                          <a:srgbClr val="409482"/>
-                        </a:solidFill>
-                        <a:latin typeface="Cambria Math" panose="02040503050406030204" pitchFamily="18" charset="0"/>
-                      </a:rPr>
-                      <m:t>2,2</m:t>
-                    </m:r>
-                  </m:sub>
-                </m:sSub>
-              </m:oMath>
-            </a14:m>
-            <a:r>
-              <a:t> and </a:t>
-            </a:r>
-            <a14:m>
-              <m:oMath>
-                <m:sSub>
-                  <m:e>
-                    <m:r>
-                      <a:rPr xmlns:a="http://schemas.openxmlformats.org/drawingml/2006/main" sz="1700" i="1">
-                        <a:solidFill>
-                          <a:srgbClr val="409482"/>
-                        </a:solidFill>
-                        <a:latin typeface="Cambria Math" panose="02040503050406030204" pitchFamily="18" charset="0"/>
-                      </a:rPr>
-                      <m:t>M</m:t>
-                    </m:r>
-                  </m:e>
-                  <m:sub>
-                    <m:r>
-                      <a:rPr xmlns:a="http://schemas.openxmlformats.org/drawingml/2006/main" sz="1700" i="1">
-                        <a:solidFill>
-                          <a:srgbClr val="409482"/>
-                        </a:solidFill>
-                        <a:latin typeface="Cambria Math" panose="02040503050406030204" pitchFamily="18" charset="0"/>
-                      </a:rPr>
-                      <m:t>3,3</m:t>
-                    </m:r>
-                  </m:sub>
-                </m:sSub>
-              </m:oMath>
-            </a14:m>
-            <a:r>
-              <a:t> for </a:t>
-            </a:r>
-          </a:p>
-          <a:p>
-            <a:pPr>
-              <a:defRPr b="1">
-                <a:solidFill>
-                  <a:schemeClr val="accent4">
-                    <a:satOff val="-3525"/>
-                    <a:lumOff val="-10431"/>
-                  </a:schemeClr>
-                </a:solidFill>
-              </a:defRPr>
-            </a:pPr>
-            <a:r>
-              <a:t>the matrix below.</a:t>
+            </a:lvl1pPr>
+          </a:lstStyle>
+          <a:p>
+            <a:pPr/>
+            <a:r>
+              <a:t>Find the transpose for this matrix:</a:t>
             </a:r>
           </a:p>
         </p:txBody>
       </p:sp>
-      <p:pic>
-        <p:nvPicPr>
-          <p:cNvPr id="211" name="Image" descr="Image"/>
-          <p:cNvPicPr>
-            <a:picLocks noChangeAspect="1"/>
-          </p:cNvPicPr>
+      <p:sp>
+        <p:nvSpPr>
+          <p:cNvPr id="211" name="Equation"/>
+          <p:cNvSpPr txBox="1"/>
           <p:nvPr/>
-        </p:nvPicPr>
-        <p:blipFill>
-          <a:blip r:embed="rId3">
-            <a:extLst/>
-          </a:blip>
-          <a:stretch>
-            <a:fillRect/>
-          </a:stretch>
-        </p:blipFill>
+        </p:nvSpPr>
         <p:spPr>
           <a:xfrm>
-            <a:off x="5475371" y="3377946"/>
-            <a:ext cx="2324101" cy="1003301"/>
+            <a:off x="4205327" y="3234276"/>
+            <a:ext cx="1076342" cy="546736"/>
           </a:xfrm>
           <a:prstGeom prst="rect">
             <a:avLst/>
@@ -8258,30 +8359,6 @@
           <a:ln w="12700">
             <a:miter lim="400000"/>
           </a:ln>
-        </p:spPr>
-      </p:pic>
-      <p:sp>
-        <p:nvSpPr>
-          <p:cNvPr id="212" name="Practice problem #2: Find…"/>
-          <p:cNvSpPr txBox="1"/>
-          <p:nvPr/>
-        </p:nvSpPr>
-        <p:spPr>
-          <a:xfrm>
-            <a:off x="5826345" y="2271608"/>
-            <a:ext cx="2589405" cy="682869"/>
-          </a:xfrm>
-          <a:prstGeom prst="rect">
-            <a:avLst/>
-          </a:prstGeom>
-          <a:ln w="12700">
-            <a:miter lim="400000"/>
-          </a:ln>
-          <a:extLst>
-            <a:ext uri="{C572A759-6A51-4108-AA02-DFA0A04FC94B}">
-              <ma14:wrappingTextBoxFlag xmlns:ma14="http://schemas.microsoft.com/office/mac/drawingml/2011/main" val="1"/>
-            </a:ext>
-          </a:extLst>
         </p:spPr>
         <p:txBody>
           <a:bodyPr wrap="none" lIns="0" tIns="0" rIns="0" bIns="0">
@@ -8289,111 +8366,215 @@
           </a:bodyPr>
           <a:lstStyle/>
           <a:p>
-            <a:pPr>
-              <a:defRPr b="1">
+            <a:pPr latinLnBrk="1">
+              <a:defRPr sz="1800">
                 <a:solidFill>
-                  <a:schemeClr val="accent4">
-                    <a:satOff val="-3525"/>
-                    <a:lumOff val="-10431"/>
-                  </a:schemeClr>
+                  <a:srgbClr val="000000"/>
                 </a:solidFill>
               </a:defRPr>
             </a:pPr>
-            <a:r>
-              <a:t>Practice problem #2: Find </a:t>
-            </a:r>
-          </a:p>
-          <a:p>
-            <a:pPr>
-              <a:defRPr b="1">
-                <a:solidFill>
-                  <a:schemeClr val="accent4">
-                    <a:satOff val="-3525"/>
-                    <a:lumOff val="-10431"/>
-                  </a:schemeClr>
-                </a:solidFill>
-              </a:defRPr>
-            </a:pPr>
-            <a:r>
-              <a:t>the cofactors </a:t>
-            </a:r>
             <a14:m>
-              <m:oMath>
-                <m:sSub>
-                  <m:e>
-                    <m:r>
-                      <a:rPr xmlns:a="http://schemas.openxmlformats.org/drawingml/2006/main" sz="1800" i="1">
-                        <a:solidFill>
-                          <a:srgbClr val="409482"/>
-                        </a:solidFill>
-                        <a:latin typeface="Cambria Math" panose="02040503050406030204" pitchFamily="18" charset="0"/>
-                      </a:rPr>
-                      <m:t>C</m:t>
-                    </m:r>
-                  </m:e>
-                  <m:sub>
-                    <m:r>
-                      <a:rPr xmlns:a="http://schemas.openxmlformats.org/drawingml/2006/main" sz="1800" i="1">
-                        <a:solidFill>
-                          <a:srgbClr val="409482"/>
-                        </a:solidFill>
-                        <a:latin typeface="Cambria Math" panose="02040503050406030204" pitchFamily="18" charset="0"/>
-                      </a:rPr>
-                      <m:t>2,2</m:t>
-                    </m:r>
-                  </m:sub>
-                </m:sSub>
-              </m:oMath>
+              <m:oMathPara>
+                <m:oMathParaPr>
+                  <m:jc m:val="centerGroup"/>
+                </m:oMathParaPr>
+                <m:oMath>
+                  <m:d>
+                    <m:dPr>
+                      <m:ctrlPr>
+                        <a:rPr xmlns:a="http://schemas.openxmlformats.org/drawingml/2006/main" sz="1400" i="1">
+                          <a:solidFill>
+                            <a:srgbClr val="00457C"/>
+                          </a:solidFill>
+                          <a:latin typeface="Cambria Math" panose="02040503050406030204" pitchFamily="18" charset="0"/>
+                        </a:rPr>
+                      </m:ctrlPr>
+                      <m:begChr m:val="["/>
+                      <m:endChr m:val="]"/>
+                    </m:dPr>
+                    <m:e>
+                      <m:m>
+                        <m:mPr>
+                          <m:ctrlPr>
+                            <a:rPr xmlns:a="http://schemas.openxmlformats.org/drawingml/2006/main" sz="1400" i="1">
+                              <a:solidFill>
+                                <a:srgbClr val="00457C"/>
+                              </a:solidFill>
+                              <a:latin typeface="Cambria Math" panose="02040503050406030204" pitchFamily="18" charset="0"/>
+                            </a:rPr>
+                          </m:ctrlPr>
+                          <m:baseJc m:val="center"/>
+                          <m:plcHide m:val="on"/>
+                          <m:mcs>
+                            <m:mc>
+                              <m:mcPr>
+                                <m:count m:val="3"/>
+                                <m:mcJc m:val="center"/>
+                              </m:mcPr>
+                            </m:mc>
+                          </m:mcs>
+                        </m:mPr>
+                        <m:mr>
+                          <m:e>
+                            <m:r>
+                              <a:rPr xmlns:a="http://schemas.openxmlformats.org/drawingml/2006/main" sz="1400" i="1">
+                                <a:solidFill>
+                                  <a:srgbClr val="00457C"/>
+                                </a:solidFill>
+                                <a:latin typeface="Cambria Math" panose="02040503050406030204" pitchFamily="18" charset="0"/>
+                              </a:rPr>
+                              <m:t>-</m:t>
+                            </m:r>
+                            <m:r>
+                              <a:rPr xmlns:a="http://schemas.openxmlformats.org/drawingml/2006/main" sz="1400" i="1">
+                                <a:solidFill>
+                                  <a:srgbClr val="00457C"/>
+                                </a:solidFill>
+                                <a:latin typeface="Cambria Math" panose="02040503050406030204" pitchFamily="18" charset="0"/>
+                              </a:rPr>
+                              <m:t>8</m:t>
+                            </m:r>
+                          </m:e>
+                          <m:e>
+                            <m:r>
+                              <a:rPr xmlns:a="http://schemas.openxmlformats.org/drawingml/2006/main" sz="1400" i="1">
+                                <a:solidFill>
+                                  <a:srgbClr val="00457C"/>
+                                </a:solidFill>
+                                <a:latin typeface="Cambria Math" panose="02040503050406030204" pitchFamily="18" charset="0"/>
+                              </a:rPr>
+                              <m:t>-</m:t>
+                            </m:r>
+                            <m:r>
+                              <a:rPr xmlns:a="http://schemas.openxmlformats.org/drawingml/2006/main" sz="1400" i="1">
+                                <a:solidFill>
+                                  <a:srgbClr val="00457C"/>
+                                </a:solidFill>
+                                <a:latin typeface="Cambria Math" panose="02040503050406030204" pitchFamily="18" charset="0"/>
+                              </a:rPr>
+                              <m:t>2</m:t>
+                            </m:r>
+                          </m:e>
+                          <m:e>
+                            <m:r>
+                              <a:rPr xmlns:a="http://schemas.openxmlformats.org/drawingml/2006/main" sz="1400" i="1">
+                                <a:solidFill>
+                                  <a:srgbClr val="00457C"/>
+                                </a:solidFill>
+                                <a:latin typeface="Cambria Math" panose="02040503050406030204" pitchFamily="18" charset="0"/>
+                              </a:rPr>
+                              <m:t>-</m:t>
+                            </m:r>
+                            <m:r>
+                              <a:rPr xmlns:a="http://schemas.openxmlformats.org/drawingml/2006/main" sz="1400" i="1">
+                                <a:solidFill>
+                                  <a:srgbClr val="00457C"/>
+                                </a:solidFill>
+                                <a:latin typeface="Cambria Math" panose="02040503050406030204" pitchFamily="18" charset="0"/>
+                              </a:rPr>
+                              <m:t>2</m:t>
+                            </m:r>
+                          </m:e>
+                        </m:mr>
+                        <m:mr>
+                          <m:e>
+                            <m:r>
+                              <a:rPr xmlns:a="http://schemas.openxmlformats.org/drawingml/2006/main" sz="1400" i="1">
+                                <a:solidFill>
+                                  <a:srgbClr val="00457C"/>
+                                </a:solidFill>
+                                <a:latin typeface="Cambria Math" panose="02040503050406030204" pitchFamily="18" charset="0"/>
+                              </a:rPr>
+                              <m:t>2</m:t>
+                            </m:r>
+                          </m:e>
+                          <m:e>
+                            <m:r>
+                              <a:rPr xmlns:a="http://schemas.openxmlformats.org/drawingml/2006/main" sz="1400" i="1">
+                                <a:solidFill>
+                                  <a:srgbClr val="00457C"/>
+                                </a:solidFill>
+                                <a:latin typeface="Cambria Math" panose="02040503050406030204" pitchFamily="18" charset="0"/>
+                              </a:rPr>
+                              <m:t>-</m:t>
+                            </m:r>
+                            <m:r>
+                              <a:rPr xmlns:a="http://schemas.openxmlformats.org/drawingml/2006/main" sz="1400" i="1">
+                                <a:solidFill>
+                                  <a:srgbClr val="00457C"/>
+                                </a:solidFill>
+                                <a:latin typeface="Cambria Math" panose="02040503050406030204" pitchFamily="18" charset="0"/>
+                              </a:rPr>
+                              <m:t>2</m:t>
+                            </m:r>
+                          </m:e>
+                          <m:e>
+                            <m:r>
+                              <a:rPr xmlns:a="http://schemas.openxmlformats.org/drawingml/2006/main" sz="1400" i="1">
+                                <a:solidFill>
+                                  <a:srgbClr val="00457C"/>
+                                </a:solidFill>
+                                <a:latin typeface="Cambria Math" panose="02040503050406030204" pitchFamily="18" charset="0"/>
+                              </a:rPr>
+                              <m:t>-</m:t>
+                            </m:r>
+                            <m:r>
+                              <a:rPr xmlns:a="http://schemas.openxmlformats.org/drawingml/2006/main" sz="1400" i="1">
+                                <a:solidFill>
+                                  <a:srgbClr val="00457C"/>
+                                </a:solidFill>
+                                <a:latin typeface="Cambria Math" panose="02040503050406030204" pitchFamily="18" charset="0"/>
+                              </a:rPr>
+                              <m:t>2</m:t>
+                            </m:r>
+                          </m:e>
+                        </m:mr>
+                        <m:mr>
+                          <m:e>
+                            <m:r>
+                              <a:rPr xmlns:a="http://schemas.openxmlformats.org/drawingml/2006/main" sz="1400" i="1">
+                                <a:solidFill>
+                                  <a:srgbClr val="00457C"/>
+                                </a:solidFill>
+                                <a:latin typeface="Cambria Math" panose="02040503050406030204" pitchFamily="18" charset="0"/>
+                              </a:rPr>
+                              <m:t>9</m:t>
+                            </m:r>
+                          </m:e>
+                          <m:e>
+                            <m:r>
+                              <a:rPr xmlns:a="http://schemas.openxmlformats.org/drawingml/2006/main" sz="1400" i="1">
+                                <a:solidFill>
+                                  <a:srgbClr val="00457C"/>
+                                </a:solidFill>
+                                <a:latin typeface="Cambria Math" panose="02040503050406030204" pitchFamily="18" charset="0"/>
+                              </a:rPr>
+                              <m:t>1</m:t>
+                            </m:r>
+                          </m:e>
+                          <m:e>
+                            <m:r>
+                              <a:rPr xmlns:a="http://schemas.openxmlformats.org/drawingml/2006/main" sz="1400" i="1">
+                                <a:solidFill>
+                                  <a:srgbClr val="00457C"/>
+                                </a:solidFill>
+                                <a:latin typeface="Cambria Math" panose="02040503050406030204" pitchFamily="18" charset="0"/>
+                              </a:rPr>
+                              <m:t>6</m:t>
+                            </m:r>
+                          </m:e>
+                        </m:mr>
+                      </m:m>
+                    </m:e>
+                  </m:d>
+                </m:oMath>
+              </m:oMathPara>
             </a14:m>
-            <a:r>
-              <a:t> and </a:t>
-            </a:r>
-            <a14:m>
-              <m:oMath>
-                <m:sSub>
-                  <m:e>
-                    <m:r>
-                      <a:rPr xmlns:a="http://schemas.openxmlformats.org/drawingml/2006/main" sz="1850" i="1">
-                        <a:solidFill>
-                          <a:srgbClr val="409482"/>
-                        </a:solidFill>
-                        <a:latin typeface="Cambria Math" panose="02040503050406030204" pitchFamily="18" charset="0"/>
-                      </a:rPr>
-                      <m:t>C</m:t>
-                    </m:r>
-                  </m:e>
-                  <m:sub>
-                    <m:r>
-                      <a:rPr xmlns:a="http://schemas.openxmlformats.org/drawingml/2006/main" sz="1850" i="1">
-                        <a:solidFill>
-                          <a:srgbClr val="409482"/>
-                        </a:solidFill>
-                        <a:latin typeface="Cambria Math" panose="02040503050406030204" pitchFamily="18" charset="0"/>
-                      </a:rPr>
-                      <m:t>3,3</m:t>
-                    </m:r>
-                  </m:sub>
-                </m:sSub>
-              </m:oMath>
-            </a14:m>
-            <a:r>
-              <a:t> for </a:t>
-            </a:r>
-          </a:p>
-          <a:p>
-            <a:pPr>
-              <a:defRPr b="1">
-                <a:solidFill>
-                  <a:schemeClr val="accent4">
-                    <a:satOff val="-3525"/>
-                    <a:lumOff val="-10431"/>
-                  </a:schemeClr>
-                </a:solidFill>
-              </a:defRPr>
-            </a:pPr>
-            <a:r>
-              <a:t>the matrix below.</a:t>
-            </a:r>
+            <a:endParaRPr sz="1400">
+              <a:solidFill>
+                <a:srgbClr val="01467C"/>
+              </a:solidFill>
+            </a:endParaRPr>
           </a:p>
         </p:txBody>
       </p:sp>
@@ -8436,7 +8617,1189 @@
                                       <p:cBhvr>
                                         <p:cTn id="6" fill="hold"/>
                                         <p:tgtEl>
-                                          <p:spTgt spid="206"/>
+                                          <p:spTgt spid="209"/>
+                                        </p:tgtEl>
+                                        <p:attrNameLst>
+                                          <p:attrName>style.visibility</p:attrName>
+                                        </p:attrNameLst>
+                                      </p:cBhvr>
+                                      <p:to>
+                                        <p:strVal val="visible"/>
+                                      </p:to>
+                                    </p:set>
+                                  </p:childTnLst>
+                                </p:cTn>
+                              </p:par>
+                            </p:childTnLst>
+                          </p:cTn>
+                        </p:par>
+                      </p:childTnLst>
+                    </p:cTn>
+                  </p:par>
+                </p:childTnLst>
+              </p:cTn>
+              <p:prevCondLst>
+                <p:cond evt="onPrev">
+                  <p:tgtEl>
+                    <p:sldTgt/>
+                  </p:tgtEl>
+                </p:cond>
+              </p:prevCondLst>
+              <p:nextCondLst>
+                <p:cond evt="onNext">
+                  <p:tgtEl>
+                    <p:sldTgt/>
+                  </p:tgtEl>
+                </p:cond>
+              </p:nextCondLst>
+            </p:seq>
+          </p:childTnLst>
+        </p:cTn>
+      </p:par>
+    </p:tnLst>
+    <p:bldLst>
+      <p:bldP build="whole" bldLvl="1" animBg="1" rev="0" advAuto="0" spid="209" grpId="1"/>
+    </p:bldLst>
+  </p:timing>
+</p:sld>
+</file>
+
+<file path=ppt/slides/slide6.xml><?xml version="1.0" encoding="utf-8"?>
+<p:sld xmlns:a="http://schemas.openxmlformats.org/drawingml/2006/main" xmlns:r="http://schemas.openxmlformats.org/officeDocument/2006/relationships" xmlns:p="http://schemas.openxmlformats.org/presentationml/2006/main" xmlns:m="http://schemas.openxmlformats.org/officeDocument/2006/math" xmlns:a14="http://schemas.microsoft.com/office/drawing/2010/main" showMasterSp="1" showMasterPhAnim="1">
+  <p:cSld>
+    <p:spTree>
+      <p:nvGrpSpPr>
+        <p:cNvPr id="1" name=""/>
+        <p:cNvGrpSpPr/>
+        <p:nvPr/>
+      </p:nvGrpSpPr>
+      <p:grpSpPr>
+        <a:xfrm>
+          <a:off x="0" y="0"/>
+          <a:ext cx="0" cy="0"/>
+          <a:chOff x="0" y="0"/>
+          <a:chExt cx="0" cy="0"/>
+        </a:xfrm>
+      </p:grpSpPr>
+      <p:sp>
+        <p:nvSpPr>
+          <p:cNvPr id="215" name="Group"/>
+          <p:cNvSpPr txBox="1"/>
+          <p:nvPr/>
+        </p:nvSpPr>
+        <p:spPr>
+          <a:xfrm>
+            <a:off x="1572306" y="1705691"/>
+            <a:ext cx="6518406" cy="869610"/>
+          </a:xfrm>
+          <a:prstGeom prst="rect">
+            <a:avLst/>
+          </a:prstGeom>
+          <a:ln w="12700">
+            <a:miter lim="400000"/>
+          </a:ln>
+          <a:extLst>
+            <a:ext uri="{C572A759-6A51-4108-AA02-DFA0A04FC94B}">
+              <ma14:wrappingTextBoxFlag xmlns:ma14="http://schemas.microsoft.com/office/mac/drawingml/2011/main" val="1"/>
+            </a:ext>
+          </a:extLst>
+        </p:spPr>
+        <p:txBody>
+          <a:bodyPr lIns="0" tIns="0" rIns="0" bIns="0"/>
+          <a:lstStyle/>
+          <a:p>
+            <a:pPr>
+              <a:defRPr>
+                <a:solidFill>
+                  <a:srgbClr val="4D22B2"/>
+                </a:solidFill>
+              </a:defRPr>
+            </a:pPr>
+            <a:r>
+              <a:t>Adjugate </a:t>
+            </a:r>
+          </a:p>
+          <a:p>
+            <a:pPr/>
+            <a:r>
+              <a:t>The adjugate of a matrix A </a:t>
+            </a:r>
+            <a14:m>
+              <m:oMath>
+                <m:r>
+                  <m:rPr>
+                    <m:nor/>
+                  </m:rPr>
+                  <a:rPr xmlns:a="http://schemas.openxmlformats.org/drawingml/2006/main" sz="1550" i="1">
+                    <a:solidFill>
+                      <a:srgbClr val="012F7B"/>
+                    </a:solidFill>
+                    <a:latin typeface="Cambria Math" panose="02040503050406030204" pitchFamily="18" charset="0"/>
+                  </a:rPr>
+                  <m:t>adj</m:t>
+                </m:r>
+                <m:r>
+                  <a:rPr xmlns:a="http://schemas.openxmlformats.org/drawingml/2006/main" sz="1550" i="1">
+                    <a:solidFill>
+                      <a:srgbClr val="012F7B"/>
+                    </a:solidFill>
+                    <a:latin typeface="Cambria Math" panose="02040503050406030204" pitchFamily="18" charset="0"/>
+                  </a:rPr>
+                  <m:t>(</m:t>
+                </m:r>
+                <m:r>
+                  <a:rPr xmlns:a="http://schemas.openxmlformats.org/drawingml/2006/main" sz="1550" i="1">
+                    <a:solidFill>
+                      <a:srgbClr val="012F7B"/>
+                    </a:solidFill>
+                    <a:latin typeface="Cambria Math" panose="02040503050406030204" pitchFamily="18" charset="0"/>
+                  </a:rPr>
+                  <m:t>A</m:t>
+                </m:r>
+                <m:r>
+                  <a:rPr xmlns:a="http://schemas.openxmlformats.org/drawingml/2006/main" sz="1550" i="1">
+                    <a:solidFill>
+                      <a:srgbClr val="012F7B"/>
+                    </a:solidFill>
+                    <a:latin typeface="Cambria Math" panose="02040503050406030204" pitchFamily="18" charset="0"/>
+                  </a:rPr>
+                  <m:t>)</m:t>
+                </m:r>
+              </m:oMath>
+            </a14:m>
+            <a:r>
+              <a:t> is the transpose of the cofactor matrix </a:t>
+            </a:r>
+            <a14:m>
+              <m:oMath>
+                <m:sSup>
+                  <m:e>
+                    <m:r>
+                      <a:rPr xmlns:a="http://schemas.openxmlformats.org/drawingml/2006/main" sz="1700" i="1">
+                        <a:solidFill>
+                          <a:srgbClr val="012F7B"/>
+                        </a:solidFill>
+                        <a:latin typeface="Cambria Math" panose="02040503050406030204" pitchFamily="18" charset="0"/>
+                      </a:rPr>
+                      <m:t>C</m:t>
+                    </m:r>
+                  </m:e>
+                  <m:sup>
+                    <m:r>
+                      <a:rPr xmlns:a="http://schemas.openxmlformats.org/drawingml/2006/main" sz="1700" i="1">
+                        <a:solidFill>
+                          <a:srgbClr val="012F7B"/>
+                        </a:solidFill>
+                        <a:latin typeface="Cambria Math" panose="02040503050406030204" pitchFamily="18" charset="0"/>
+                      </a:rPr>
+                      <m:t>T</m:t>
+                    </m:r>
+                  </m:sup>
+                </m:sSup>
+              </m:oMath>
+            </a14:m>
+            <a:endParaRPr>
+              <a:solidFill>
+                <a:srgbClr val="012F7B"/>
+              </a:solidFill>
+            </a:endParaRPr>
+          </a:p>
+        </p:txBody>
+      </p:sp>
+      <p:sp>
+        <p:nvSpPr>
+          <p:cNvPr id="216" name="Be sure to: do the work below in your saved copy of thenAlice’s restaurant Pyret file:…"/>
+          <p:cNvSpPr txBox="1"/>
+          <p:nvPr/>
+        </p:nvSpPr>
+        <p:spPr>
+          <a:xfrm>
+            <a:off x="1765205" y="155300"/>
+            <a:ext cx="4818189" cy="520701"/>
+          </a:xfrm>
+          <a:prstGeom prst="rect">
+            <a:avLst/>
+          </a:prstGeom>
+          <a:solidFill>
+            <a:srgbClr val="FFFFFF"/>
+          </a:solidFill>
+          <a:ln w="12700">
+            <a:solidFill>
+              <a:srgbClr val="0056D6"/>
+            </a:solidFill>
+            <a:miter lim="400000"/>
+          </a:ln>
+          <a:extLst>
+            <a:ext uri="{C572A759-6A51-4108-AA02-DFA0A04FC94B}">
+              <ma14:wrappingTextBoxFlag xmlns:ma14="http://schemas.microsoft.com/office/mac/drawingml/2011/main" val="1"/>
+            </a:ext>
+          </a:extLst>
+        </p:spPr>
+        <p:txBody>
+          <a:bodyPr lIns="0" tIns="0" rIns="0" bIns="0">
+            <a:spAutoFit/>
+          </a:bodyPr>
+          <a:lstStyle/>
+          <a:p>
+            <a:pPr>
+              <a:defRPr sz="1700">
+                <a:solidFill>
+                  <a:schemeClr val="accent5">
+                    <a:satOff val="-3088"/>
+                    <a:lumOff val="12696"/>
+                  </a:schemeClr>
+                </a:solidFill>
+              </a:defRPr>
+            </a:pPr>
+            <a:r>
+              <a:t>Mini-lesson </a:t>
+            </a:r>
+            <a:r>
+              <a:rPr>
+                <a:solidFill>
+                  <a:schemeClr val="accent3"/>
+                </a:solidFill>
+              </a:rPr>
+              <a:t>Be sure to </a:t>
+            </a:r>
+            <a:r>
+              <a:rPr>
+                <a:solidFill>
+                  <a:srgbClr val="FF2600"/>
+                </a:solidFill>
+              </a:rPr>
+              <a:t>copy the notes below and on the board </a:t>
+            </a:r>
+            <a:r>
+              <a:rPr>
+                <a:solidFill>
+                  <a:schemeClr val="accent3"/>
+                </a:solidFill>
+              </a:rPr>
+              <a:t>in your notebook &amp; ask questions!</a:t>
+            </a:r>
+          </a:p>
+        </p:txBody>
+      </p:sp>
+      <p:sp>
+        <p:nvSpPr>
+          <p:cNvPr id="217" name="Group"/>
+          <p:cNvSpPr txBox="1"/>
+          <p:nvPr/>
+        </p:nvSpPr>
+        <p:spPr>
+          <a:xfrm>
+            <a:off x="1598371" y="889116"/>
+            <a:ext cx="5947258" cy="793414"/>
+          </a:xfrm>
+          <a:prstGeom prst="rect">
+            <a:avLst/>
+          </a:prstGeom>
+          <a:ln w="12700">
+            <a:miter lim="400000"/>
+          </a:ln>
+          <a:extLst>
+            <a:ext uri="{C572A759-6A51-4108-AA02-DFA0A04FC94B}">
+              <ma14:wrappingTextBoxFlag xmlns:ma14="http://schemas.microsoft.com/office/mac/drawingml/2011/main" val="1"/>
+            </a:ext>
+          </a:extLst>
+        </p:spPr>
+        <p:txBody>
+          <a:bodyPr lIns="0" tIns="0" rIns="0" bIns="0"/>
+          <a:lstStyle/>
+          <a:p>
+            <a:pPr>
+              <a:defRPr>
+                <a:solidFill>
+                  <a:srgbClr val="4D22B2"/>
+                </a:solidFill>
+              </a:defRPr>
+            </a:pPr>
+            <a:r>
+              <a:t>Cofactor matrix </a:t>
+            </a:r>
+          </a:p>
+          <a:p>
+            <a:pPr/>
+            <a:r>
+              <a:t>The </a:t>
+            </a:r>
+            <a:r>
+              <a:rPr>
+                <a:solidFill>
+                  <a:srgbClr val="FF6A00"/>
+                </a:solidFill>
+              </a:rPr>
+              <a:t>cofactor matrix</a:t>
+            </a:r>
+            <a:r>
+              <a:rPr>
+                <a:solidFill>
+                  <a:schemeClr val="accent1">
+                    <a:lumOff val="-6117"/>
+                  </a:schemeClr>
+                </a:solidFill>
+              </a:rPr>
+              <a:t> </a:t>
+            </a:r>
+            <a14:m>
+              <m:oMath>
+                <m:r>
+                  <a:rPr xmlns:a="http://schemas.openxmlformats.org/drawingml/2006/main" sz="1800" i="1">
+                    <a:solidFill>
+                      <a:srgbClr val="00457C"/>
+                    </a:solidFill>
+                    <a:latin typeface="Cambria Math" panose="02040503050406030204" pitchFamily="18" charset="0"/>
+                  </a:rPr>
+                  <m:t>C</m:t>
+                </m:r>
+              </m:oMath>
+            </a14:m>
+            <a:r>
+              <a:rPr>
+                <a:solidFill>
+                  <a:schemeClr val="accent1">
+                    <a:lumOff val="-6117"/>
+                  </a:schemeClr>
+                </a:solidFill>
+              </a:rPr>
+              <a:t> </a:t>
+            </a:r>
+            <a:r>
+              <a:t> for a matrix </a:t>
+            </a:r>
+            <a14:m>
+              <m:oMath>
+                <m:r>
+                  <a:rPr xmlns:a="http://schemas.openxmlformats.org/drawingml/2006/main" sz="1650" i="1">
+                    <a:solidFill>
+                      <a:srgbClr val="012F7B"/>
+                    </a:solidFill>
+                    <a:latin typeface="Cambria Math" panose="02040503050406030204" pitchFamily="18" charset="0"/>
+                  </a:rPr>
+                  <m:t>A</m:t>
+                </m:r>
+              </m:oMath>
+            </a14:m>
+            <a:r>
+              <a:t> replaces every element </a:t>
+            </a:r>
+            <a14:m>
+              <m:oMath>
+                <m:sSub>
+                  <m:e>
+                    <m:r>
+                      <a:rPr xmlns:a="http://schemas.openxmlformats.org/drawingml/2006/main" sz="1650" i="1">
+                        <a:solidFill>
+                          <a:srgbClr val="012F7B"/>
+                        </a:solidFill>
+                        <a:latin typeface="Cambria Math" panose="02040503050406030204" pitchFamily="18" charset="0"/>
+                      </a:rPr>
+                      <m:t>a</m:t>
+                    </m:r>
+                  </m:e>
+                  <m:sub>
+                    <m:r>
+                      <a:rPr xmlns:a="http://schemas.openxmlformats.org/drawingml/2006/main" sz="1650" i="1">
+                        <a:solidFill>
+                          <a:srgbClr val="012F7B"/>
+                        </a:solidFill>
+                        <a:latin typeface="Cambria Math" panose="02040503050406030204" pitchFamily="18" charset="0"/>
+                      </a:rPr>
+                      <m:t>i</m:t>
+                    </m:r>
+                    <m:r>
+                      <a:rPr xmlns:a="http://schemas.openxmlformats.org/drawingml/2006/main" sz="1650" i="1">
+                        <a:solidFill>
+                          <a:srgbClr val="012F7B"/>
+                        </a:solidFill>
+                        <a:latin typeface="Cambria Math" panose="02040503050406030204" pitchFamily="18" charset="0"/>
+                      </a:rPr>
+                      <m:t>,</m:t>
+                    </m:r>
+                    <m:r>
+                      <a:rPr xmlns:a="http://schemas.openxmlformats.org/drawingml/2006/main" sz="1650" i="1">
+                        <a:solidFill>
+                          <a:srgbClr val="012F7B"/>
+                        </a:solidFill>
+                        <a:latin typeface="Cambria Math" panose="02040503050406030204" pitchFamily="18" charset="0"/>
+                      </a:rPr>
+                      <m:t>j</m:t>
+                    </m:r>
+                  </m:sub>
+                </m:sSub>
+              </m:oMath>
+            </a14:m>
+            <a:r>
+              <a:t> in </a:t>
+            </a:r>
+            <a14:m>
+              <m:oMath>
+                <m:r>
+                  <a:rPr xmlns:a="http://schemas.openxmlformats.org/drawingml/2006/main" sz="1650" i="1">
+                    <a:solidFill>
+                      <a:srgbClr val="012F7B"/>
+                    </a:solidFill>
+                    <a:latin typeface="Cambria Math" panose="02040503050406030204" pitchFamily="18" charset="0"/>
+                  </a:rPr>
+                  <m:t>A</m:t>
+                </m:r>
+              </m:oMath>
+            </a14:m>
+            <a:r>
+              <a:t> with its cofactor </a:t>
+            </a:r>
+            <a14:m>
+              <m:oMath>
+                <m:sSub>
+                  <m:e>
+                    <m:r>
+                      <a:rPr xmlns:a="http://schemas.openxmlformats.org/drawingml/2006/main" sz="1700" i="1">
+                        <a:solidFill>
+                          <a:srgbClr val="012F7B"/>
+                        </a:solidFill>
+                        <a:latin typeface="Cambria Math" panose="02040503050406030204" pitchFamily="18" charset="0"/>
+                      </a:rPr>
+                      <m:t>c</m:t>
+                    </m:r>
+                  </m:e>
+                  <m:sub>
+                    <m:r>
+                      <a:rPr xmlns:a="http://schemas.openxmlformats.org/drawingml/2006/main" sz="1700" i="1">
+                        <a:solidFill>
+                          <a:srgbClr val="012F7B"/>
+                        </a:solidFill>
+                        <a:latin typeface="Cambria Math" panose="02040503050406030204" pitchFamily="18" charset="0"/>
+                      </a:rPr>
+                      <m:t>i</m:t>
+                    </m:r>
+                    <m:r>
+                      <a:rPr xmlns:a="http://schemas.openxmlformats.org/drawingml/2006/main" sz="1700" i="1">
+                        <a:solidFill>
+                          <a:srgbClr val="012F7B"/>
+                        </a:solidFill>
+                        <a:latin typeface="Cambria Math" panose="02040503050406030204" pitchFamily="18" charset="0"/>
+                      </a:rPr>
+                      <m:t>,</m:t>
+                    </m:r>
+                    <m:r>
+                      <a:rPr xmlns:a="http://schemas.openxmlformats.org/drawingml/2006/main" sz="1700" i="1">
+                        <a:solidFill>
+                          <a:srgbClr val="012F7B"/>
+                        </a:solidFill>
+                        <a:latin typeface="Cambria Math" panose="02040503050406030204" pitchFamily="18" charset="0"/>
+                      </a:rPr>
+                      <m:t>j</m:t>
+                    </m:r>
+                  </m:sub>
+                </m:sSub>
+              </m:oMath>
+            </a14:m>
+            <a:r>
+              <a:t> in </a:t>
+            </a:r>
+            <a14:m>
+              <m:oMath>
+                <m:r>
+                  <a:rPr xmlns:a="http://schemas.openxmlformats.org/drawingml/2006/main" sz="1800" i="1">
+                    <a:solidFill>
+                      <a:srgbClr val="012F7B"/>
+                    </a:solidFill>
+                    <a:latin typeface="Cambria Math" panose="02040503050406030204" pitchFamily="18" charset="0"/>
+                  </a:rPr>
+                  <m:t>C</m:t>
+                </m:r>
+              </m:oMath>
+            </a14:m>
+            <a:endParaRPr>
+              <a:solidFill>
+                <a:srgbClr val="012F7B"/>
+              </a:solidFill>
+            </a:endParaRPr>
+          </a:p>
+        </p:txBody>
+      </p:sp>
+      <p:sp>
+        <p:nvSpPr>
+          <p:cNvPr id="218" name="Equation"/>
+          <p:cNvSpPr txBox="1"/>
+          <p:nvPr/>
+        </p:nvSpPr>
+        <p:spPr>
+          <a:xfrm>
+            <a:off x="3924815" y="3557411"/>
+            <a:ext cx="1468360" cy="546736"/>
+          </a:xfrm>
+          <a:prstGeom prst="rect">
+            <a:avLst/>
+          </a:prstGeom>
+          <a:ln w="12700">
+            <a:miter lim="400000"/>
+          </a:ln>
+        </p:spPr>
+        <p:txBody>
+          <a:bodyPr wrap="none" lIns="0" tIns="0" rIns="0" bIns="0">
+            <a:spAutoFit/>
+          </a:bodyPr>
+          <a:lstStyle/>
+          <a:p>
+            <a:pPr latinLnBrk="1">
+              <a:defRPr sz="1800">
+                <a:solidFill>
+                  <a:srgbClr val="000000"/>
+                </a:solidFill>
+              </a:defRPr>
+            </a:pPr>
+            <a14:m>
+              <m:oMathPara>
+                <m:oMathParaPr>
+                  <m:jc m:val="centerGroup"/>
+                </m:oMathParaPr>
+                <m:oMath>
+                  <m:r>
+                    <a:rPr xmlns:a="http://schemas.openxmlformats.org/drawingml/2006/main" sz="1400" i="1">
+                      <a:solidFill>
+                        <a:srgbClr val="00457C"/>
+                      </a:solidFill>
+                      <a:latin typeface="Cambria Math" panose="02040503050406030204" pitchFamily="18" charset="0"/>
+                    </a:rPr>
+                    <m:t>C</m:t>
+                  </m:r>
+                  <m:r>
+                    <a:rPr xmlns:a="http://schemas.openxmlformats.org/drawingml/2006/main" sz="1400" i="1">
+                      <a:solidFill>
+                        <a:srgbClr val="00457C"/>
+                      </a:solidFill>
+                      <a:latin typeface="Cambria Math" panose="02040503050406030204" pitchFamily="18" charset="0"/>
+                    </a:rPr>
+                    <m:t>=</m:t>
+                  </m:r>
+                  <m:d>
+                    <m:dPr>
+                      <m:ctrlPr>
+                        <a:rPr xmlns:a="http://schemas.openxmlformats.org/drawingml/2006/main" sz="1400" i="1">
+                          <a:solidFill>
+                            <a:srgbClr val="00457C"/>
+                          </a:solidFill>
+                          <a:latin typeface="Cambria Math" panose="02040503050406030204" pitchFamily="18" charset="0"/>
+                        </a:rPr>
+                      </m:ctrlPr>
+                      <m:begChr m:val="["/>
+                      <m:endChr m:val="]"/>
+                    </m:dPr>
+                    <m:e>
+                      <m:m>
+                        <m:mPr>
+                          <m:ctrlPr>
+                            <a:rPr xmlns:a="http://schemas.openxmlformats.org/drawingml/2006/main" sz="1400" i="1">
+                              <a:solidFill>
+                                <a:srgbClr val="00457C"/>
+                              </a:solidFill>
+                              <a:latin typeface="Cambria Math" panose="02040503050406030204" pitchFamily="18" charset="0"/>
+                            </a:rPr>
+                          </m:ctrlPr>
+                          <m:baseJc m:val="center"/>
+                          <m:plcHide m:val="on"/>
+                          <m:mcs>
+                            <m:mc>
+                              <m:mcPr>
+                                <m:count m:val="3"/>
+                                <m:mcJc m:val="center"/>
+                              </m:mcPr>
+                            </m:mc>
+                          </m:mcs>
+                        </m:mPr>
+                        <m:mr>
+                          <m:e>
+                            <m:r>
+                              <a:rPr xmlns:a="http://schemas.openxmlformats.org/drawingml/2006/main" sz="1400" i="1">
+                                <a:solidFill>
+                                  <a:srgbClr val="00457C"/>
+                                </a:solidFill>
+                                <a:latin typeface="Cambria Math" panose="02040503050406030204" pitchFamily="18" charset="0"/>
+                              </a:rPr>
+                              <m:t>-</m:t>
+                            </m:r>
+                            <m:r>
+                              <a:rPr xmlns:a="http://schemas.openxmlformats.org/drawingml/2006/main" sz="1400" i="1">
+                                <a:solidFill>
+                                  <a:srgbClr val="00457C"/>
+                                </a:solidFill>
+                                <a:latin typeface="Cambria Math" panose="02040503050406030204" pitchFamily="18" charset="0"/>
+                              </a:rPr>
+                              <m:t>8</m:t>
+                            </m:r>
+                          </m:e>
+                          <m:e>
+                            <m:r>
+                              <a:rPr xmlns:a="http://schemas.openxmlformats.org/drawingml/2006/main" sz="1400" i="1">
+                                <a:solidFill>
+                                  <a:srgbClr val="00457C"/>
+                                </a:solidFill>
+                                <a:latin typeface="Cambria Math" panose="02040503050406030204" pitchFamily="18" charset="0"/>
+                              </a:rPr>
+                              <m:t>-</m:t>
+                            </m:r>
+                            <m:r>
+                              <a:rPr xmlns:a="http://schemas.openxmlformats.org/drawingml/2006/main" sz="1400" i="1">
+                                <a:solidFill>
+                                  <a:srgbClr val="00457C"/>
+                                </a:solidFill>
+                                <a:latin typeface="Cambria Math" panose="02040503050406030204" pitchFamily="18" charset="0"/>
+                              </a:rPr>
+                              <m:t>2</m:t>
+                            </m:r>
+                          </m:e>
+                          <m:e>
+                            <m:r>
+                              <a:rPr xmlns:a="http://schemas.openxmlformats.org/drawingml/2006/main" sz="1400" i="1">
+                                <a:solidFill>
+                                  <a:srgbClr val="00457C"/>
+                                </a:solidFill>
+                                <a:latin typeface="Cambria Math" panose="02040503050406030204" pitchFamily="18" charset="0"/>
+                              </a:rPr>
+                              <m:t>-</m:t>
+                            </m:r>
+                            <m:r>
+                              <a:rPr xmlns:a="http://schemas.openxmlformats.org/drawingml/2006/main" sz="1400" i="1">
+                                <a:solidFill>
+                                  <a:srgbClr val="00457C"/>
+                                </a:solidFill>
+                                <a:latin typeface="Cambria Math" panose="02040503050406030204" pitchFamily="18" charset="0"/>
+                              </a:rPr>
+                              <m:t>2</m:t>
+                            </m:r>
+                          </m:e>
+                        </m:mr>
+                        <m:mr>
+                          <m:e>
+                            <m:r>
+                              <a:rPr xmlns:a="http://schemas.openxmlformats.org/drawingml/2006/main" sz="1400" i="1">
+                                <a:solidFill>
+                                  <a:srgbClr val="00457C"/>
+                                </a:solidFill>
+                                <a:latin typeface="Cambria Math" panose="02040503050406030204" pitchFamily="18" charset="0"/>
+                              </a:rPr>
+                              <m:t>2</m:t>
+                            </m:r>
+                          </m:e>
+                          <m:e>
+                            <m:r>
+                              <a:rPr xmlns:a="http://schemas.openxmlformats.org/drawingml/2006/main" sz="1400" i="1">
+                                <a:solidFill>
+                                  <a:srgbClr val="00457C"/>
+                                </a:solidFill>
+                                <a:latin typeface="Cambria Math" panose="02040503050406030204" pitchFamily="18" charset="0"/>
+                              </a:rPr>
+                              <m:t>-</m:t>
+                            </m:r>
+                            <m:r>
+                              <a:rPr xmlns:a="http://schemas.openxmlformats.org/drawingml/2006/main" sz="1400" i="1">
+                                <a:solidFill>
+                                  <a:srgbClr val="00457C"/>
+                                </a:solidFill>
+                                <a:latin typeface="Cambria Math" panose="02040503050406030204" pitchFamily="18" charset="0"/>
+                              </a:rPr>
+                              <m:t>2</m:t>
+                            </m:r>
+                          </m:e>
+                          <m:e>
+                            <m:r>
+                              <a:rPr xmlns:a="http://schemas.openxmlformats.org/drawingml/2006/main" sz="1400" i="1">
+                                <a:solidFill>
+                                  <a:srgbClr val="00457C"/>
+                                </a:solidFill>
+                                <a:latin typeface="Cambria Math" panose="02040503050406030204" pitchFamily="18" charset="0"/>
+                              </a:rPr>
+                              <m:t>-</m:t>
+                            </m:r>
+                            <m:r>
+                              <a:rPr xmlns:a="http://schemas.openxmlformats.org/drawingml/2006/main" sz="1400" i="1">
+                                <a:solidFill>
+                                  <a:srgbClr val="00457C"/>
+                                </a:solidFill>
+                                <a:latin typeface="Cambria Math" panose="02040503050406030204" pitchFamily="18" charset="0"/>
+                              </a:rPr>
+                              <m:t>2</m:t>
+                            </m:r>
+                          </m:e>
+                        </m:mr>
+                        <m:mr>
+                          <m:e>
+                            <m:r>
+                              <a:rPr xmlns:a="http://schemas.openxmlformats.org/drawingml/2006/main" sz="1400" i="1">
+                                <a:solidFill>
+                                  <a:srgbClr val="00457C"/>
+                                </a:solidFill>
+                                <a:latin typeface="Cambria Math" panose="02040503050406030204" pitchFamily="18" charset="0"/>
+                              </a:rPr>
+                              <m:t>9</m:t>
+                            </m:r>
+                          </m:e>
+                          <m:e>
+                            <m:r>
+                              <a:rPr xmlns:a="http://schemas.openxmlformats.org/drawingml/2006/main" sz="1400" i="1">
+                                <a:solidFill>
+                                  <a:srgbClr val="00457C"/>
+                                </a:solidFill>
+                                <a:latin typeface="Cambria Math" panose="02040503050406030204" pitchFamily="18" charset="0"/>
+                              </a:rPr>
+                              <m:t>1</m:t>
+                            </m:r>
+                          </m:e>
+                          <m:e>
+                            <m:r>
+                              <a:rPr xmlns:a="http://schemas.openxmlformats.org/drawingml/2006/main" sz="1400" i="1">
+                                <a:solidFill>
+                                  <a:srgbClr val="00457C"/>
+                                </a:solidFill>
+                                <a:latin typeface="Cambria Math" panose="02040503050406030204" pitchFamily="18" charset="0"/>
+                              </a:rPr>
+                              <m:t>6</m:t>
+                            </m:r>
+                          </m:e>
+                        </m:mr>
+                      </m:m>
+                    </m:e>
+                  </m:d>
+                </m:oMath>
+              </m:oMathPara>
+            </a14:m>
+            <a:endParaRPr sz="1400">
+              <a:solidFill>
+                <a:srgbClr val="01467C"/>
+              </a:solidFill>
+            </a:endParaRPr>
+          </a:p>
+        </p:txBody>
+      </p:sp>
+      <p:sp>
+        <p:nvSpPr>
+          <p:cNvPr id="219" name="Equation"/>
+          <p:cNvSpPr txBox="1"/>
+          <p:nvPr/>
+        </p:nvSpPr>
+        <p:spPr>
+          <a:xfrm>
+            <a:off x="3989427" y="2470428"/>
+            <a:ext cx="1339137" cy="546736"/>
+          </a:xfrm>
+          <a:prstGeom prst="rect">
+            <a:avLst/>
+          </a:prstGeom>
+          <a:ln w="12700">
+            <a:miter lim="400000"/>
+          </a:ln>
+        </p:spPr>
+        <p:txBody>
+          <a:bodyPr wrap="none" lIns="0" tIns="0" rIns="0" bIns="0">
+            <a:spAutoFit/>
+          </a:bodyPr>
+          <a:lstStyle/>
+          <a:p>
+            <a:pPr latinLnBrk="1">
+              <a:defRPr sz="1800">
+                <a:solidFill>
+                  <a:srgbClr val="000000"/>
+                </a:solidFill>
+              </a:defRPr>
+            </a:pPr>
+            <a14:m>
+              <m:oMathPara>
+                <m:oMathParaPr>
+                  <m:jc m:val="centerGroup"/>
+                </m:oMathParaPr>
+                <m:oMath>
+                  <m:r>
+                    <a:rPr xmlns:a="http://schemas.openxmlformats.org/drawingml/2006/main" sz="1400" i="1">
+                      <a:solidFill>
+                        <a:srgbClr val="00457C"/>
+                      </a:solidFill>
+                      <a:latin typeface="Cambria Math" panose="02040503050406030204" pitchFamily="18" charset="0"/>
+                    </a:rPr>
+                    <m:t>A</m:t>
+                  </m:r>
+                  <m:r>
+                    <a:rPr xmlns:a="http://schemas.openxmlformats.org/drawingml/2006/main" sz="1400" i="1">
+                      <a:solidFill>
+                        <a:srgbClr val="00457C"/>
+                      </a:solidFill>
+                      <a:latin typeface="Cambria Math" panose="02040503050406030204" pitchFamily="18" charset="0"/>
+                    </a:rPr>
+                    <m:t>=</m:t>
+                  </m:r>
+                  <m:d>
+                    <m:dPr>
+                      <m:ctrlPr>
+                        <a:rPr xmlns:a="http://schemas.openxmlformats.org/drawingml/2006/main" sz="1400" i="1">
+                          <a:solidFill>
+                            <a:srgbClr val="00457C"/>
+                          </a:solidFill>
+                          <a:latin typeface="Cambria Math" panose="02040503050406030204" pitchFamily="18" charset="0"/>
+                        </a:rPr>
+                      </m:ctrlPr>
+                      <m:begChr m:val="["/>
+                      <m:endChr m:val="]"/>
+                    </m:dPr>
+                    <m:e>
+                      <m:m>
+                        <m:mPr>
+                          <m:ctrlPr>
+                            <a:rPr xmlns:a="http://schemas.openxmlformats.org/drawingml/2006/main" sz="1400" i="1">
+                              <a:solidFill>
+                                <a:srgbClr val="00457C"/>
+                              </a:solidFill>
+                              <a:latin typeface="Cambria Math" panose="02040503050406030204" pitchFamily="18" charset="0"/>
+                            </a:rPr>
+                          </m:ctrlPr>
+                          <m:baseJc m:val="center"/>
+                          <m:plcHide m:val="on"/>
+                          <m:mcs>
+                            <m:mc>
+                              <m:mcPr>
+                                <m:count m:val="3"/>
+                                <m:mcJc m:val="center"/>
+                              </m:mcPr>
+                            </m:mc>
+                          </m:mcs>
+                        </m:mPr>
+                        <m:mr>
+                          <m:e>
+                            <m:r>
+                              <a:rPr xmlns:a="http://schemas.openxmlformats.org/drawingml/2006/main" sz="1400" i="1">
+                                <a:solidFill>
+                                  <a:srgbClr val="00457C"/>
+                                </a:solidFill>
+                                <a:latin typeface="Cambria Math" panose="02040503050406030204" pitchFamily="18" charset="0"/>
+                              </a:rPr>
+                              <m:t>1</m:t>
+                            </m:r>
+                          </m:e>
+                          <m:e>
+                            <m:r>
+                              <a:rPr xmlns:a="http://schemas.openxmlformats.org/drawingml/2006/main" sz="1400" i="1">
+                                <a:solidFill>
+                                  <a:srgbClr val="00457C"/>
+                                </a:solidFill>
+                                <a:latin typeface="Cambria Math" panose="02040503050406030204" pitchFamily="18" charset="0"/>
+                              </a:rPr>
+                              <m:t>3</m:t>
+                            </m:r>
+                          </m:e>
+                          <m:e>
+                            <m:r>
+                              <a:rPr xmlns:a="http://schemas.openxmlformats.org/drawingml/2006/main" sz="1400" i="1">
+                                <a:solidFill>
+                                  <a:srgbClr val="00457C"/>
+                                </a:solidFill>
+                                <a:latin typeface="Cambria Math" panose="02040503050406030204" pitchFamily="18" charset="0"/>
+                              </a:rPr>
+                              <m:t>-</m:t>
+                            </m:r>
+                            <m:r>
+                              <a:rPr xmlns:a="http://schemas.openxmlformats.org/drawingml/2006/main" sz="1400" i="1">
+                                <a:solidFill>
+                                  <a:srgbClr val="00457C"/>
+                                </a:solidFill>
+                                <a:latin typeface="Cambria Math" panose="02040503050406030204" pitchFamily="18" charset="0"/>
+                              </a:rPr>
+                              <m:t>2</m:t>
+                            </m:r>
+                          </m:e>
+                        </m:mr>
+                        <m:mr>
+                          <m:e>
+                            <m:r>
+                              <a:rPr xmlns:a="http://schemas.openxmlformats.org/drawingml/2006/main" sz="1400" i="1">
+                                <a:solidFill>
+                                  <a:srgbClr val="00457C"/>
+                                </a:solidFill>
+                                <a:latin typeface="Cambria Math" panose="02040503050406030204" pitchFamily="18" charset="0"/>
+                              </a:rPr>
+                              <m:t>-</m:t>
+                            </m:r>
+                            <m:r>
+                              <a:rPr xmlns:a="http://schemas.openxmlformats.org/drawingml/2006/main" sz="1400" i="1">
+                                <a:solidFill>
+                                  <a:srgbClr val="00457C"/>
+                                </a:solidFill>
+                                <a:latin typeface="Cambria Math" panose="02040503050406030204" pitchFamily="18" charset="0"/>
+                              </a:rPr>
+                              <m:t>1</m:t>
+                            </m:r>
+                          </m:e>
+                          <m:e>
+                            <m:r>
+                              <a:rPr xmlns:a="http://schemas.openxmlformats.org/drawingml/2006/main" sz="1400" i="1">
+                                <a:solidFill>
+                                  <a:srgbClr val="00457C"/>
+                                </a:solidFill>
+                                <a:latin typeface="Cambria Math" panose="02040503050406030204" pitchFamily="18" charset="0"/>
+                              </a:rPr>
+                              <m:t>3</m:t>
+                            </m:r>
+                          </m:e>
+                          <m:e>
+                            <m:r>
+                              <a:rPr xmlns:a="http://schemas.openxmlformats.org/drawingml/2006/main" sz="1400" i="1">
+                                <a:solidFill>
+                                  <a:srgbClr val="00457C"/>
+                                </a:solidFill>
+                                <a:latin typeface="Cambria Math" panose="02040503050406030204" pitchFamily="18" charset="0"/>
+                              </a:rPr>
+                              <m:t>1</m:t>
+                            </m:r>
+                          </m:e>
+                        </m:mr>
+                        <m:mr>
+                          <m:e>
+                            <m:r>
+                              <a:rPr xmlns:a="http://schemas.openxmlformats.org/drawingml/2006/main" sz="1400" i="1">
+                                <a:solidFill>
+                                  <a:srgbClr val="00457C"/>
+                                </a:solidFill>
+                                <a:latin typeface="Cambria Math" panose="02040503050406030204" pitchFamily="18" charset="0"/>
+                              </a:rPr>
+                              <m:t>0</m:t>
+                            </m:r>
+                          </m:e>
+                          <m:e>
+                            <m:r>
+                              <a:rPr xmlns:a="http://schemas.openxmlformats.org/drawingml/2006/main" sz="1400" i="1">
+                                <a:solidFill>
+                                  <a:srgbClr val="00457C"/>
+                                </a:solidFill>
+                                <a:latin typeface="Cambria Math" panose="02040503050406030204" pitchFamily="18" charset="0"/>
+                              </a:rPr>
+                              <m:t>2</m:t>
+                            </m:r>
+                          </m:e>
+                          <m:e>
+                            <m:r>
+                              <a:rPr xmlns:a="http://schemas.openxmlformats.org/drawingml/2006/main" sz="1400" i="1">
+                                <a:solidFill>
+                                  <a:srgbClr val="00457C"/>
+                                </a:solidFill>
+                                <a:latin typeface="Cambria Math" panose="02040503050406030204" pitchFamily="18" charset="0"/>
+                              </a:rPr>
+                              <m:t>-</m:t>
+                            </m:r>
+                            <m:r>
+                              <a:rPr xmlns:a="http://schemas.openxmlformats.org/drawingml/2006/main" sz="1400" i="1">
+                                <a:solidFill>
+                                  <a:srgbClr val="00457C"/>
+                                </a:solidFill>
+                                <a:latin typeface="Cambria Math" panose="02040503050406030204" pitchFamily="18" charset="0"/>
+                              </a:rPr>
+                              <m:t>2</m:t>
+                            </m:r>
+                          </m:e>
+                        </m:mr>
+                      </m:m>
+                    </m:e>
+                  </m:d>
+                </m:oMath>
+              </m:oMathPara>
+            </a14:m>
+            <a:endParaRPr sz="1400">
+              <a:solidFill>
+                <a:srgbClr val="01467C"/>
+              </a:solidFill>
+            </a:endParaRPr>
+          </a:p>
+        </p:txBody>
+      </p:sp>
+      <p:sp>
+        <p:nvSpPr>
+          <p:cNvPr id="220" name="If   is the cofactor matrix of  , find the determinant and adjugate of  ,…"/>
+          <p:cNvSpPr txBox="1"/>
+          <p:nvPr/>
+        </p:nvSpPr>
+        <p:spPr>
+          <a:xfrm>
+            <a:off x="274631" y="2598462"/>
+            <a:ext cx="2804450" cy="684554"/>
+          </a:xfrm>
+          <a:prstGeom prst="rect">
+            <a:avLst/>
+          </a:prstGeom>
+          <a:ln w="12700">
+            <a:miter lim="400000"/>
+          </a:ln>
+          <a:extLst>
+            <a:ext uri="{C572A759-6A51-4108-AA02-DFA0A04FC94B}">
+              <ma14:wrappingTextBoxFlag xmlns:ma14="http://schemas.microsoft.com/office/mac/drawingml/2011/main" val="1"/>
+            </a:ext>
+          </a:extLst>
+        </p:spPr>
+        <p:txBody>
+          <a:bodyPr wrap="none" lIns="0" tIns="0" rIns="0" bIns="0">
+            <a:spAutoFit/>
+          </a:bodyPr>
+          <a:lstStyle/>
+          <a:p>
+            <a:pPr>
+              <a:defRPr>
+                <a:solidFill>
+                  <a:schemeClr val="accent4"/>
+                </a:solidFill>
+              </a:defRPr>
+            </a:pPr>
+            <a:r>
+              <a:t>If </a:t>
+            </a:r>
+            <a14:m>
+              <m:oMath>
+                <m:r>
+                  <a:rPr xmlns:a="http://schemas.openxmlformats.org/drawingml/2006/main" sz="1800" i="1">
+                    <a:solidFill>
+                      <a:srgbClr val="51B9A3"/>
+                    </a:solidFill>
+                    <a:latin typeface="Cambria Math" panose="02040503050406030204" pitchFamily="18" charset="0"/>
+                  </a:rPr>
+                  <m:t>C</m:t>
+                </m:r>
+              </m:oMath>
+            </a14:m>
+            <a:r>
+              <a:t> is the cofactor matrix of </a:t>
+            </a:r>
+            <a14:m>
+              <m:oMath>
+                <m:r>
+                  <a:rPr xmlns:a="http://schemas.openxmlformats.org/drawingml/2006/main" sz="1650" i="1">
+                    <a:solidFill>
+                      <a:srgbClr val="51B9A3"/>
+                    </a:solidFill>
+                    <a:latin typeface="Cambria Math" panose="02040503050406030204" pitchFamily="18" charset="0"/>
+                  </a:rPr>
+                  <m:t>A</m:t>
+                </m:r>
+              </m:oMath>
+            </a14:m>
+            <a:r>
+              <a:t>, find</a:t>
+            </a:r>
+            <a:br/>
+            <a:r>
+              <a:t>the determinant and adjugate of </a:t>
+            </a:r>
+            <a14:m>
+              <m:oMath>
+                <m:r>
+                  <a:rPr xmlns:a="http://schemas.openxmlformats.org/drawingml/2006/main" sz="1650" i="1">
+                    <a:solidFill>
+                      <a:srgbClr val="51B9A3"/>
+                    </a:solidFill>
+                    <a:latin typeface="Cambria Math" panose="02040503050406030204" pitchFamily="18" charset="0"/>
+                  </a:rPr>
+                  <m:t>A</m:t>
+                </m:r>
+              </m:oMath>
+            </a14:m>
+            <a:r>
+              <a:t>, </a:t>
+            </a:r>
+          </a:p>
+          <a:p>
+            <a:pPr>
+              <a:defRPr>
+                <a:solidFill>
+                  <a:schemeClr val="accent4"/>
+                </a:solidFill>
+              </a:defRPr>
+            </a:pPr>
+            <a:r>
+              <a:t>then find  </a:t>
+            </a:r>
+            <a14:m>
+              <m:oMath>
+                <m:sSup>
+                  <m:e>
+                    <m:r>
+                      <a:rPr xmlns:a="http://schemas.openxmlformats.org/drawingml/2006/main" sz="1700" i="1">
+                        <a:solidFill>
+                          <a:srgbClr val="51B9A3"/>
+                        </a:solidFill>
+                        <a:latin typeface="Cambria Math" panose="02040503050406030204" pitchFamily="18" charset="0"/>
+                      </a:rPr>
+                      <m:t>A</m:t>
+                    </m:r>
+                  </m:e>
+                  <m:sup>
+                    <m:r>
+                      <a:rPr xmlns:a="http://schemas.openxmlformats.org/drawingml/2006/main" sz="1700" i="1">
+                        <a:solidFill>
+                          <a:srgbClr val="51B9A3"/>
+                        </a:solidFill>
+                        <a:latin typeface="Cambria Math" panose="02040503050406030204" pitchFamily="18" charset="0"/>
+                      </a:rPr>
+                      <m:t>-</m:t>
+                    </m:r>
+                    <m:r>
+                      <a:rPr xmlns:a="http://schemas.openxmlformats.org/drawingml/2006/main" sz="1700" i="1">
+                        <a:solidFill>
+                          <a:srgbClr val="51B9A3"/>
+                        </a:solidFill>
+                        <a:latin typeface="Cambria Math" panose="02040503050406030204" pitchFamily="18" charset="0"/>
+                      </a:rPr>
+                      <m:t>1</m:t>
+                    </m:r>
+                  </m:sup>
+                </m:sSup>
+              </m:oMath>
+            </a14:m>
+            <a:r>
+              <a:t>.</a:t>
+            </a:r>
+            <a:endParaRPr>
+              <a:solidFill>
+                <a:srgbClr val="51B9A3"/>
+              </a:solidFill>
+            </a:endParaRPr>
+          </a:p>
+        </p:txBody>
+      </p:sp>
+    </p:spTree>
+  </p:cSld>
+  <p:clrMapOvr>
+    <a:masterClrMapping/>
+  </p:clrMapOvr>
+  <p:transition xmlns:p14="http://schemas.microsoft.com/office/powerpoint/2010/main" spd="med" advClick="1"/>
+  <p:timing>
+    <p:tnLst>
+      <p:par>
+        <p:cTn id="1" nodeType="tmRoot" restart="never" dur="indefinite" fill="hold">
+          <p:childTnLst>
+            <p:seq concurrent="1" prevAc="none" nextAc="seek">
+              <p:cTn id="2" nodeType="mainSeq" dur="indefinite" fill="hold">
+                <p:childTnLst>
+                  <p:par>
+                    <p:cTn id="3" fill="hold">
+                      <p:stCondLst>
+                        <p:cond delay="indefinite"/>
+                      </p:stCondLst>
+                      <p:childTnLst>
+                        <p:par>
+                          <p:cTn id="4" fill="hold">
+                            <p:stCondLst>
+                              <p:cond delay="0"/>
+                            </p:stCondLst>
+                            <p:childTnLst>
+                              <p:par>
+                                <p:cTn id="5" presetClass="entr" nodeType="clickEffect" presetSubtype="0" presetID="1" grpId="1" fill="hold">
+                                  <p:stCondLst>
+                                    <p:cond delay="0"/>
+                                  </p:stCondLst>
+                                  <p:iterate type="el" backwards="0">
+                                    <p:tmAbs val="0"/>
+                                  </p:iterate>
+                                  <p:childTnLst>
+                                    <p:set>
+                                      <p:cBhvr>
+                                        <p:cTn id="6" fill="hold"/>
+                                        <p:tgtEl>
+                                          <p:spTgt spid="215"/>
                                         </p:tgtEl>
                                         <p:attrNameLst>
                                           <p:attrName>style.visibility</p:attrName>
@@ -8480,183 +9843,7 @@
                                       <p:cBhvr>
                                         <p:cTn id="10" fill="hold"/>
                                         <p:tgtEl>
-                                          <p:spTgt spid="207"/>
-                                        </p:tgtEl>
-                                        <p:attrNameLst>
-                                          <p:attrName>style.visibility</p:attrName>
-                                        </p:attrNameLst>
-                                      </p:cBhvr>
-                                      <p:to>
-                                        <p:strVal val="visible"/>
-                                      </p:to>
-                                    </p:set>
-                                  </p:childTnLst>
-                                </p:cTn>
-                              </p:par>
-                            </p:childTnLst>
-                          </p:cTn>
-                        </p:par>
-                      </p:childTnLst>
-                    </p:cTn>
-                  </p:par>
-                  <p:par>
-                    <p:cTn id="11" fill="hold">
-                      <p:stCondLst>
-                        <p:cond delay="indefinite"/>
-                      </p:stCondLst>
-                      <p:childTnLst>
-                        <p:par>
-                          <p:cTn id="12" fill="hold">
-                            <p:stCondLst>
-                              <p:cond delay="0"/>
-                            </p:stCondLst>
-                            <p:childTnLst>
-                              <p:par>
-                                <p:cTn id="13" presetClass="entr" nodeType="clickEffect" presetSubtype="0" presetID="1" grpId="3" fill="hold">
-                                  <p:stCondLst>
-                                    <p:cond delay="0"/>
-                                  </p:stCondLst>
-                                  <p:iterate type="el" backwards="0">
-                                    <p:tmAbs val="0"/>
-                                  </p:iterate>
-                                  <p:childTnLst>
-                                    <p:set>
-                                      <p:cBhvr>
-                                        <p:cTn id="14" fill="hold"/>
-                                        <p:tgtEl>
-                                          <p:spTgt spid="209"/>
-                                        </p:tgtEl>
-                                        <p:attrNameLst>
-                                          <p:attrName>style.visibility</p:attrName>
-                                        </p:attrNameLst>
-                                      </p:cBhvr>
-                                      <p:to>
-                                        <p:strVal val="visible"/>
-                                      </p:to>
-                                    </p:set>
-                                  </p:childTnLst>
-                                </p:cTn>
-                              </p:par>
-                            </p:childTnLst>
-                          </p:cTn>
-                        </p:par>
-                      </p:childTnLst>
-                    </p:cTn>
-                  </p:par>
-                  <p:par>
-                    <p:cTn id="15" fill="hold">
-                      <p:stCondLst>
-                        <p:cond delay="indefinite"/>
-                      </p:stCondLst>
-                      <p:childTnLst>
-                        <p:par>
-                          <p:cTn id="16" fill="hold">
-                            <p:stCondLst>
-                              <p:cond delay="0"/>
-                            </p:stCondLst>
-                            <p:childTnLst>
-                              <p:par>
-                                <p:cTn id="17" presetClass="entr" nodeType="clickEffect" presetSubtype="0" presetID="1" grpId="4" fill="hold">
-                                  <p:stCondLst>
-                                    <p:cond delay="0"/>
-                                  </p:stCondLst>
-                                  <p:iterate type="el" backwards="0">
-                                    <p:tmAbs val="0"/>
-                                  </p:iterate>
-                                  <p:childTnLst>
-                                    <p:set>
-                                      <p:cBhvr>
-                                        <p:cTn id="18" fill="hold"/>
-                                        <p:tgtEl>
-                                          <p:spTgt spid="210"/>
-                                        </p:tgtEl>
-                                        <p:attrNameLst>
-                                          <p:attrName>style.visibility</p:attrName>
-                                        </p:attrNameLst>
-                                      </p:cBhvr>
-                                      <p:to>
-                                        <p:strVal val="visible"/>
-                                      </p:to>
-                                    </p:set>
-                                  </p:childTnLst>
-                                </p:cTn>
-                              </p:par>
-                            </p:childTnLst>
-                          </p:cTn>
-                        </p:par>
-                      </p:childTnLst>
-                    </p:cTn>
-                  </p:par>
-                  <p:par>
-                    <p:cTn id="19" fill="hold">
-                      <p:stCondLst>
-                        <p:cond delay="indefinite"/>
-                      </p:stCondLst>
-                      <p:childTnLst>
-                        <p:par>
-                          <p:cTn id="20" fill="hold">
-                            <p:stCondLst>
-                              <p:cond delay="0"/>
-                            </p:stCondLst>
-                            <p:childTnLst>
-                              <p:par>
-                                <p:cTn id="21" presetClass="entr" nodeType="clickEffect" presetSubtype="0" presetID="1" grpId="5" fill="hold">
-                                  <p:stCondLst>
-                                    <p:cond delay="0"/>
-                                  </p:stCondLst>
-                                  <p:iterate type="el" backwards="0">
-                                    <p:tmAbs val="0"/>
-                                  </p:iterate>
-                                  <p:childTnLst>
-                                    <p:set>
-                                      <p:cBhvr>
-                                        <p:cTn id="22" fill="hold"/>
-                                        <p:tgtEl>
-                                          <p:spTgt spid="212"/>
-                                        </p:tgtEl>
-                                        <p:attrNameLst>
-                                          <p:attrName>style.visibility</p:attrName>
-                                        </p:attrNameLst>
-                                      </p:cBhvr>
-                                      <p:to>
-                                        <p:strVal val="visible"/>
-                                      </p:to>
-                                    </p:set>
-                                  </p:childTnLst>
-                                </p:cTn>
-                              </p:par>
-                            </p:childTnLst>
-                          </p:cTn>
-                        </p:par>
-                      </p:childTnLst>
-                    </p:cTn>
-                  </p:par>
-                  <p:par>
-                    <p:cTn id="23" fill="hold">
-                      <p:stCondLst>
-                        <p:cond delay="indefinite"/>
-                      </p:stCondLst>
-                      <p:childTnLst>
-                        <p:par>
-                          <p:cTn id="24" fill="hold">
-                            <p:stCondLst>
-                              <p:cond delay="0"/>
-                            </p:stCondLst>
-                            <p:childTnLst>
-                              <p:par>
-                                <p:cTn id="25" presetClass="entr" nodeType="clickEffect" presetSubtype="0" presetID="1" grpId="6" fill="hold">
-                                  <p:stCondLst>
-                                    <p:cond delay="0"/>
-                                  </p:stCondLst>
-                                  <p:iterate type="el" backwards="0">
-                                    <p:tmAbs val="0"/>
-                                  </p:iterate>
-                                  <p:childTnLst>
-                                    <p:set>
-                                      <p:cBhvr>
-                                        <p:cTn id="26" fill="hold"/>
-                                        <p:tgtEl>
-                                          <p:spTgt spid="211"/>
+                                          <p:spTgt spid="217"/>
                                         </p:tgtEl>
                                         <p:attrNameLst>
                                           <p:attrName>style.visibility</p:attrName>
@@ -8697,18 +9884,14 @@
       </p:par>
     </p:tnLst>
     <p:bldLst>
-      <p:bldP build="whole" bldLvl="1" animBg="1" rev="0" advAuto="0" spid="206" grpId="1"/>
-      <p:bldP build="whole" bldLvl="1" animBg="1" rev="0" advAuto="0" spid="207" grpId="2"/>
-      <p:bldP build="whole" bldLvl="1" animBg="1" rev="0" advAuto="0" spid="210" grpId="4"/>
-      <p:bldP build="whole" bldLvl="1" animBg="1" rev="0" advAuto="0" spid="212" grpId="5"/>
-      <p:bldP build="whole" bldLvl="1" animBg="1" rev="0" advAuto="0" spid="211" grpId="6"/>
-      <p:bldP build="whole" bldLvl="1" animBg="1" rev="0" advAuto="0" spid="209" grpId="3"/>
+      <p:bldP build="whole" bldLvl="1" animBg="1" rev="0" advAuto="0" spid="217" grpId="2"/>
+      <p:bldP build="whole" bldLvl="1" animBg="1" rev="0" advAuto="0" spid="215" grpId="1"/>
     </p:bldLst>
   </p:timing>
 </p:sld>
 </file>
 
-<file path=ppt/slides/slide6.xml><?xml version="1.0" encoding="utf-8"?>
+<file path=ppt/slides/slide7.xml><?xml version="1.0" encoding="utf-8"?>
 <p:sld xmlns:a="http://schemas.openxmlformats.org/drawingml/2006/main" xmlns:r="http://schemas.openxmlformats.org/officeDocument/2006/relationships" xmlns:p="http://schemas.openxmlformats.org/presentationml/2006/main" xmlns:m="http://schemas.openxmlformats.org/officeDocument/2006/math" xmlns:a14="http://schemas.microsoft.com/office/drawing/2010/main" showMasterSp="1" showMasterPhAnim="1">
   <p:cSld>
     <p:spTree>
@@ -8727,14 +9910,14 @@
       </p:grpSpPr>
       <p:sp>
         <p:nvSpPr>
-          <p:cNvPr id="216" name="Be sure to: do the work below in your saved copy of thenAlice’s restaurant Pyret file:…"/>
+          <p:cNvPr id="224" name="Be sure to: do the work below in your saved copy of thenAlice’s restaurant Pyret file:…"/>
           <p:cNvSpPr txBox="1"/>
           <p:nvPr/>
         </p:nvSpPr>
         <p:spPr>
           <a:xfrm>
-            <a:off x="4286287" y="839513"/>
-            <a:ext cx="4854681" cy="1536701"/>
+            <a:off x="3257587" y="468000"/>
+            <a:ext cx="5573571" cy="1536701"/>
           </a:xfrm>
           <a:prstGeom prst="rect">
             <a:avLst/>
@@ -8884,21 +10067,21 @@
       </p:sp>
       <p:grpSp>
         <p:nvGrpSpPr>
-          <p:cNvPr id="220" name="Group"/>
+          <p:cNvPr id="227" name="Group"/>
           <p:cNvGrpSpPr/>
           <p:nvPr/>
         </p:nvGrpSpPr>
         <p:grpSpPr>
           <a:xfrm>
-            <a:off x="1188976" y="986467"/>
-            <a:ext cx="2290931" cy="3544634"/>
+            <a:off x="477776" y="834067"/>
+            <a:ext cx="2648330" cy="1941655"/>
             <a:chOff x="0" y="0"/>
-            <a:chExt cx="2290930" cy="3544633"/>
+            <a:chExt cx="2648329" cy="1941653"/>
           </a:xfrm>
         </p:grpSpPr>
         <p:sp>
           <p:nvSpPr>
-            <p:cNvPr id="217" name="Find all the minors for the matrix below.  Then find all the cofactors.…"/>
+            <p:cNvPr id="225" name="Use the adjugate and determinant calculator on Google Classroom to find the inverse for the matrices below, if there is one:…"/>
             <p:cNvSpPr/>
             <p:nvPr/>
           </p:nvSpPr>
@@ -8944,7 +10127,9 @@
                 </a:path>
               </a:pathLst>
             </a:custGeom>
-            <a:noFill/>
+            <a:solidFill>
+              <a:srgbClr val="FFFFFF"/>
+            </a:solidFill>
             <a:ln w="12700" cap="flat">
               <a:noFill/>
               <a:miter lim="400000"/>
@@ -8968,8 +10153,15 @@
                 <a:defRPr sz="1200"/>
               </a:pPr>
               <a:r>
-                <a:t>Find all the minors for the matrix below.  Then find all the cofactors.</a:t>
+                <a:t>Use the adjugate and determinant calculator on Google Classroom to find the inverse for the matrices below, if there is one:</a:t>
               </a:r>
+            </a:p>
+            <a:p>
+              <a:pPr lvl="2" marL="228600" indent="-228600">
+                <a:buSzPct val="100000"/>
+                <a:buAutoNum type="alphaLcPeriod" startAt="1"/>
+                <a:defRPr sz="1200"/>
+              </a:pPr>
             </a:p>
             <a:p>
               <a:pPr>
@@ -9002,86 +10194,58 @@
               </a:pPr>
             </a:p>
             <a:p>
+              <a:pPr lvl="2" marL="228600" indent="-228600">
+                <a:buSzPct val="100000"/>
+                <a:buAutoNum type="alphaLcPeriod" startAt="2"/>
+                <a:defRPr sz="1200"/>
+              </a:pPr>
+            </a:p>
+            <a:p>
+              <a:pPr lvl="2" marL="228600" indent="-228600">
+                <a:buSzPct val="100000"/>
+                <a:buAutoNum type="alphaLcPeriod" startAt="3"/>
+                <a:defRPr sz="1200"/>
+              </a:pPr>
+            </a:p>
+            <a:p>
+              <a:pPr marL="228600" indent="-228600">
+                <a:buSzPct val="100000"/>
+                <a:buAutoNum type="alphaLcPeriod" startAt="2"/>
+                <a:defRPr sz="1200"/>
+              </a:pPr>
+            </a:p>
+            <a:p>
+              <a:pPr>
+                <a:defRPr sz="1200"/>
+              </a:pPr>
+            </a:p>
+            <a:p>
+              <a:pPr>
+                <a:defRPr sz="1200"/>
+              </a:pPr>
+            </a:p>
+            <a:p>
               <a:pPr marL="228600" indent="-228600">
                 <a:buSzPct val="100000"/>
                 <a:buAutoNum type="arabicPeriod" startAt="2"/>
                 <a:defRPr sz="1200"/>
               </a:pPr>
               <a:r>
-                <a:t>How do you think you could find the minors and cofactors for a </a:t>
+                <a:t> Explain in a sentence how the cofactors of a matrix are used to find its inverse.</a:t>
               </a:r>
-              <a14:m>
-                <m:oMath>
-                  <m:r>
-                    <a:rPr xmlns:a="http://schemas.openxmlformats.org/drawingml/2006/main" sz="1450" i="1">
-                      <a:solidFill>
-                        <a:srgbClr val="F46524"/>
-                      </a:solidFill>
-                      <a:latin typeface="Cambria Math" panose="02040503050406030204" pitchFamily="18" charset="0"/>
-                    </a:rPr>
-                    <m:t>2</m:t>
-                  </m:r>
-                  <m:r>
-                    <a:rPr xmlns:a="http://schemas.openxmlformats.org/drawingml/2006/main" sz="1450" i="1">
-                      <a:solidFill>
-                        <a:srgbClr val="F46524"/>
-                      </a:solidFill>
-                      <a:latin typeface="Cambria Math" panose="02040503050406030204" pitchFamily="18" charset="0"/>
-                    </a:rPr>
-                    <m:t>×</m:t>
-                  </m:r>
-                  <m:r>
-                    <a:rPr xmlns:a="http://schemas.openxmlformats.org/drawingml/2006/main" sz="1450" i="1">
-                      <a:solidFill>
-                        <a:srgbClr val="F46524"/>
-                      </a:solidFill>
-                      <a:latin typeface="Cambria Math" panose="02040503050406030204" pitchFamily="18" charset="0"/>
-                    </a:rPr>
-                    <m:t>2</m:t>
-                  </m:r>
-                </m:oMath>
-              </a14:m>
-              <a:r>
-                <a:t> matrix? Explain in a complete sentence then find them for the matrix below.</a:t>
-              </a:r>
+            </a:p>
+            <a:p>
+              <a:pPr marL="228600" indent="-228600">
+                <a:buSzPct val="100000"/>
+                <a:buAutoNum type="arabicPeriod" startAt="2"/>
+                <a:defRPr sz="1200"/>
+              </a:pPr>
             </a:p>
           </p:txBody>
         </p:sp>
         <p:pic>
           <p:nvPicPr>
-            <p:cNvPr id="218" name="IMG_0128.png" descr="IMG_0128.png"/>
-            <p:cNvPicPr>
-              <a:picLocks noChangeAspect="1"/>
-            </p:cNvPicPr>
-            <p:nvPr/>
-          </p:nvPicPr>
-          <p:blipFill>
-            <a:blip r:embed="rId3">
-              <a:extLst/>
-            </a:blip>
-            <a:srcRect l="26115" t="27832" r="47656" b="63807"/>
-            <a:stretch>
-              <a:fillRect/>
-            </a:stretch>
-          </p:blipFill>
-          <p:spPr>
-            <a:xfrm>
-              <a:off x="381594" y="2861638"/>
-              <a:ext cx="1607047" cy="682996"/>
-            </a:xfrm>
-            <a:prstGeom prst="rect">
-              <a:avLst/>
-            </a:prstGeom>
-            <a:ln w="12700" cap="flat">
-              <a:noFill/>
-              <a:miter lim="400000"/>
-            </a:ln>
-            <a:effectLst/>
-          </p:spPr>
-        </p:pic>
-        <p:pic>
-          <p:nvPicPr>
-            <p:cNvPr id="219" name="IMG_0128.png" descr="IMG_0128.png"/>
+            <p:cNvPr id="226" name="IMG_0128.png" descr="IMG_0128.png"/>
             <p:cNvPicPr>
               <a:picLocks noChangeAspect="1"/>
             </p:cNvPicPr>
@@ -9098,8 +10262,8 @@
           </p:blipFill>
           <p:spPr>
             <a:xfrm>
-              <a:off x="253590" y="587646"/>
-              <a:ext cx="2037341" cy="960308"/>
+              <a:off x="610988" y="981346"/>
+              <a:ext cx="2037342" cy="960308"/>
             </a:xfrm>
             <a:prstGeom prst="rect">
               <a:avLst/>
@@ -9112,16 +10276,45 @@
           </p:spPr>
         </p:pic>
       </p:grpSp>
+      <p:pic>
+        <p:nvPicPr>
+          <p:cNvPr id="228" name="Image" descr="Image"/>
+          <p:cNvPicPr>
+            <a:picLocks noChangeAspect="1"/>
+          </p:cNvPicPr>
+          <p:nvPr/>
+        </p:nvPicPr>
+        <p:blipFill>
+          <a:blip r:embed="rId4">
+            <a:extLst/>
+          </a:blip>
+          <a:stretch>
+            <a:fillRect/>
+          </a:stretch>
+        </p:blipFill>
+        <p:spPr>
+          <a:xfrm>
+            <a:off x="1085850" y="2813441"/>
+            <a:ext cx="1866900" cy="838201"/>
+          </a:xfrm>
+          <a:prstGeom prst="rect">
+            <a:avLst/>
+          </a:prstGeom>
+          <a:ln w="12700">
+            <a:miter lim="400000"/>
+          </a:ln>
+        </p:spPr>
+      </p:pic>
       <p:sp>
         <p:nvSpPr>
-          <p:cNvPr id="221" name="Group"/>
+          <p:cNvPr id="229" name="Group"/>
           <p:cNvSpPr txBox="1"/>
           <p:nvPr/>
         </p:nvSpPr>
         <p:spPr>
           <a:xfrm>
-            <a:off x="4246449" y="2587959"/>
-            <a:ext cx="4381971" cy="584592"/>
+            <a:off x="4125936" y="4134671"/>
+            <a:ext cx="4914671" cy="655658"/>
           </a:xfrm>
           <a:prstGeom prst="rect">
             <a:avLst/>
@@ -9147,7 +10340,132 @@
               </a:defRPr>
             </a:pPr>
             <a:r>
-              <a:t>Minor</a:t>
+              <a:t>Adjugate </a:t>
+            </a:r>
+          </a:p>
+          <a:p>
+            <a:pPr/>
+            <a:r>
+              <a:t>The adjugate of a matrix A </a:t>
+            </a:r>
+            <a14:m>
+              <m:oMath>
+                <m:r>
+                  <m:rPr>
+                    <m:nor/>
+                  </m:rPr>
+                  <a:rPr xmlns:a="http://schemas.openxmlformats.org/drawingml/2006/main" sz="1550" i="1">
+                    <a:solidFill>
+                      <a:srgbClr val="012F7B"/>
+                    </a:solidFill>
+                    <a:latin typeface="Cambria Math" panose="02040503050406030204" pitchFamily="18" charset="0"/>
+                  </a:rPr>
+                  <m:t>adj</m:t>
+                </m:r>
+                <m:r>
+                  <a:rPr xmlns:a="http://schemas.openxmlformats.org/drawingml/2006/main" sz="1550" i="1">
+                    <a:solidFill>
+                      <a:srgbClr val="012F7B"/>
+                    </a:solidFill>
+                    <a:latin typeface="Cambria Math" panose="02040503050406030204" pitchFamily="18" charset="0"/>
+                  </a:rPr>
+                  <m:t>(</m:t>
+                </m:r>
+                <m:r>
+                  <a:rPr xmlns:a="http://schemas.openxmlformats.org/drawingml/2006/main" sz="1550" i="1">
+                    <a:solidFill>
+                      <a:srgbClr val="012F7B"/>
+                    </a:solidFill>
+                    <a:latin typeface="Cambria Math" panose="02040503050406030204" pitchFamily="18" charset="0"/>
+                  </a:rPr>
+                  <m:t>A</m:t>
+                </m:r>
+                <m:r>
+                  <a:rPr xmlns:a="http://schemas.openxmlformats.org/drawingml/2006/main" sz="1550" i="1">
+                    <a:solidFill>
+                      <a:srgbClr val="012F7B"/>
+                    </a:solidFill>
+                    <a:latin typeface="Cambria Math" panose="02040503050406030204" pitchFamily="18" charset="0"/>
+                  </a:rPr>
+                  <m:t>)</m:t>
+                </m:r>
+              </m:oMath>
+            </a14:m>
+            <a:r>
+              <a:t> is the transpose of the cofactor matrix </a:t>
+            </a:r>
+            <a14:m>
+              <m:oMath>
+                <m:sSup>
+                  <m:e>
+                    <m:r>
+                      <a:rPr xmlns:a="http://schemas.openxmlformats.org/drawingml/2006/main" sz="1700" i="1">
+                        <a:solidFill>
+                          <a:srgbClr val="012F7B"/>
+                        </a:solidFill>
+                        <a:latin typeface="Cambria Math" panose="02040503050406030204" pitchFamily="18" charset="0"/>
+                      </a:rPr>
+                      <m:t>C</m:t>
+                    </m:r>
+                  </m:e>
+                  <m:sup>
+                    <m:r>
+                      <a:rPr xmlns:a="http://schemas.openxmlformats.org/drawingml/2006/main" sz="1700" i="1">
+                        <a:solidFill>
+                          <a:srgbClr val="012F7B"/>
+                        </a:solidFill>
+                        <a:latin typeface="Cambria Math" panose="02040503050406030204" pitchFamily="18" charset="0"/>
+                      </a:rPr>
+                      <m:t>T</m:t>
+                    </m:r>
+                  </m:sup>
+                </m:sSup>
+              </m:oMath>
+            </a14:m>
+            <a:endParaRPr>
+              <a:solidFill>
+                <a:srgbClr val="012F7B"/>
+              </a:solidFill>
+            </a:endParaRPr>
+          </a:p>
+        </p:txBody>
+      </p:sp>
+      <p:sp>
+        <p:nvSpPr>
+          <p:cNvPr id="230" name="Group"/>
+          <p:cNvSpPr txBox="1"/>
+          <p:nvPr/>
+        </p:nvSpPr>
+        <p:spPr>
+          <a:xfrm>
+            <a:off x="4052902" y="3088127"/>
+            <a:ext cx="4640101" cy="619029"/>
+          </a:xfrm>
+          <a:prstGeom prst="rect">
+            <a:avLst/>
+          </a:prstGeom>
+          <a:ln w="12700">
+            <a:miter lim="400000"/>
+          </a:ln>
+          <a:extLst>
+            <a:ext uri="{C572A759-6A51-4108-AA02-DFA0A04FC94B}">
+              <ma14:wrappingTextBoxFlag xmlns:ma14="http://schemas.microsoft.com/office/mac/drawingml/2011/main" val="1"/>
+            </a:ext>
+          </a:extLst>
+        </p:spPr>
+        <p:txBody>
+          <a:bodyPr lIns="0" tIns="0" rIns="0" bIns="0"/>
+          <a:lstStyle/>
+          <a:p>
+            <a:pPr>
+              <a:defRPr>
+                <a:solidFill>
+                  <a:srgbClr val="4D22B2"/>
+                </a:solidFill>
+              </a:defRPr>
+            </a:pPr>
+            <a:r>
+              <a:t>Cofactor matrix </a:t>
             </a:r>
           </a:p>
           <a:p>
@@ -9161,7 +10479,7 @@
                   <a:srgbClr val="FF6A00"/>
                 </a:solidFill>
               </a:rPr>
-              <a:t>minor</a:t>
+              <a:t>cofactor matrix</a:t>
             </a:r>
             <a:r>
               <a:rPr>
@@ -9175,48 +10493,15 @@
             </a:r>
             <a14:m>
               <m:oMath>
-                <m:sSub>
-                  <m:e>
-                    <m:r>
-                      <a:rPr xmlns:a="http://schemas.openxmlformats.org/drawingml/2006/main" sz="1650" i="1">
-                        <a:solidFill>
-                          <a:srgbClr val="00457C"/>
-                        </a:solidFill>
-                        <a:latin typeface="Cambria Math" panose="02040503050406030204" pitchFamily="18" charset="0"/>
-                      </a:rPr>
-                      <m:t>M</m:t>
-                    </m:r>
-                  </m:e>
-                  <m:sub>
-                    <m:r>
-                      <a:rPr xmlns:a="http://schemas.openxmlformats.org/drawingml/2006/main" sz="1650" i="1">
-                        <a:solidFill>
-                          <a:srgbClr val="00457C"/>
-                        </a:solidFill>
-                        <a:latin typeface="Cambria Math" panose="02040503050406030204" pitchFamily="18" charset="0"/>
-                      </a:rPr>
-                      <m:t>i</m:t>
-                    </m:r>
-                    <m:r>
-                      <a:rPr xmlns:a="http://schemas.openxmlformats.org/drawingml/2006/main" sz="1650" i="1">
-                        <a:solidFill>
-                          <a:srgbClr val="00457C"/>
-                        </a:solidFill>
-                        <a:latin typeface="Cambria Math" panose="02040503050406030204" pitchFamily="18" charset="0"/>
-                      </a:rPr>
-                      <m:t>,</m:t>
-                    </m:r>
-                    <m:r>
-                      <a:rPr xmlns:a="http://schemas.openxmlformats.org/drawingml/2006/main" sz="1650" i="1">
-                        <a:solidFill>
-                          <a:srgbClr val="00457C"/>
-                        </a:solidFill>
-                        <a:latin typeface="Cambria Math" panose="02040503050406030204" pitchFamily="18" charset="0"/>
-                      </a:rPr>
-                      <m:t>j</m:t>
-                    </m:r>
-                  </m:sub>
-                </m:sSub>
+                <m:r>
+                  <a:rPr xmlns:a="http://schemas.openxmlformats.org/drawingml/2006/main" sz="1800" i="1">
+                    <a:solidFill>
+                      <a:srgbClr val="00457C"/>
+                    </a:solidFill>
+                    <a:latin typeface="Cambria Math" panose="02040503050406030204" pitchFamily="18" charset="0"/>
+                  </a:rPr>
+                  <m:t>C</m:t>
+                </m:r>
               </m:oMath>
             </a14:m>
             <a:r>
@@ -9230,7 +10515,23 @@
               <a:t> </a:t>
             </a:r>
             <a:r>
-              <a:t> for entry </a:t>
+              <a:t> for a matrix </a:t>
+            </a:r>
+            <a14:m>
+              <m:oMath>
+                <m:r>
+                  <a:rPr xmlns:a="http://schemas.openxmlformats.org/drawingml/2006/main" sz="1650" i="1">
+                    <a:solidFill>
+                      <a:srgbClr val="012F7B"/>
+                    </a:solidFill>
+                    <a:latin typeface="Cambria Math" panose="02040503050406030204" pitchFamily="18" charset="0"/>
+                  </a:rPr>
+                  <m:t>A</m:t>
+                </m:r>
+              </m:oMath>
+            </a14:m>
+            <a:r>
+              <a:t> replaces every element </a:t>
             </a:r>
             <a14:m>
               <m:oMath>
@@ -9239,7 +10540,7 @@
                     <m:r>
                       <a:rPr xmlns:a="http://schemas.openxmlformats.org/drawingml/2006/main" sz="1650" i="1">
                         <a:solidFill>
-                          <a:srgbClr val="011D57"/>
+                          <a:srgbClr val="012F7B"/>
                         </a:solidFill>
                         <a:latin typeface="Cambria Math" panose="02040503050406030204" pitchFamily="18" charset="0"/>
                       </a:rPr>
@@ -9250,7 +10551,7 @@
                     <m:r>
                       <a:rPr xmlns:a="http://schemas.openxmlformats.org/drawingml/2006/main" sz="1650" i="1">
                         <a:solidFill>
-                          <a:srgbClr val="011D57"/>
+                          <a:srgbClr val="012F7B"/>
                         </a:solidFill>
                         <a:latin typeface="Cambria Math" panose="02040503050406030204" pitchFamily="18" charset="0"/>
                       </a:rPr>
@@ -9259,7 +10560,7 @@
                     <m:r>
                       <a:rPr xmlns:a="http://schemas.openxmlformats.org/drawingml/2006/main" sz="1650" i="1">
                         <a:solidFill>
-                          <a:srgbClr val="011D57"/>
+                          <a:srgbClr val="012F7B"/>
                         </a:solidFill>
                         <a:latin typeface="Cambria Math" panose="02040503050406030204" pitchFamily="18" charset="0"/>
                       </a:rPr>
@@ -9268,7 +10569,7 @@
                     <m:r>
                       <a:rPr xmlns:a="http://schemas.openxmlformats.org/drawingml/2006/main" sz="1650" i="1">
                         <a:solidFill>
-                          <a:srgbClr val="011D57"/>
+                          <a:srgbClr val="012F7B"/>
                         </a:solidFill>
                         <a:latin typeface="Cambria Math" panose="02040503050406030204" pitchFamily="18" charset="0"/>
                       </a:rPr>
@@ -9279,186 +10580,61 @@
               </m:oMath>
             </a14:m>
             <a:r>
-              <a:t> is the determinant of the</a:t>
-            </a:r>
-          </a:p>
-          <a:p>
-            <a:pPr/>
-            <a:r>
-              <a:t> matrix gotten by deleting  </a:t>
-            </a:r>
-            <a:r>
-              <a:rPr>
-                <a:solidFill>
-                  <a:srgbClr val="011D57"/>
-                </a:solidFill>
-              </a:rPr>
-              <a:t>row </a:t>
+              <a:t> in </a:t>
             </a:r>
             <a14:m>
               <m:oMath>
                 <m:r>
-                  <a:rPr xmlns:a="http://schemas.openxmlformats.org/drawingml/2006/main" sz="1850" i="1">
+                  <a:rPr xmlns:a="http://schemas.openxmlformats.org/drawingml/2006/main" sz="1650" i="1">
                     <a:solidFill>
-                      <a:srgbClr val="011D57"/>
+                      <a:srgbClr val="012F7B"/>
                     </a:solidFill>
                     <a:latin typeface="Cambria Math" panose="02040503050406030204" pitchFamily="18" charset="0"/>
                   </a:rPr>
-                  <m:t>i</m:t>
+                  <m:t>A</m:t>
                 </m:r>
               </m:oMath>
             </a14:m>
             <a:r>
-              <a:rPr>
-                <a:solidFill>
-                  <a:srgbClr val="011D57"/>
-                </a:solidFill>
-              </a:rPr>
-              <a:t> </a:t>
-            </a:r>
-            <a:r>
-              <a:rPr>
-                <a:solidFill>
-                  <a:srgbClr val="FF6A00"/>
-                </a:solidFill>
-              </a:rPr>
-              <a:t>and</a:t>
-            </a:r>
-            <a:r>
-              <a:rPr>
-                <a:solidFill>
-                  <a:srgbClr val="011D57"/>
-                </a:solidFill>
-              </a:rPr>
-              <a:t> column </a:t>
-            </a:r>
-            <a14:m>
-              <m:oMath>
-                <m:r>
-                  <a:rPr xmlns:a="http://schemas.openxmlformats.org/drawingml/2006/main" sz="1000" i="1">
-                    <a:solidFill>
-                      <a:srgbClr val="011D57"/>
-                    </a:solidFill>
-                    <a:latin typeface="Cambria Math" panose="02040503050406030204" pitchFamily="18" charset="0"/>
-                  </a:rPr>
-                  <m:t>j</m:t>
-                </m:r>
-              </m:oMath>
-            </a14:m>
-            <a:r>
-              <a:rPr>
-                <a:solidFill>
-                  <a:srgbClr val="011D57"/>
-                </a:solidFill>
-              </a:rPr>
-              <a:t>.</a:t>
-            </a:r>
-            <a:endParaRPr>
-              <a:solidFill>
-                <a:srgbClr val="011D57"/>
-              </a:solidFill>
-            </a:endParaRPr>
-          </a:p>
-        </p:txBody>
-      </p:sp>
-      <p:sp>
-        <p:nvSpPr>
-          <p:cNvPr id="222" name="Group"/>
-          <p:cNvSpPr txBox="1"/>
-          <p:nvPr/>
-        </p:nvSpPr>
-        <p:spPr>
-          <a:xfrm>
-            <a:off x="4339498" y="3536121"/>
-            <a:ext cx="5947259" cy="793414"/>
-          </a:xfrm>
-          <a:prstGeom prst="rect">
-            <a:avLst/>
-          </a:prstGeom>
-          <a:ln w="12700">
-            <a:miter lim="400000"/>
-          </a:ln>
-          <a:extLst>
-            <a:ext uri="{C572A759-6A51-4108-AA02-DFA0A04FC94B}">
-              <ma14:wrappingTextBoxFlag xmlns:ma14="http://schemas.microsoft.com/office/mac/drawingml/2011/main" val="1"/>
-            </a:ext>
-          </a:extLst>
-        </p:spPr>
-        <p:txBody>
-          <a:bodyPr lIns="0" tIns="0" rIns="0" bIns="0"/>
-          <a:lstStyle/>
-          <a:p>
-            <a:pPr>
-              <a:defRPr>
-                <a:solidFill>
-                  <a:srgbClr val="4D22B2"/>
-                </a:solidFill>
-              </a:defRPr>
-            </a:pPr>
-            <a:r>
-              <a:t>Cofactor</a:t>
-            </a:r>
-          </a:p>
-          <a:p>
-            <a:pPr/>
-            <a:r>
-              <a:t>The </a:t>
-            </a:r>
-            <a:r>
-              <a:rPr>
-                <a:solidFill>
-                  <a:srgbClr val="FF6A00"/>
-                </a:solidFill>
-              </a:rPr>
-              <a:t>cofactor</a:t>
-            </a:r>
-            <a:r>
-              <a:rPr>
-                <a:solidFill>
-                  <a:schemeClr val="accent1">
-                    <a:lumOff val="-6117"/>
-                  </a:schemeClr>
-                </a:solidFill>
-              </a:rPr>
-              <a:t> </a:t>
+              <a:t> with its cofactor </a:t>
             </a:r>
             <a14:m>
               <m:oMath>
                 <m:sSub>
                   <m:e>
                     <m:r>
-                      <a:rPr xmlns:a="http://schemas.openxmlformats.org/drawingml/2006/main" sz="1750" i="1">
+                      <a:rPr xmlns:a="http://schemas.openxmlformats.org/drawingml/2006/main" sz="1700" i="1">
                         <a:solidFill>
-                          <a:srgbClr val="00457C"/>
+                          <a:srgbClr val="012F7B"/>
                         </a:solidFill>
                         <a:latin typeface="Cambria Math" panose="02040503050406030204" pitchFamily="18" charset="0"/>
                       </a:rPr>
-                      <m:t>C</m:t>
+                      <m:t>c</m:t>
                     </m:r>
                   </m:e>
                   <m:sub>
                     <m:r>
-                      <a:rPr xmlns:a="http://schemas.openxmlformats.org/drawingml/2006/main" sz="1750" i="1">
+                      <a:rPr xmlns:a="http://schemas.openxmlformats.org/drawingml/2006/main" sz="1700" i="1">
                         <a:solidFill>
-                          <a:srgbClr val="00457C"/>
+                          <a:srgbClr val="012F7B"/>
                         </a:solidFill>
                         <a:latin typeface="Cambria Math" panose="02040503050406030204" pitchFamily="18" charset="0"/>
                       </a:rPr>
                       <m:t>i</m:t>
                     </m:r>
                     <m:r>
-                      <a:rPr xmlns:a="http://schemas.openxmlformats.org/drawingml/2006/main" sz="1750" i="1">
+                      <a:rPr xmlns:a="http://schemas.openxmlformats.org/drawingml/2006/main" sz="1700" i="1">
                         <a:solidFill>
-                          <a:srgbClr val="00457C"/>
+                          <a:srgbClr val="012F7B"/>
                         </a:solidFill>
                         <a:latin typeface="Cambria Math" panose="02040503050406030204" pitchFamily="18" charset="0"/>
                       </a:rPr>
                       <m:t>,</m:t>
                     </m:r>
                     <m:r>
-                      <a:rPr xmlns:a="http://schemas.openxmlformats.org/drawingml/2006/main" sz="1750" i="1">
+                      <a:rPr xmlns:a="http://schemas.openxmlformats.org/drawingml/2006/main" sz="1700" i="1">
                         <a:solidFill>
-                          <a:srgbClr val="00457C"/>
+                          <a:srgbClr val="012F7B"/>
                         </a:solidFill>
                         <a:latin typeface="Cambria Math" panose="02040503050406030204" pitchFamily="18" charset="0"/>
                       </a:rPr>
@@ -9469,253 +10645,238 @@
               </m:oMath>
             </a14:m>
             <a:r>
-              <a:rPr>
-                <a:solidFill>
-                  <a:schemeClr val="accent1">
-                    <a:lumOff val="-6117"/>
-                  </a:schemeClr>
-                </a:solidFill>
-              </a:rPr>
-              <a:t> </a:t>
-            </a:r>
-            <a:r>
-              <a:t> for entry </a:t>
+              <a:t> in </a:t>
             </a:r>
             <a14:m>
               <m:oMath>
-                <m:sSub>
+                <m:r>
+                  <a:rPr xmlns:a="http://schemas.openxmlformats.org/drawingml/2006/main" sz="1800" i="1">
+                    <a:solidFill>
+                      <a:srgbClr val="012F7B"/>
+                    </a:solidFill>
+                    <a:latin typeface="Cambria Math" panose="02040503050406030204" pitchFamily="18" charset="0"/>
+                  </a:rPr>
+                  <m:t>C</m:t>
+                </m:r>
+              </m:oMath>
+            </a14:m>
+            <a:endParaRPr>
+              <a:solidFill>
+                <a:srgbClr val="012F7B"/>
+              </a:solidFill>
+            </a:endParaRPr>
+          </a:p>
+        </p:txBody>
+      </p:sp>
+      <p:sp>
+        <p:nvSpPr>
+          <p:cNvPr id="231" name="Group"/>
+          <p:cNvSpPr txBox="1"/>
+          <p:nvPr/>
+        </p:nvSpPr>
+        <p:spPr>
+          <a:xfrm>
+            <a:off x="4052902" y="2037999"/>
+            <a:ext cx="5060739" cy="675145"/>
+          </a:xfrm>
+          <a:prstGeom prst="rect">
+            <a:avLst/>
+          </a:prstGeom>
+          <a:ln w="12700">
+            <a:miter lim="400000"/>
+          </a:ln>
+          <a:extLst>
+            <a:ext uri="{C572A759-6A51-4108-AA02-DFA0A04FC94B}">
+              <ma14:wrappingTextBoxFlag xmlns:ma14="http://schemas.microsoft.com/office/mac/drawingml/2011/main" val="1"/>
+            </a:ext>
+          </a:extLst>
+        </p:spPr>
+        <p:txBody>
+          <a:bodyPr lIns="0" tIns="0" rIns="0" bIns="0"/>
+          <a:lstStyle/>
+          <a:p>
+            <a:pPr>
+              <a:defRPr>
+                <a:solidFill>
+                  <a:srgbClr val="4D22B2"/>
+                </a:solidFill>
+              </a:defRPr>
+            </a:pPr>
+            <a:r>
+              <a:t>Transpose</a:t>
+            </a:r>
+          </a:p>
+          <a:p>
+            <a:pPr/>
+            <a:r>
+              <a:t>If </a:t>
+            </a:r>
+            <a14:m>
+              <m:oMath>
+                <m:sSup>
                   <m:e>
                     <m:r>
-                      <a:rPr xmlns:a="http://schemas.openxmlformats.org/drawingml/2006/main" sz="1650" i="1">
+                      <a:rPr xmlns:a="http://schemas.openxmlformats.org/drawingml/2006/main" sz="1550" i="1">
                         <a:solidFill>
-                          <a:srgbClr val="011D57"/>
+                          <a:srgbClr val="F46524"/>
                         </a:solidFill>
                         <a:latin typeface="Cambria Math" panose="02040503050406030204" pitchFamily="18" charset="0"/>
                       </a:rPr>
-                      <m:t>a</m:t>
-                    </m:r>
-                  </m:e>
-                  <m:sub>
-                    <m:r>
-                      <a:rPr xmlns:a="http://schemas.openxmlformats.org/drawingml/2006/main" sz="1650" i="1">
-                        <a:solidFill>
-                          <a:srgbClr val="011D57"/>
-                        </a:solidFill>
-                        <a:latin typeface="Cambria Math" panose="02040503050406030204" pitchFamily="18" charset="0"/>
-                      </a:rPr>
-                      <m:t>i</m:t>
-                    </m:r>
-                    <m:r>
-                      <a:rPr xmlns:a="http://schemas.openxmlformats.org/drawingml/2006/main" sz="1650" i="1">
-                        <a:solidFill>
-                          <a:srgbClr val="011D57"/>
-                        </a:solidFill>
-                        <a:latin typeface="Cambria Math" panose="02040503050406030204" pitchFamily="18" charset="0"/>
-                      </a:rPr>
-                      <m:t>,</m:t>
-                    </m:r>
-                    <m:r>
-                      <a:rPr xmlns:a="http://schemas.openxmlformats.org/drawingml/2006/main" sz="1650" i="1">
-                        <a:solidFill>
-                          <a:srgbClr val="011D57"/>
-                        </a:solidFill>
-                        <a:latin typeface="Cambria Math" panose="02040503050406030204" pitchFamily="18" charset="0"/>
-                      </a:rPr>
-                      <m:t>j</m:t>
-                    </m:r>
-                  </m:sub>
-                </m:sSub>
-              </m:oMath>
-            </a14:m>
-            <a:r>
-              <a:t>  is given by</a:t>
-            </a:r>
-          </a:p>
-          <a:p>
-            <a:pPr/>
-            <a:r>
-              <a:t> </a:t>
-            </a:r>
-            <a14:m>
-              <m:oMath>
-                <m:sSub>
-                  <m:e>
-                    <m:r>
-                      <a:rPr xmlns:a="http://schemas.openxmlformats.org/drawingml/2006/main" sz="1700" i="1">
-                        <a:solidFill>
-                          <a:srgbClr val="007AB9"/>
-                        </a:solidFill>
-                        <a:latin typeface="Cambria Math" panose="02040503050406030204" pitchFamily="18" charset="0"/>
-                      </a:rPr>
-                      <m:t>C</m:t>
-                    </m:r>
-                  </m:e>
-                  <m:sub>
-                    <m:r>
-                      <a:rPr xmlns:a="http://schemas.openxmlformats.org/drawingml/2006/main" sz="1700" i="1">
-                        <a:solidFill>
-                          <a:srgbClr val="007AB9"/>
-                        </a:solidFill>
-                        <a:latin typeface="Cambria Math" panose="02040503050406030204" pitchFamily="18" charset="0"/>
-                      </a:rPr>
-                      <m:t>i</m:t>
-                    </m:r>
-                    <m:r>
-                      <a:rPr xmlns:a="http://schemas.openxmlformats.org/drawingml/2006/main" sz="1700" i="1">
-                        <a:solidFill>
-                          <a:srgbClr val="007AB9"/>
-                        </a:solidFill>
-                        <a:latin typeface="Cambria Math" panose="02040503050406030204" pitchFamily="18" charset="0"/>
-                      </a:rPr>
-                      <m:t>,</m:t>
-                    </m:r>
-                    <m:r>
-                      <a:rPr xmlns:a="http://schemas.openxmlformats.org/drawingml/2006/main" sz="1700" i="1">
-                        <a:solidFill>
-                          <a:srgbClr val="007AB9"/>
-                        </a:solidFill>
-                        <a:latin typeface="Cambria Math" panose="02040503050406030204" pitchFamily="18" charset="0"/>
-                      </a:rPr>
-                      <m:t>j</m:t>
-                    </m:r>
-                  </m:sub>
-                </m:sSub>
-                <m:r>
-                  <a:rPr xmlns:a="http://schemas.openxmlformats.org/drawingml/2006/main" sz="1700" i="1">
-                    <a:solidFill>
-                      <a:srgbClr val="007AB9"/>
-                    </a:solidFill>
-                    <a:latin typeface="Cambria Math" panose="02040503050406030204" pitchFamily="18" charset="0"/>
-                  </a:rPr>
-                  <m:t>=</m:t>
-                </m:r>
-                <m:r>
-                  <a:rPr xmlns:a="http://schemas.openxmlformats.org/drawingml/2006/main" sz="1700" i="1">
-                    <a:solidFill>
-                      <a:srgbClr val="007AB9"/>
-                    </a:solidFill>
-                    <a:latin typeface="Cambria Math" panose="02040503050406030204" pitchFamily="18" charset="0"/>
-                  </a:rPr>
-                  <m:t>(</m:t>
-                </m:r>
-                <m:r>
-                  <a:rPr xmlns:a="http://schemas.openxmlformats.org/drawingml/2006/main" sz="1700" i="1">
-                    <a:solidFill>
-                      <a:srgbClr val="007AB9"/>
-                    </a:solidFill>
-                    <a:latin typeface="Cambria Math" panose="02040503050406030204" pitchFamily="18" charset="0"/>
-                  </a:rPr>
-                  <m:t>-</m:t>
-                </m:r>
-                <m:r>
-                  <a:rPr xmlns:a="http://schemas.openxmlformats.org/drawingml/2006/main" sz="1700" i="1">
-                    <a:solidFill>
-                      <a:srgbClr val="007AB9"/>
-                    </a:solidFill>
-                    <a:latin typeface="Cambria Math" panose="02040503050406030204" pitchFamily="18" charset="0"/>
-                  </a:rPr>
-                  <m:t>1</m:t>
-                </m:r>
-                <m:sSup>
-                  <m:e>
-                    <m:r>
-                      <a:rPr xmlns:a="http://schemas.openxmlformats.org/drawingml/2006/main" sz="1700" i="1">
-                        <a:solidFill>
-                          <a:srgbClr val="007AB9"/>
-                        </a:solidFill>
-                        <a:latin typeface="Cambria Math" panose="02040503050406030204" pitchFamily="18" charset="0"/>
-                      </a:rPr>
-                      <m:t>)</m:t>
+                      <m:t>A</m:t>
                     </m:r>
                   </m:e>
                   <m:sup>
                     <m:r>
-                      <a:rPr xmlns:a="http://schemas.openxmlformats.org/drawingml/2006/main" sz="1700" i="1">
+                      <a:rPr xmlns:a="http://schemas.openxmlformats.org/drawingml/2006/main" sz="1550" i="1">
                         <a:solidFill>
-                          <a:srgbClr val="007AB9"/>
+                          <a:srgbClr val="F46524"/>
                         </a:solidFill>
                         <a:latin typeface="Cambria Math" panose="02040503050406030204" pitchFamily="18" charset="0"/>
                       </a:rPr>
-                      <m:t>i</m:t>
+                      <m:t>T</m:t>
                     </m:r>
+                  </m:sup>
+                </m:sSup>
+              </m:oMath>
+            </a14:m>
+            <a:r>
+              <a:t> is the transpose of </a:t>
+            </a:r>
+            <a14:m>
+              <m:oMath>
+                <m:r>
+                  <a:rPr xmlns:a="http://schemas.openxmlformats.org/drawingml/2006/main" sz="1650" i="1">
+                    <a:solidFill>
+                      <a:srgbClr val="011D57"/>
+                    </a:solidFill>
+                    <a:latin typeface="Cambria Math" panose="02040503050406030204" pitchFamily="18" charset="0"/>
+                  </a:rPr>
+                  <m:t>A</m:t>
+                </m:r>
+              </m:oMath>
+            </a14:m>
+            <a:r>
+              <a:t> than the first row of </a:t>
+            </a:r>
+            <a14:m>
+              <m:oMath>
+                <m:r>
+                  <a:rPr xmlns:a="http://schemas.openxmlformats.org/drawingml/2006/main" sz="1650" i="1">
+                    <a:solidFill>
+                      <a:srgbClr val="F46524"/>
+                    </a:solidFill>
+                    <a:latin typeface="Cambria Math" panose="02040503050406030204" pitchFamily="18" charset="0"/>
+                  </a:rPr>
+                  <m:t>A</m:t>
+                </m:r>
+              </m:oMath>
+            </a14:m>
+            <a:r>
+              <a:t> becomes the first column of </a:t>
+            </a:r>
+            <a14:m>
+              <m:oMath>
+                <m:sSup>
+                  <m:e>
                     <m:r>
-                      <a:rPr xmlns:a="http://schemas.openxmlformats.org/drawingml/2006/main" sz="1700" i="1">
+                      <a:rPr xmlns:a="http://schemas.openxmlformats.org/drawingml/2006/main" sz="1550" i="1">
                         <a:solidFill>
-                          <a:srgbClr val="007AB9"/>
+                          <a:srgbClr val="F46524"/>
                         </a:solidFill>
                         <a:latin typeface="Cambria Math" panose="02040503050406030204" pitchFamily="18" charset="0"/>
                       </a:rPr>
-                      <m:t>+</m:t>
+                      <m:t>A</m:t>
                     </m:r>
+                  </m:e>
+                  <m:sup>
                     <m:r>
-                      <a:rPr xmlns:a="http://schemas.openxmlformats.org/drawingml/2006/main" sz="1700" i="1">
+                      <a:rPr xmlns:a="http://schemas.openxmlformats.org/drawingml/2006/main" sz="1550" i="1">
                         <a:solidFill>
-                          <a:srgbClr val="007AB9"/>
+                          <a:srgbClr val="F46524"/>
                         </a:solidFill>
                         <a:latin typeface="Cambria Math" panose="02040503050406030204" pitchFamily="18" charset="0"/>
                       </a:rPr>
-                      <m:t>j</m:t>
+                      <m:t>T</m:t>
                     </m:r>
                   </m:sup>
                 </m:sSup>
-                <m:r>
-                  <a:rPr xmlns:a="http://schemas.openxmlformats.org/drawingml/2006/main" sz="1700" i="1">
-                    <a:solidFill>
-                      <a:srgbClr val="007AB9"/>
-                    </a:solidFill>
-                    <a:latin typeface="Cambria Math" panose="02040503050406030204" pitchFamily="18" charset="0"/>
-                  </a:rPr>
-                  <m:t>×</m:t>
-                </m:r>
-                <m:sSub>
-                  <m:e>
-                    <m:r>
-                      <a:rPr xmlns:a="http://schemas.openxmlformats.org/drawingml/2006/main" sz="1700" i="1">
-                        <a:solidFill>
-                          <a:srgbClr val="007AB9"/>
-                        </a:solidFill>
-                        <a:latin typeface="Cambria Math" panose="02040503050406030204" pitchFamily="18" charset="0"/>
-                      </a:rPr>
-                      <m:t>M</m:t>
-                    </m:r>
-                  </m:e>
-                  <m:sub>
-                    <m:r>
-                      <a:rPr xmlns:a="http://schemas.openxmlformats.org/drawingml/2006/main" sz="1700" i="1">
-                        <a:solidFill>
-                          <a:srgbClr val="007AB9"/>
-                        </a:solidFill>
-                        <a:latin typeface="Cambria Math" panose="02040503050406030204" pitchFamily="18" charset="0"/>
-                      </a:rPr>
-                      <m:t>i</m:t>
-                    </m:r>
-                    <m:r>
-                      <a:rPr xmlns:a="http://schemas.openxmlformats.org/drawingml/2006/main" sz="1700" i="1">
-                        <a:solidFill>
-                          <a:srgbClr val="007AB9"/>
-                        </a:solidFill>
-                        <a:latin typeface="Cambria Math" panose="02040503050406030204" pitchFamily="18" charset="0"/>
-                      </a:rPr>
-                      <m:t>,</m:t>
-                    </m:r>
-                    <m:r>
-                      <a:rPr xmlns:a="http://schemas.openxmlformats.org/drawingml/2006/main" sz="1700" i="1">
-                        <a:solidFill>
-                          <a:srgbClr val="007AB9"/>
-                        </a:solidFill>
-                        <a:latin typeface="Cambria Math" panose="02040503050406030204" pitchFamily="18" charset="0"/>
-                      </a:rPr>
-                      <m:t>j</m:t>
-                    </m:r>
-                  </m:sub>
-                </m:sSub>
               </m:oMath>
             </a14:m>
-            <a:endParaRPr>
-              <a:solidFill>
-                <a:srgbClr val="007ABA"/>
-              </a:solidFill>
-            </a:endParaRPr>
+            <a:r>
+              <a:t>, and so on.</a:t>
+            </a:r>
+          </a:p>
+        </p:txBody>
+      </p:sp>
+      <p:sp>
+        <p:nvSpPr>
+          <p:cNvPr id="232" name="a."/>
+          <p:cNvSpPr txBox="1"/>
+          <p:nvPr/>
+        </p:nvSpPr>
+        <p:spPr>
+          <a:xfrm>
+            <a:off x="745008" y="1892300"/>
+            <a:ext cx="160984" cy="215900"/>
+          </a:xfrm>
+          <a:prstGeom prst="rect">
+            <a:avLst/>
+          </a:prstGeom>
+          <a:ln w="12700">
+            <a:miter lim="400000"/>
+          </a:ln>
+          <a:extLst>
+            <a:ext uri="{C572A759-6A51-4108-AA02-DFA0A04FC94B}">
+              <ma14:wrappingTextBoxFlag xmlns:ma14="http://schemas.microsoft.com/office/mac/drawingml/2011/main" val="1"/>
+            </a:ext>
+          </a:extLst>
+        </p:spPr>
+        <p:txBody>
+          <a:bodyPr wrap="none" lIns="0" tIns="0" rIns="0" bIns="0">
+            <a:spAutoFit/>
+          </a:bodyPr>
+          <a:lstStyle/>
+          <a:p>
+            <a:pPr/>
+            <a:r>
+              <a:t>a.</a:t>
+            </a:r>
+          </a:p>
+        </p:txBody>
+      </p:sp>
+      <p:sp>
+        <p:nvSpPr>
+          <p:cNvPr id="233" name="b."/>
+          <p:cNvSpPr txBox="1"/>
+          <p:nvPr/>
+        </p:nvSpPr>
+        <p:spPr>
+          <a:xfrm>
+            <a:off x="745008" y="2859453"/>
+            <a:ext cx="160984" cy="215901"/>
+          </a:xfrm>
+          <a:prstGeom prst="rect">
+            <a:avLst/>
+          </a:prstGeom>
+          <a:ln w="12700">
+            <a:miter lim="400000"/>
+          </a:ln>
+          <a:extLst>
+            <a:ext uri="{C572A759-6A51-4108-AA02-DFA0A04FC94B}">
+              <ma14:wrappingTextBoxFlag xmlns:ma14="http://schemas.microsoft.com/office/mac/drawingml/2011/main" val="1"/>
+            </a:ext>
+          </a:extLst>
+        </p:spPr>
+        <p:txBody>
+          <a:bodyPr wrap="none" lIns="0" tIns="0" rIns="0" bIns="0">
+            <a:spAutoFit/>
+          </a:bodyPr>
+          <a:lstStyle/>
+          <a:p>
+            <a:pPr/>
+            <a:r>
+              <a:t>b.</a:t>
+            </a:r>
           </a:p>
         </p:txBody>
       </p:sp>
@@ -9758,7 +10919,7 @@
                                       <p:cBhvr>
                                         <p:cTn id="6" fill="hold"/>
                                         <p:tgtEl>
-                                          <p:spTgt spid="221"/>
+                                          <p:spTgt spid="229"/>
                                         </p:tgtEl>
                                         <p:attrNameLst>
                                           <p:attrName>style.visibility</p:attrName>
@@ -9802,7 +10963,51 @@
                                       <p:cBhvr>
                                         <p:cTn id="10" fill="hold"/>
                                         <p:tgtEl>
-                                          <p:spTgt spid="222"/>
+                                          <p:spTgt spid="230"/>
+                                        </p:tgtEl>
+                                        <p:attrNameLst>
+                                          <p:attrName>style.visibility</p:attrName>
+                                        </p:attrNameLst>
+                                      </p:cBhvr>
+                                      <p:to>
+                                        <p:strVal val="visible"/>
+                                      </p:to>
+                                    </p:set>
+                                  </p:childTnLst>
+                                </p:cTn>
+                              </p:par>
+                            </p:childTnLst>
+                          </p:cTn>
+                        </p:par>
+                      </p:childTnLst>
+                    </p:cTn>
+                  </p:par>
+                  <p:par>
+                    <p:cTn id="11" fill="hold">
+                      <p:stCondLst>
+                        <p:cond delay="indefinite"/>
+                      </p:stCondLst>
+                      <p:childTnLst>
+                        <p:par>
+                          <p:cTn id="12" fill="hold">
+                            <p:stCondLst>
+                              <p:cond delay="0"/>
+                            </p:stCondLst>
+                            <p:childTnLst>
+                              <p:par>
+                                <p:cTn id="13" presetClass="entr" nodeType="clickEffect" presetSubtype="0" presetID="1" grpId="3" fill="hold">
+                                  <p:stCondLst>
+                                    <p:cond delay="0"/>
+                                  </p:stCondLst>
+                                  <p:iterate type="el" backwards="0">
+                                    <p:tmAbs val="0"/>
+                                  </p:iterate>
+                                  <p:childTnLst>
+                                    <p:set>
+                                      <p:cBhvr>
+                                        <p:cTn id="14" fill="hold"/>
+                                        <p:tgtEl>
+                                          <p:spTgt spid="231"/>
                                         </p:tgtEl>
                                         <p:attrNameLst>
                                           <p:attrName>style.visibility</p:attrName>
@@ -9843,14 +11048,15 @@
       </p:par>
     </p:tnLst>
     <p:bldLst>
-      <p:bldP build="whole" bldLvl="1" animBg="1" rev="0" advAuto="0" spid="221" grpId="1"/>
-      <p:bldP build="whole" bldLvl="1" animBg="1" rev="0" advAuto="0" spid="222" grpId="2"/>
+      <p:bldP build="whole" bldLvl="1" animBg="1" rev="0" advAuto="0" spid="231" grpId="3"/>
+      <p:bldP build="whole" bldLvl="1" animBg="1" rev="0" advAuto="0" spid="230" grpId="2"/>
+      <p:bldP build="whole" bldLvl="1" animBg="1" rev="0" advAuto="0" spid="229" grpId="1"/>
     </p:bldLst>
   </p:timing>
 </p:sld>
 </file>
 
-<file path=ppt/slides/slide7.xml><?xml version="1.0" encoding="utf-8"?>
+<file path=ppt/slides/slide8.xml><?xml version="1.0" encoding="utf-8"?>
 <p:sld xmlns:a="http://schemas.openxmlformats.org/drawingml/2006/main" xmlns:r="http://schemas.openxmlformats.org/officeDocument/2006/relationships" xmlns:p="http://schemas.openxmlformats.org/presentationml/2006/main" xmlns:m="http://schemas.openxmlformats.org/officeDocument/2006/math" xmlns:a14="http://schemas.microsoft.com/office/drawing/2010/main" showMasterSp="1" showMasterPhAnim="1">
   <p:cSld>
     <p:spTree>
@@ -9869,7 +11075,7 @@
       </p:grpSpPr>
       <p:sp>
         <p:nvSpPr>
-          <p:cNvPr id="226" name="Why do you think it’s important to find the cofactor and minor of a matrix (think back to framing)?…"/>
+          <p:cNvPr id="237" name="Why do you think it’s important to find the cofactor and minor of a matrix (think back to framing)?…"/>
           <p:cNvSpPr txBox="1"/>
           <p:nvPr/>
         </p:nvSpPr>
@@ -9917,7 +11123,7 @@
       </p:sp>
       <p:pic>
         <p:nvPicPr>
-          <p:cNvPr id="227" name="Image" descr="Image"/>
+          <p:cNvPr id="238" name="Image" descr="Image"/>
           <p:cNvPicPr>
             <a:picLocks noChangeAspect="1"/>
           </p:cNvPicPr>
@@ -9946,7 +11152,7 @@
       </p:pic>
       <p:sp>
         <p:nvSpPr>
-          <p:cNvPr id="228" name="Reflection: Thinking about thinking…"/>
+          <p:cNvPr id="239" name="Reflection: Thinking about thinking…"/>
           <p:cNvSpPr txBox="1"/>
           <p:nvPr/>
         </p:nvSpPr>
@@ -10063,7 +11269,7 @@
                                       <p:cBhvr>
                                         <p:cTn id="6" fill="hold"/>
                                         <p:tgtEl>
-                                          <p:spTgt spid="226">
+                                          <p:spTgt spid="237">
                                             <p:bg/>
                                           </p:spTgt>
                                         </p:tgtEl>
@@ -10091,7 +11297,7 @@
                                       <p:cBhvr>
                                         <p:cTn id="8" fill="hold"/>
                                         <p:tgtEl>
-                                          <p:spTgt spid="226">
+                                          <p:spTgt spid="237">
                                             <p:txEl>
                                               <p:pRg st="0" end="0"/>
                                             </p:txEl>
@@ -10139,7 +11345,7 @@
                                       <p:cBhvr>
                                         <p:cTn id="12" fill="hold"/>
                                         <p:tgtEl>
-                                          <p:spTgt spid="226">
+                                          <p:spTgt spid="237">
                                             <p:txEl>
                                               <p:pRg st="1" end="1"/>
                                             </p:txEl>
@@ -10184,13 +11390,13 @@
       </p:par>
     </p:tnLst>
     <p:bldLst>
-      <p:bldP build="p" bldLvl="5" animBg="1" rev="0" advAuto="0" spid="226" grpId="1"/>
+      <p:bldP build="p" bldLvl="5" animBg="1" rev="0" advAuto="0" spid="237" grpId="1"/>
     </p:bldLst>
   </p:timing>
 </p:sld>
 </file>
 
-<file path=ppt/slides/slide8.xml><?xml version="1.0" encoding="utf-8"?>
+<file path=ppt/slides/slide9.xml><?xml version="1.0" encoding="utf-8"?>
 <p:sld xmlns:a="http://schemas.openxmlformats.org/drawingml/2006/main" xmlns:r="http://schemas.openxmlformats.org/officeDocument/2006/relationships" xmlns:p="http://schemas.openxmlformats.org/presentationml/2006/main" xmlns:m="http://schemas.openxmlformats.org/officeDocument/2006/math" xmlns:a14="http://schemas.microsoft.com/office/drawing/2010/main" showMasterSp="1" showMasterPhAnim="1">
   <p:cSld>
     <p:spTree>
@@ -10209,7 +11415,7 @@
       </p:grpSpPr>
       <p:sp>
         <p:nvSpPr>
-          <p:cNvPr id="232" name="Google Shape;119;p19"/>
+          <p:cNvPr id="243" name="Google Shape;119;p19"/>
           <p:cNvSpPr txBox="1"/>
           <p:nvPr/>
         </p:nvSpPr>
@@ -10323,7 +11529,7 @@
       </p:sp>
       <p:grpSp>
         <p:nvGrpSpPr>
-          <p:cNvPr id="235" name="Google Shape;118;p19"/>
+          <p:cNvPr id="246" name="Google Shape;118;p19"/>
           <p:cNvGrpSpPr/>
           <p:nvPr/>
         </p:nvGrpSpPr>
@@ -10337,7 +11543,7 @@
         </p:grpSpPr>
         <p:sp>
           <p:nvSpPr>
-            <p:cNvPr id="233" name="Rectangle"/>
+            <p:cNvPr id="244" name="Rectangle"/>
             <p:cNvSpPr/>
             <p:nvPr/>
           </p:nvSpPr>
@@ -10381,7 +11587,7 @@
         </p:sp>
         <p:sp>
           <p:nvSpPr>
-            <p:cNvPr id="234" name="wrapping up!…"/>
+            <p:cNvPr id="245" name="wrapping up!…"/>
             <p:cNvSpPr txBox="1"/>
             <p:nvPr/>
           </p:nvSpPr>
@@ -10458,7 +11664,7 @@
       </p:grpSp>
       <p:pic>
         <p:nvPicPr>
-          <p:cNvPr id="236" name="Image" descr="Image"/>
+          <p:cNvPr id="247" name="Image" descr="Image"/>
           <p:cNvPicPr>
             <a:picLocks noChangeAspect="1"/>
           </p:cNvPicPr>
